--- a/ForceTree/数据结构和算法/数据结构与算法之美/Images/数据结构与算法之美_笔记配图.pptx
+++ b/ForceTree/数据结构和算法/数据结构与算法之美/Images/数据结构与算法之美_笔记配图.pptx
@@ -10,6 +10,9 @@
     <p:sldId id="258" r:id="rId5"/>
     <p:sldId id="259" r:id="rId6"/>
     <p:sldId id="260" r:id="rId7"/>
+    <p:sldId id="261" r:id="rId8"/>
+    <p:sldId id="262" r:id="rId9"/>
+    <p:sldId id="263" r:id="rId10"/>
   </p:sldIdLst>
   <p:sldSz cx="12192000" cy="6858000"/>
   <p:notesSz cx="7103745" cy="10234295"/>
@@ -114,6 +117,18 @@
 <file path=ppt/slideLayouts/slideLayout1.xml><?xml version="1.0" encoding="utf-8"?>
 <p:sldLayout xmlns:a="http://schemas.openxmlformats.org/drawingml/2006/main" xmlns:r="http://schemas.openxmlformats.org/officeDocument/2006/relationships" xmlns:p="http://schemas.openxmlformats.org/presentationml/2006/main" type="title" preserve="1">
   <p:cSld name="标题幻灯片">
+    <p:bg>
+      <p:bgPr>
+        <a:solidFill>
+          <a:schemeClr val="accent4">
+            <a:lumMod val="20000"/>
+            <a:lumOff val="80000"/>
+            <a:alpha val="4000"/>
+          </a:schemeClr>
+        </a:solidFill>
+        <a:effectLst/>
+      </p:bgPr>
+    </p:bg>
     <p:spTree>
       <p:nvGrpSpPr>
         <p:cNvPr id="1" name=""/>
@@ -2082,9 +2097,16 @@
 <p:sldMaster xmlns:a="http://schemas.openxmlformats.org/drawingml/2006/main" xmlns:r="http://schemas.openxmlformats.org/officeDocument/2006/relationships" xmlns:p="http://schemas.openxmlformats.org/presentationml/2006/main">
   <p:cSld>
     <p:bg>
-      <p:bgRef idx="1001">
-        <a:schemeClr val="bg1"/>
-      </p:bgRef>
+      <p:bgPr>
+        <a:solidFill>
+          <a:schemeClr val="accent4">
+            <a:lumMod val="20000"/>
+            <a:lumOff val="80000"/>
+            <a:alpha val="17000"/>
+          </a:schemeClr>
+        </a:solidFill>
+        <a:effectLst/>
+      </p:bgPr>
     </p:bg>
     <p:spTree>
       <p:nvGrpSpPr>
@@ -8376,6 +8398,7930 @@
 </p:sld>
 </file>
 
+<file path=ppt/slides/slide6.xml><?xml version="1.0" encoding="utf-8"?>
+<p:sld xmlns:a="http://schemas.openxmlformats.org/drawingml/2006/main" xmlns:r="http://schemas.openxmlformats.org/officeDocument/2006/relationships" xmlns:p="http://schemas.openxmlformats.org/presentationml/2006/main">
+  <p:cSld>
+    <p:spTree>
+      <p:nvGrpSpPr>
+        <p:cNvPr id="1" name=""/>
+        <p:cNvGrpSpPr/>
+        <p:nvPr/>
+      </p:nvGrpSpPr>
+      <p:grpSpPr/>
+      <p:grpSp>
+        <p:nvGrpSpPr>
+          <p:cNvPr id="30" name="组合 29"/>
+          <p:cNvGrpSpPr/>
+          <p:nvPr/>
+        </p:nvGrpSpPr>
+        <p:grpSpPr>
+          <a:xfrm rot="0">
+            <a:off x="697865" y="2204085"/>
+            <a:ext cx="999490" cy="1344295"/>
+            <a:chOff x="3067" y="1956"/>
+            <a:chExt cx="1574" cy="2117"/>
+          </a:xfrm>
+        </p:grpSpPr>
+        <p:cxnSp>
+          <p:nvCxnSpPr>
+            <p:cNvPr id="16" name="直接连接符 15"/>
+            <p:cNvCxnSpPr/>
+            <p:nvPr/>
+          </p:nvCxnSpPr>
+          <p:spPr>
+            <a:xfrm>
+              <a:off x="3083" y="1956"/>
+              <a:ext cx="0" cy="2117"/>
+            </a:xfrm>
+            <a:prstGeom prst="line">
+              <a:avLst/>
+            </a:prstGeom>
+            <a:ln w="22225"/>
+          </p:spPr>
+          <p:style>
+            <a:lnRef idx="1">
+              <a:schemeClr val="accent1"/>
+            </a:lnRef>
+            <a:fillRef idx="0">
+              <a:schemeClr val="accent1"/>
+            </a:fillRef>
+            <a:effectRef idx="0">
+              <a:schemeClr val="accent1"/>
+            </a:effectRef>
+            <a:fontRef idx="minor">
+              <a:schemeClr val="tx1"/>
+            </a:fontRef>
+          </p:style>
+        </p:cxnSp>
+        <p:cxnSp>
+          <p:nvCxnSpPr>
+            <p:cNvPr id="25" name="直接连接符 24"/>
+            <p:cNvCxnSpPr/>
+            <p:nvPr/>
+          </p:nvCxnSpPr>
+          <p:spPr>
+            <a:xfrm>
+              <a:off x="4622" y="1956"/>
+              <a:ext cx="0" cy="2117"/>
+            </a:xfrm>
+            <a:prstGeom prst="line">
+              <a:avLst/>
+            </a:prstGeom>
+            <a:ln w="22225"/>
+          </p:spPr>
+          <p:style>
+            <a:lnRef idx="1">
+              <a:schemeClr val="accent1"/>
+            </a:lnRef>
+            <a:fillRef idx="0">
+              <a:schemeClr val="accent1"/>
+            </a:fillRef>
+            <a:effectRef idx="0">
+              <a:schemeClr val="accent1"/>
+            </a:effectRef>
+            <a:fontRef idx="minor">
+              <a:schemeClr val="tx1"/>
+            </a:fontRef>
+          </p:style>
+        </p:cxnSp>
+        <p:cxnSp>
+          <p:nvCxnSpPr>
+            <p:cNvPr id="29" name="直接连接符 28"/>
+            <p:cNvCxnSpPr/>
+            <p:nvPr/>
+          </p:nvCxnSpPr>
+          <p:spPr>
+            <a:xfrm>
+              <a:off x="3067" y="4073"/>
+              <a:ext cx="1575" cy="0"/>
+            </a:xfrm>
+            <a:prstGeom prst="line">
+              <a:avLst/>
+            </a:prstGeom>
+            <a:ln w="22225"/>
+          </p:spPr>
+          <p:style>
+            <a:lnRef idx="1">
+              <a:schemeClr val="accent1"/>
+            </a:lnRef>
+            <a:fillRef idx="0">
+              <a:schemeClr val="accent1"/>
+            </a:fillRef>
+            <a:effectRef idx="0">
+              <a:schemeClr val="accent1"/>
+            </a:effectRef>
+            <a:fontRef idx="minor">
+              <a:schemeClr val="tx1"/>
+            </a:fontRef>
+          </p:style>
+        </p:cxnSp>
+      </p:grpSp>
+      <p:sp>
+        <p:nvSpPr>
+          <p:cNvPr id="37" name="文本框 36"/>
+          <p:cNvSpPr txBox="1"/>
+          <p:nvPr/>
+        </p:nvSpPr>
+        <p:spPr>
+          <a:xfrm>
+            <a:off x="801370" y="3723005"/>
+            <a:ext cx="792480" cy="275590"/>
+          </a:xfrm>
+          <a:prstGeom prst="rect">
+            <a:avLst/>
+          </a:prstGeom>
+          <a:noFill/>
+        </p:spPr>
+        <p:txBody>
+          <a:bodyPr wrap="none" rtlCol="0">
+            <a:spAutoFit/>
+          </a:bodyPr>
+          <a:p>
+            <a:r>
+              <a:rPr lang="zh-CN" altLang="en-US" sz="1200">
+                <a:latin typeface="PingFang SC Regular" panose="020B0400000000000000" charset="-122"/>
+                <a:ea typeface="PingFang SC Regular" panose="020B0400000000000000" charset="-122"/>
+              </a:rPr>
+              <a:t>初始化栈</a:t>
+            </a:r>
+            <a:endParaRPr lang="zh-CN" altLang="en-US" sz="1200">
+              <a:latin typeface="PingFang SC Regular" panose="020B0400000000000000" charset="-122"/>
+              <a:ea typeface="PingFang SC Regular" panose="020B0400000000000000" charset="-122"/>
+            </a:endParaRPr>
+          </a:p>
+        </p:txBody>
+      </p:sp>
+      <p:grpSp>
+        <p:nvGrpSpPr>
+          <p:cNvPr id="56" name="组合 55"/>
+          <p:cNvGrpSpPr/>
+          <p:nvPr/>
+        </p:nvGrpSpPr>
+        <p:grpSpPr>
+          <a:xfrm>
+            <a:off x="1859915" y="2204085"/>
+            <a:ext cx="1452880" cy="1794510"/>
+            <a:chOff x="4918" y="1956"/>
+            <a:chExt cx="2288" cy="2826"/>
+          </a:xfrm>
+        </p:grpSpPr>
+        <p:grpSp>
+          <p:nvGrpSpPr>
+            <p:cNvPr id="32" name="组合 31"/>
+            <p:cNvGrpSpPr/>
+            <p:nvPr/>
+          </p:nvGrpSpPr>
+          <p:grpSpPr>
+            <a:xfrm>
+              <a:off x="5632" y="1956"/>
+              <a:ext cx="1574" cy="2117"/>
+              <a:chOff x="3067" y="1956"/>
+              <a:chExt cx="1574" cy="2117"/>
+            </a:xfrm>
+          </p:grpSpPr>
+          <p:cxnSp>
+            <p:nvCxnSpPr>
+              <p:cNvPr id="33" name="直接连接符 32"/>
+              <p:cNvCxnSpPr/>
+              <p:nvPr/>
+            </p:nvCxnSpPr>
+            <p:spPr>
+              <a:xfrm>
+                <a:off x="3083" y="1956"/>
+                <a:ext cx="0" cy="2117"/>
+              </a:xfrm>
+              <a:prstGeom prst="line">
+                <a:avLst/>
+              </a:prstGeom>
+              <a:ln w="22225"/>
+            </p:spPr>
+            <p:style>
+              <a:lnRef idx="1">
+                <a:schemeClr val="accent1"/>
+              </a:lnRef>
+              <a:fillRef idx="0">
+                <a:schemeClr val="accent1"/>
+              </a:fillRef>
+              <a:effectRef idx="0">
+                <a:schemeClr val="accent1"/>
+              </a:effectRef>
+              <a:fontRef idx="minor">
+                <a:schemeClr val="tx1"/>
+              </a:fontRef>
+            </p:style>
+          </p:cxnSp>
+          <p:cxnSp>
+            <p:nvCxnSpPr>
+              <p:cNvPr id="34" name="直接连接符 33"/>
+              <p:cNvCxnSpPr/>
+              <p:nvPr/>
+            </p:nvCxnSpPr>
+            <p:spPr>
+              <a:xfrm>
+                <a:off x="4622" y="1956"/>
+                <a:ext cx="0" cy="2117"/>
+              </a:xfrm>
+              <a:prstGeom prst="line">
+                <a:avLst/>
+              </a:prstGeom>
+              <a:ln w="22225"/>
+            </p:spPr>
+            <p:style>
+              <a:lnRef idx="1">
+                <a:schemeClr val="accent1"/>
+              </a:lnRef>
+              <a:fillRef idx="0">
+                <a:schemeClr val="accent1"/>
+              </a:fillRef>
+              <a:effectRef idx="0">
+                <a:schemeClr val="accent1"/>
+              </a:effectRef>
+              <a:fontRef idx="minor">
+                <a:schemeClr val="tx1"/>
+              </a:fontRef>
+            </p:style>
+          </p:cxnSp>
+          <p:cxnSp>
+            <p:nvCxnSpPr>
+              <p:cNvPr id="35" name="直接连接符 34"/>
+              <p:cNvCxnSpPr/>
+              <p:nvPr/>
+            </p:nvCxnSpPr>
+            <p:spPr>
+              <a:xfrm>
+                <a:off x="3067" y="4073"/>
+                <a:ext cx="1575" cy="0"/>
+              </a:xfrm>
+              <a:prstGeom prst="line">
+                <a:avLst/>
+              </a:prstGeom>
+              <a:ln w="22225"/>
+            </p:spPr>
+            <p:style>
+              <a:lnRef idx="1">
+                <a:schemeClr val="accent1"/>
+              </a:lnRef>
+              <a:fillRef idx="0">
+                <a:schemeClr val="accent1"/>
+              </a:fillRef>
+              <a:effectRef idx="0">
+                <a:schemeClr val="accent1"/>
+              </a:effectRef>
+              <a:fontRef idx="minor">
+                <a:schemeClr val="tx1"/>
+              </a:fontRef>
+            </p:style>
+          </p:cxnSp>
+        </p:grpSp>
+        <p:sp>
+          <p:nvSpPr>
+            <p:cNvPr id="36" name="矩形 35"/>
+            <p:cNvSpPr/>
+            <p:nvPr/>
+          </p:nvSpPr>
+          <p:spPr>
+            <a:xfrm>
+              <a:off x="5691" y="3421"/>
+              <a:ext cx="1452" cy="602"/>
+            </a:xfrm>
+            <a:prstGeom prst="rect">
+              <a:avLst/>
+            </a:prstGeom>
+            <a:solidFill>
+              <a:schemeClr val="accent1">
+                <a:lumMod val="20000"/>
+                <a:lumOff val="80000"/>
+              </a:schemeClr>
+            </a:solidFill>
+            <a:ln w="25400"/>
+          </p:spPr>
+          <p:style>
+            <a:lnRef idx="2">
+              <a:schemeClr val="accent1">
+                <a:shade val="50000"/>
+              </a:schemeClr>
+            </a:lnRef>
+            <a:fillRef idx="1">
+              <a:schemeClr val="accent1"/>
+            </a:fillRef>
+            <a:effectRef idx="0">
+              <a:schemeClr val="accent1"/>
+            </a:effectRef>
+            <a:fontRef idx="minor">
+              <a:schemeClr val="lt1"/>
+            </a:fontRef>
+          </p:style>
+          <p:txBody>
+            <a:bodyPr rtlCol="0" anchor="ctr"/>
+            <a:p>
+              <a:pPr algn="ctr"/>
+              <a:r>
+                <a:rPr lang="en-US" altLang="zh-CN" sz="1200">
+                  <a:solidFill>
+                    <a:schemeClr val="tx1"/>
+                  </a:solidFill>
+                </a:rPr>
+                <a:t>a</a:t>
+              </a:r>
+              <a:endParaRPr lang="en-US" altLang="zh-CN" sz="1200">
+                <a:solidFill>
+                  <a:schemeClr val="tx1"/>
+                </a:solidFill>
+              </a:endParaRPr>
+            </a:p>
+          </p:txBody>
+        </p:sp>
+        <p:sp>
+          <p:nvSpPr>
+            <p:cNvPr id="38" name="文本框 37"/>
+            <p:cNvSpPr txBox="1"/>
+            <p:nvPr/>
+          </p:nvSpPr>
+          <p:spPr>
+            <a:xfrm>
+              <a:off x="5726" y="4348"/>
+              <a:ext cx="1382" cy="434"/>
+            </a:xfrm>
+            <a:prstGeom prst="rect">
+              <a:avLst/>
+            </a:prstGeom>
+            <a:noFill/>
+          </p:spPr>
+          <p:txBody>
+            <a:bodyPr wrap="none" rtlCol="0">
+              <a:spAutoFit/>
+            </a:bodyPr>
+            <a:p>
+              <a:r>
+                <a:rPr lang="zh-CN" altLang="en-US" sz="1200">
+                  <a:latin typeface="PingFang SC Regular" panose="020B0400000000000000" charset="-122"/>
+                  <a:ea typeface="PingFang SC Regular" panose="020B0400000000000000" charset="-122"/>
+                </a:rPr>
+                <a:t>元素</a:t>
+              </a:r>
+              <a:r>
+                <a:rPr lang="en-US" altLang="zh-CN" sz="1200">
+                  <a:latin typeface="PingFang SC Regular" panose="020B0400000000000000" charset="-122"/>
+                  <a:ea typeface="PingFang SC Regular" panose="020B0400000000000000" charset="-122"/>
+                </a:rPr>
+                <a:t>a</a:t>
+              </a:r>
+              <a:r>
+                <a:rPr lang="zh-CN" altLang="en-US" sz="1200">
+                  <a:latin typeface="PingFang SC Regular" panose="020B0400000000000000" charset="-122"/>
+                  <a:ea typeface="PingFang SC Regular" panose="020B0400000000000000" charset="-122"/>
+                </a:rPr>
+                <a:t>入栈</a:t>
+              </a:r>
+              <a:endParaRPr lang="zh-CN" altLang="en-US" sz="1200">
+                <a:latin typeface="PingFang SC Regular" panose="020B0400000000000000" charset="-122"/>
+                <a:ea typeface="PingFang SC Regular" panose="020B0400000000000000" charset="-122"/>
+              </a:endParaRPr>
+            </a:p>
+          </p:txBody>
+        </p:sp>
+        <p:cxnSp>
+          <p:nvCxnSpPr>
+            <p:cNvPr id="39" name="直接箭头连接符 38"/>
+            <p:cNvCxnSpPr/>
+            <p:nvPr/>
+          </p:nvCxnSpPr>
+          <p:spPr>
+            <a:xfrm>
+              <a:off x="4918" y="3015"/>
+              <a:ext cx="434" cy="0"/>
+            </a:xfrm>
+            <a:prstGeom prst="straightConnector1">
+              <a:avLst/>
+            </a:prstGeom>
+            <a:ln w="47625">
+              <a:solidFill>
+                <a:schemeClr val="tx1"/>
+              </a:solidFill>
+              <a:tailEnd type="triangle"/>
+            </a:ln>
+          </p:spPr>
+          <p:style>
+            <a:lnRef idx="1">
+              <a:schemeClr val="accent1"/>
+            </a:lnRef>
+            <a:fillRef idx="0">
+              <a:schemeClr val="accent1"/>
+            </a:fillRef>
+            <a:effectRef idx="0">
+              <a:schemeClr val="accent1"/>
+            </a:effectRef>
+            <a:fontRef idx="minor">
+              <a:schemeClr val="tx1"/>
+            </a:fontRef>
+          </p:style>
+        </p:cxnSp>
+      </p:grpSp>
+      <p:grpSp>
+        <p:nvGrpSpPr>
+          <p:cNvPr id="55" name="组合 54"/>
+          <p:cNvGrpSpPr/>
+          <p:nvPr/>
+        </p:nvGrpSpPr>
+        <p:grpSpPr>
+          <a:xfrm>
+            <a:off x="3475355" y="2204085"/>
+            <a:ext cx="1452880" cy="1794510"/>
+            <a:chOff x="7440" y="1956"/>
+            <a:chExt cx="2288" cy="2826"/>
+          </a:xfrm>
+        </p:grpSpPr>
+        <p:grpSp>
+          <p:nvGrpSpPr>
+            <p:cNvPr id="47" name="组合 46"/>
+            <p:cNvGrpSpPr/>
+            <p:nvPr/>
+          </p:nvGrpSpPr>
+          <p:grpSpPr>
+            <a:xfrm>
+              <a:off x="8154" y="1956"/>
+              <a:ext cx="1574" cy="2117"/>
+              <a:chOff x="3067" y="1956"/>
+              <a:chExt cx="1574" cy="2117"/>
+            </a:xfrm>
+          </p:grpSpPr>
+          <p:cxnSp>
+            <p:nvCxnSpPr>
+              <p:cNvPr id="48" name="直接连接符 47"/>
+              <p:cNvCxnSpPr/>
+              <p:nvPr/>
+            </p:nvCxnSpPr>
+            <p:spPr>
+              <a:xfrm>
+                <a:off x="3083" y="1956"/>
+                <a:ext cx="0" cy="2117"/>
+              </a:xfrm>
+              <a:prstGeom prst="line">
+                <a:avLst/>
+              </a:prstGeom>
+              <a:ln w="22225"/>
+            </p:spPr>
+            <p:style>
+              <a:lnRef idx="1">
+                <a:schemeClr val="accent1"/>
+              </a:lnRef>
+              <a:fillRef idx="0">
+                <a:schemeClr val="accent1"/>
+              </a:fillRef>
+              <a:effectRef idx="0">
+                <a:schemeClr val="accent1"/>
+              </a:effectRef>
+              <a:fontRef idx="minor">
+                <a:schemeClr val="tx1"/>
+              </a:fontRef>
+            </p:style>
+          </p:cxnSp>
+          <p:cxnSp>
+            <p:nvCxnSpPr>
+              <p:cNvPr id="49" name="直接连接符 48"/>
+              <p:cNvCxnSpPr/>
+              <p:nvPr/>
+            </p:nvCxnSpPr>
+            <p:spPr>
+              <a:xfrm>
+                <a:off x="4622" y="1956"/>
+                <a:ext cx="0" cy="2117"/>
+              </a:xfrm>
+              <a:prstGeom prst="line">
+                <a:avLst/>
+              </a:prstGeom>
+              <a:ln w="22225"/>
+            </p:spPr>
+            <p:style>
+              <a:lnRef idx="1">
+                <a:schemeClr val="accent1"/>
+              </a:lnRef>
+              <a:fillRef idx="0">
+                <a:schemeClr val="accent1"/>
+              </a:fillRef>
+              <a:effectRef idx="0">
+                <a:schemeClr val="accent1"/>
+              </a:effectRef>
+              <a:fontRef idx="minor">
+                <a:schemeClr val="tx1"/>
+              </a:fontRef>
+            </p:style>
+          </p:cxnSp>
+          <p:cxnSp>
+            <p:nvCxnSpPr>
+              <p:cNvPr id="50" name="直接连接符 49"/>
+              <p:cNvCxnSpPr/>
+              <p:nvPr/>
+            </p:nvCxnSpPr>
+            <p:spPr>
+              <a:xfrm>
+                <a:off x="3067" y="4073"/>
+                <a:ext cx="1575" cy="0"/>
+              </a:xfrm>
+              <a:prstGeom prst="line">
+                <a:avLst/>
+              </a:prstGeom>
+              <a:ln w="22225"/>
+            </p:spPr>
+            <p:style>
+              <a:lnRef idx="1">
+                <a:schemeClr val="accent1"/>
+              </a:lnRef>
+              <a:fillRef idx="0">
+                <a:schemeClr val="accent1"/>
+              </a:fillRef>
+              <a:effectRef idx="0">
+                <a:schemeClr val="accent1"/>
+              </a:effectRef>
+              <a:fontRef idx="minor">
+                <a:schemeClr val="tx1"/>
+              </a:fontRef>
+            </p:style>
+          </p:cxnSp>
+        </p:grpSp>
+        <p:sp>
+          <p:nvSpPr>
+            <p:cNvPr id="51" name="矩形 50"/>
+            <p:cNvSpPr/>
+            <p:nvPr/>
+          </p:nvSpPr>
+          <p:spPr>
+            <a:xfrm>
+              <a:off x="8213" y="3405"/>
+              <a:ext cx="1452" cy="618"/>
+            </a:xfrm>
+            <a:prstGeom prst="rect">
+              <a:avLst/>
+            </a:prstGeom>
+            <a:solidFill>
+              <a:schemeClr val="accent1">
+                <a:lumMod val="20000"/>
+                <a:lumOff val="80000"/>
+              </a:schemeClr>
+            </a:solidFill>
+            <a:ln w="25400"/>
+          </p:spPr>
+          <p:style>
+            <a:lnRef idx="2">
+              <a:schemeClr val="accent1">
+                <a:shade val="50000"/>
+              </a:schemeClr>
+            </a:lnRef>
+            <a:fillRef idx="1">
+              <a:schemeClr val="accent1"/>
+            </a:fillRef>
+            <a:effectRef idx="0">
+              <a:schemeClr val="accent1"/>
+            </a:effectRef>
+            <a:fontRef idx="minor">
+              <a:schemeClr val="lt1"/>
+            </a:fontRef>
+          </p:style>
+          <p:txBody>
+            <a:bodyPr rtlCol="0" anchor="ctr"/>
+            <a:p>
+              <a:pPr algn="ctr"/>
+              <a:r>
+                <a:rPr lang="en-US" altLang="zh-CN" sz="1200">
+                  <a:solidFill>
+                    <a:schemeClr val="tx1"/>
+                  </a:solidFill>
+                </a:rPr>
+                <a:t>a</a:t>
+              </a:r>
+              <a:endParaRPr lang="en-US" altLang="zh-CN" sz="1200">
+                <a:solidFill>
+                  <a:schemeClr val="tx1"/>
+                </a:solidFill>
+              </a:endParaRPr>
+            </a:p>
+          </p:txBody>
+        </p:sp>
+        <p:sp>
+          <p:nvSpPr>
+            <p:cNvPr id="52" name="文本框 51"/>
+            <p:cNvSpPr txBox="1"/>
+            <p:nvPr/>
+          </p:nvSpPr>
+          <p:spPr>
+            <a:xfrm>
+              <a:off x="8248" y="4348"/>
+              <a:ext cx="1389" cy="434"/>
+            </a:xfrm>
+            <a:prstGeom prst="rect">
+              <a:avLst/>
+            </a:prstGeom>
+            <a:noFill/>
+          </p:spPr>
+          <p:txBody>
+            <a:bodyPr wrap="none" rtlCol="0">
+              <a:spAutoFit/>
+            </a:bodyPr>
+            <a:p>
+              <a:r>
+                <a:rPr lang="zh-CN" altLang="en-US" sz="1200">
+                  <a:latin typeface="PingFang SC Regular" panose="020B0400000000000000" charset="-122"/>
+                  <a:ea typeface="PingFang SC Regular" panose="020B0400000000000000" charset="-122"/>
+                </a:rPr>
+                <a:t>元素</a:t>
+              </a:r>
+              <a:r>
+                <a:rPr lang="en-US" altLang="zh-CN" sz="1200">
+                  <a:latin typeface="PingFang SC Regular" panose="020B0400000000000000" charset="-122"/>
+                  <a:ea typeface="PingFang SC Regular" panose="020B0400000000000000" charset="-122"/>
+                </a:rPr>
+                <a:t>b</a:t>
+              </a:r>
+              <a:r>
+                <a:rPr lang="zh-CN" altLang="en-US" sz="1200">
+                  <a:latin typeface="PingFang SC Regular" panose="020B0400000000000000" charset="-122"/>
+                  <a:ea typeface="PingFang SC Regular" panose="020B0400000000000000" charset="-122"/>
+                </a:rPr>
+                <a:t>入栈</a:t>
+              </a:r>
+              <a:endParaRPr lang="zh-CN" altLang="en-US" sz="1200">
+                <a:latin typeface="PingFang SC Regular" panose="020B0400000000000000" charset="-122"/>
+                <a:ea typeface="PingFang SC Regular" panose="020B0400000000000000" charset="-122"/>
+              </a:endParaRPr>
+            </a:p>
+          </p:txBody>
+        </p:sp>
+        <p:cxnSp>
+          <p:nvCxnSpPr>
+            <p:cNvPr id="53" name="直接箭头连接符 52"/>
+            <p:cNvCxnSpPr/>
+            <p:nvPr/>
+          </p:nvCxnSpPr>
+          <p:spPr>
+            <a:xfrm>
+              <a:off x="7440" y="3015"/>
+              <a:ext cx="434" cy="0"/>
+            </a:xfrm>
+            <a:prstGeom prst="straightConnector1">
+              <a:avLst/>
+            </a:prstGeom>
+            <a:ln w="47625">
+              <a:solidFill>
+                <a:schemeClr val="tx1"/>
+              </a:solidFill>
+              <a:tailEnd type="triangle"/>
+            </a:ln>
+          </p:spPr>
+          <p:style>
+            <a:lnRef idx="1">
+              <a:schemeClr val="accent1"/>
+            </a:lnRef>
+            <a:fillRef idx="0">
+              <a:schemeClr val="accent1"/>
+            </a:fillRef>
+            <a:effectRef idx="0">
+              <a:schemeClr val="accent1"/>
+            </a:effectRef>
+            <a:fontRef idx="minor">
+              <a:schemeClr val="tx1"/>
+            </a:fontRef>
+          </p:style>
+        </p:cxnSp>
+        <p:sp>
+          <p:nvSpPr>
+            <p:cNvPr id="54" name="矩形 53"/>
+            <p:cNvSpPr/>
+            <p:nvPr/>
+          </p:nvSpPr>
+          <p:spPr>
+            <a:xfrm>
+              <a:off x="8213" y="2737"/>
+              <a:ext cx="1452" cy="618"/>
+            </a:xfrm>
+            <a:prstGeom prst="rect">
+              <a:avLst/>
+            </a:prstGeom>
+            <a:solidFill>
+              <a:schemeClr val="accent1">
+                <a:lumMod val="20000"/>
+                <a:lumOff val="80000"/>
+              </a:schemeClr>
+            </a:solidFill>
+            <a:ln w="25400"/>
+          </p:spPr>
+          <p:style>
+            <a:lnRef idx="2">
+              <a:schemeClr val="accent1">
+                <a:shade val="50000"/>
+              </a:schemeClr>
+            </a:lnRef>
+            <a:fillRef idx="1">
+              <a:schemeClr val="accent1"/>
+            </a:fillRef>
+            <a:effectRef idx="0">
+              <a:schemeClr val="accent1"/>
+            </a:effectRef>
+            <a:fontRef idx="minor">
+              <a:schemeClr val="lt1"/>
+            </a:fontRef>
+          </p:style>
+          <p:txBody>
+            <a:bodyPr rtlCol="0" anchor="ctr"/>
+            <a:p>
+              <a:pPr algn="ctr"/>
+              <a:r>
+                <a:rPr lang="en-US" altLang="zh-CN" sz="1200">
+                  <a:solidFill>
+                    <a:schemeClr val="tx1"/>
+                  </a:solidFill>
+                </a:rPr>
+                <a:t>b</a:t>
+              </a:r>
+              <a:endParaRPr lang="en-US" altLang="zh-CN" sz="1200">
+                <a:solidFill>
+                  <a:schemeClr val="tx1"/>
+                </a:solidFill>
+              </a:endParaRPr>
+            </a:p>
+          </p:txBody>
+        </p:sp>
+      </p:grpSp>
+      <p:grpSp>
+        <p:nvGrpSpPr>
+          <p:cNvPr id="69" name="组合 68"/>
+          <p:cNvGrpSpPr/>
+          <p:nvPr/>
+        </p:nvGrpSpPr>
+        <p:grpSpPr>
+          <a:xfrm>
+            <a:off x="5090795" y="2204085"/>
+            <a:ext cx="1452880" cy="1794510"/>
+            <a:chOff x="9985" y="1956"/>
+            <a:chExt cx="2288" cy="2826"/>
+          </a:xfrm>
+        </p:grpSpPr>
+        <p:grpSp>
+          <p:nvGrpSpPr>
+            <p:cNvPr id="59" name="组合 58"/>
+            <p:cNvGrpSpPr/>
+            <p:nvPr/>
+          </p:nvGrpSpPr>
+          <p:grpSpPr>
+            <a:xfrm>
+              <a:off x="9985" y="1956"/>
+              <a:ext cx="2288" cy="2826"/>
+              <a:chOff x="7440" y="1956"/>
+              <a:chExt cx="2288" cy="2826"/>
+            </a:xfrm>
+          </p:grpSpPr>
+          <p:grpSp>
+            <p:nvGrpSpPr>
+              <p:cNvPr id="60" name="组合 59"/>
+              <p:cNvGrpSpPr/>
+              <p:nvPr/>
+            </p:nvGrpSpPr>
+            <p:grpSpPr>
+              <a:xfrm>
+                <a:off x="8154" y="1956"/>
+                <a:ext cx="1574" cy="2117"/>
+                <a:chOff x="3067" y="1956"/>
+                <a:chExt cx="1574" cy="2117"/>
+              </a:xfrm>
+            </p:grpSpPr>
+            <p:cxnSp>
+              <p:nvCxnSpPr>
+                <p:cNvPr id="61" name="直接连接符 60"/>
+                <p:cNvCxnSpPr/>
+                <p:nvPr/>
+              </p:nvCxnSpPr>
+              <p:spPr>
+                <a:xfrm>
+                  <a:off x="3083" y="1956"/>
+                  <a:ext cx="0" cy="2117"/>
+                </a:xfrm>
+                <a:prstGeom prst="line">
+                  <a:avLst/>
+                </a:prstGeom>
+                <a:ln w="22225"/>
+              </p:spPr>
+              <p:style>
+                <a:lnRef idx="1">
+                  <a:schemeClr val="accent1"/>
+                </a:lnRef>
+                <a:fillRef idx="0">
+                  <a:schemeClr val="accent1"/>
+                </a:fillRef>
+                <a:effectRef idx="0">
+                  <a:schemeClr val="accent1"/>
+                </a:effectRef>
+                <a:fontRef idx="minor">
+                  <a:schemeClr val="tx1"/>
+                </a:fontRef>
+              </p:style>
+            </p:cxnSp>
+            <p:cxnSp>
+              <p:nvCxnSpPr>
+                <p:cNvPr id="62" name="直接连接符 61"/>
+                <p:cNvCxnSpPr/>
+                <p:nvPr/>
+              </p:nvCxnSpPr>
+              <p:spPr>
+                <a:xfrm>
+                  <a:off x="4622" y="1956"/>
+                  <a:ext cx="0" cy="2117"/>
+                </a:xfrm>
+                <a:prstGeom prst="line">
+                  <a:avLst/>
+                </a:prstGeom>
+                <a:ln w="22225"/>
+              </p:spPr>
+              <p:style>
+                <a:lnRef idx="1">
+                  <a:schemeClr val="accent1"/>
+                </a:lnRef>
+                <a:fillRef idx="0">
+                  <a:schemeClr val="accent1"/>
+                </a:fillRef>
+                <a:effectRef idx="0">
+                  <a:schemeClr val="accent1"/>
+                </a:effectRef>
+                <a:fontRef idx="minor">
+                  <a:schemeClr val="tx1"/>
+                </a:fontRef>
+              </p:style>
+            </p:cxnSp>
+            <p:cxnSp>
+              <p:nvCxnSpPr>
+                <p:cNvPr id="63" name="直接连接符 62"/>
+                <p:cNvCxnSpPr/>
+                <p:nvPr/>
+              </p:nvCxnSpPr>
+              <p:spPr>
+                <a:xfrm>
+                  <a:off x="3067" y="4073"/>
+                  <a:ext cx="1575" cy="0"/>
+                </a:xfrm>
+                <a:prstGeom prst="line">
+                  <a:avLst/>
+                </a:prstGeom>
+                <a:ln w="22225"/>
+              </p:spPr>
+              <p:style>
+                <a:lnRef idx="1">
+                  <a:schemeClr val="accent1"/>
+                </a:lnRef>
+                <a:fillRef idx="0">
+                  <a:schemeClr val="accent1"/>
+                </a:fillRef>
+                <a:effectRef idx="0">
+                  <a:schemeClr val="accent1"/>
+                </a:effectRef>
+                <a:fontRef idx="minor">
+                  <a:schemeClr val="tx1"/>
+                </a:fontRef>
+              </p:style>
+            </p:cxnSp>
+          </p:grpSp>
+          <p:sp>
+            <p:nvSpPr>
+              <p:cNvPr id="64" name="矩形 63"/>
+              <p:cNvSpPr/>
+              <p:nvPr/>
+            </p:nvSpPr>
+            <p:spPr>
+              <a:xfrm>
+                <a:off x="8213" y="3375"/>
+                <a:ext cx="1452" cy="648"/>
+              </a:xfrm>
+              <a:prstGeom prst="rect">
+                <a:avLst/>
+              </a:prstGeom>
+              <a:solidFill>
+                <a:schemeClr val="accent1">
+                  <a:lumMod val="20000"/>
+                  <a:lumOff val="80000"/>
+                </a:schemeClr>
+              </a:solidFill>
+              <a:ln w="25400"/>
+            </p:spPr>
+            <p:style>
+              <a:lnRef idx="2">
+                <a:schemeClr val="accent1">
+                  <a:shade val="50000"/>
+                </a:schemeClr>
+              </a:lnRef>
+              <a:fillRef idx="1">
+                <a:schemeClr val="accent1"/>
+              </a:fillRef>
+              <a:effectRef idx="0">
+                <a:schemeClr val="accent1"/>
+              </a:effectRef>
+              <a:fontRef idx="minor">
+                <a:schemeClr val="lt1"/>
+              </a:fontRef>
+            </p:style>
+            <p:txBody>
+              <a:bodyPr rtlCol="0" anchor="ctr"/>
+              <a:p>
+                <a:pPr algn="ctr"/>
+                <a:r>
+                  <a:rPr lang="en-US" altLang="zh-CN" sz="1200">
+                    <a:solidFill>
+                      <a:schemeClr val="tx1"/>
+                    </a:solidFill>
+                  </a:rPr>
+                  <a:t>a</a:t>
+                </a:r>
+                <a:endParaRPr lang="en-US" altLang="zh-CN" sz="1200">
+                  <a:solidFill>
+                    <a:schemeClr val="tx1"/>
+                  </a:solidFill>
+                </a:endParaRPr>
+              </a:p>
+            </p:txBody>
+          </p:sp>
+          <p:sp>
+            <p:nvSpPr>
+              <p:cNvPr id="65" name="文本框 64"/>
+              <p:cNvSpPr txBox="1"/>
+              <p:nvPr/>
+            </p:nvSpPr>
+            <p:spPr>
+              <a:xfrm>
+                <a:off x="8248" y="4348"/>
+                <a:ext cx="1379" cy="434"/>
+              </a:xfrm>
+              <a:prstGeom prst="rect">
+                <a:avLst/>
+              </a:prstGeom>
+              <a:noFill/>
+            </p:spPr>
+            <p:txBody>
+              <a:bodyPr wrap="none" rtlCol="0">
+                <a:spAutoFit/>
+              </a:bodyPr>
+              <a:p>
+                <a:r>
+                  <a:rPr lang="zh-CN" altLang="en-US" sz="1200">
+                    <a:latin typeface="PingFang SC Regular" panose="020B0400000000000000" charset="-122"/>
+                    <a:ea typeface="PingFang SC Regular" panose="020B0400000000000000" charset="-122"/>
+                  </a:rPr>
+                  <a:t>元素</a:t>
+                </a:r>
+                <a:r>
+                  <a:rPr lang="en-US" altLang="zh-CN" sz="1200">
+                    <a:latin typeface="PingFang SC Regular" panose="020B0400000000000000" charset="-122"/>
+                    <a:ea typeface="PingFang SC Regular" panose="020B0400000000000000" charset="-122"/>
+                  </a:rPr>
+                  <a:t>c</a:t>
+                </a:r>
+                <a:r>
+                  <a:rPr lang="zh-CN" altLang="en-US" sz="1200">
+                    <a:latin typeface="PingFang SC Regular" panose="020B0400000000000000" charset="-122"/>
+                    <a:ea typeface="PingFang SC Regular" panose="020B0400000000000000" charset="-122"/>
+                  </a:rPr>
+                  <a:t>入栈</a:t>
+                </a:r>
+                <a:endParaRPr lang="zh-CN" altLang="en-US" sz="1200">
+                  <a:latin typeface="PingFang SC Regular" panose="020B0400000000000000" charset="-122"/>
+                  <a:ea typeface="PingFang SC Regular" panose="020B0400000000000000" charset="-122"/>
+                </a:endParaRPr>
+              </a:p>
+            </p:txBody>
+          </p:sp>
+          <p:cxnSp>
+            <p:nvCxnSpPr>
+              <p:cNvPr id="66" name="直接箭头连接符 65"/>
+              <p:cNvCxnSpPr/>
+              <p:nvPr/>
+            </p:nvCxnSpPr>
+            <p:spPr>
+              <a:xfrm>
+                <a:off x="7440" y="3015"/>
+                <a:ext cx="434" cy="0"/>
+              </a:xfrm>
+              <a:prstGeom prst="straightConnector1">
+                <a:avLst/>
+              </a:prstGeom>
+              <a:ln w="47625">
+                <a:solidFill>
+                  <a:schemeClr val="tx1"/>
+                </a:solidFill>
+                <a:tailEnd type="triangle"/>
+              </a:ln>
+            </p:spPr>
+            <p:style>
+              <a:lnRef idx="1">
+                <a:schemeClr val="accent1"/>
+              </a:lnRef>
+              <a:fillRef idx="0">
+                <a:schemeClr val="accent1"/>
+              </a:fillRef>
+              <a:effectRef idx="0">
+                <a:schemeClr val="accent1"/>
+              </a:effectRef>
+              <a:fontRef idx="minor">
+                <a:schemeClr val="tx1"/>
+              </a:fontRef>
+            </p:style>
+          </p:cxnSp>
+          <p:sp>
+            <p:nvSpPr>
+              <p:cNvPr id="67" name="矩形 66"/>
+              <p:cNvSpPr/>
+              <p:nvPr/>
+            </p:nvSpPr>
+            <p:spPr>
+              <a:xfrm>
+                <a:off x="8213" y="2677"/>
+                <a:ext cx="1452" cy="648"/>
+              </a:xfrm>
+              <a:prstGeom prst="rect">
+                <a:avLst/>
+              </a:prstGeom>
+              <a:solidFill>
+                <a:schemeClr val="accent1">
+                  <a:lumMod val="20000"/>
+                  <a:lumOff val="80000"/>
+                </a:schemeClr>
+              </a:solidFill>
+              <a:ln w="25400"/>
+            </p:spPr>
+            <p:style>
+              <a:lnRef idx="2">
+                <a:schemeClr val="accent1">
+                  <a:shade val="50000"/>
+                </a:schemeClr>
+              </a:lnRef>
+              <a:fillRef idx="1">
+                <a:schemeClr val="accent1"/>
+              </a:fillRef>
+              <a:effectRef idx="0">
+                <a:schemeClr val="accent1"/>
+              </a:effectRef>
+              <a:fontRef idx="minor">
+                <a:schemeClr val="lt1"/>
+              </a:fontRef>
+            </p:style>
+            <p:txBody>
+              <a:bodyPr rtlCol="0" anchor="ctr"/>
+              <a:p>
+                <a:pPr algn="ctr"/>
+                <a:r>
+                  <a:rPr lang="en-US" altLang="zh-CN" sz="1200">
+                    <a:solidFill>
+                      <a:schemeClr val="tx1"/>
+                    </a:solidFill>
+                  </a:rPr>
+                  <a:t>b</a:t>
+                </a:r>
+                <a:endParaRPr lang="en-US" altLang="zh-CN" sz="1200">
+                  <a:solidFill>
+                    <a:schemeClr val="tx1"/>
+                  </a:solidFill>
+                </a:endParaRPr>
+              </a:p>
+            </p:txBody>
+          </p:sp>
+        </p:grpSp>
+        <p:sp>
+          <p:nvSpPr>
+            <p:cNvPr id="68" name="矩形 67"/>
+            <p:cNvSpPr/>
+            <p:nvPr/>
+          </p:nvSpPr>
+          <p:spPr>
+            <a:xfrm>
+              <a:off x="10757" y="1979"/>
+              <a:ext cx="1452" cy="648"/>
+            </a:xfrm>
+            <a:prstGeom prst="rect">
+              <a:avLst/>
+            </a:prstGeom>
+            <a:solidFill>
+              <a:schemeClr val="accent1">
+                <a:lumMod val="20000"/>
+                <a:lumOff val="80000"/>
+              </a:schemeClr>
+            </a:solidFill>
+            <a:ln w="25400"/>
+          </p:spPr>
+          <p:style>
+            <a:lnRef idx="2">
+              <a:schemeClr val="accent1">
+                <a:shade val="50000"/>
+              </a:schemeClr>
+            </a:lnRef>
+            <a:fillRef idx="1">
+              <a:schemeClr val="accent1"/>
+            </a:fillRef>
+            <a:effectRef idx="0">
+              <a:schemeClr val="accent1"/>
+            </a:effectRef>
+            <a:fontRef idx="minor">
+              <a:schemeClr val="lt1"/>
+            </a:fontRef>
+          </p:style>
+          <p:txBody>
+            <a:bodyPr rtlCol="0" anchor="ctr"/>
+            <a:p>
+              <a:pPr algn="ctr"/>
+              <a:r>
+                <a:rPr lang="en-US" altLang="zh-CN" sz="1200">
+                  <a:solidFill>
+                    <a:schemeClr val="tx1"/>
+                  </a:solidFill>
+                </a:rPr>
+                <a:t>c</a:t>
+              </a:r>
+              <a:endParaRPr lang="en-US" altLang="zh-CN" sz="1200">
+                <a:solidFill>
+                  <a:schemeClr val="tx1"/>
+                </a:solidFill>
+              </a:endParaRPr>
+            </a:p>
+          </p:txBody>
+        </p:sp>
+      </p:grpSp>
+      <p:grpSp>
+        <p:nvGrpSpPr>
+          <p:cNvPr id="72" name="组合 71"/>
+          <p:cNvGrpSpPr/>
+          <p:nvPr/>
+        </p:nvGrpSpPr>
+        <p:grpSpPr>
+          <a:xfrm rot="0">
+            <a:off x="8625840" y="1207135"/>
+            <a:ext cx="999490" cy="2341245"/>
+            <a:chOff x="3067" y="1956"/>
+            <a:chExt cx="1574" cy="2117"/>
+          </a:xfrm>
+        </p:grpSpPr>
+        <p:cxnSp>
+          <p:nvCxnSpPr>
+            <p:cNvPr id="73" name="直接连接符 72"/>
+            <p:cNvCxnSpPr/>
+            <p:nvPr/>
+          </p:nvCxnSpPr>
+          <p:spPr>
+            <a:xfrm>
+              <a:off x="3083" y="1956"/>
+              <a:ext cx="0" cy="2117"/>
+            </a:xfrm>
+            <a:prstGeom prst="line">
+              <a:avLst/>
+            </a:prstGeom>
+            <a:ln w="22225"/>
+          </p:spPr>
+          <p:style>
+            <a:lnRef idx="1">
+              <a:schemeClr val="accent1"/>
+            </a:lnRef>
+            <a:fillRef idx="0">
+              <a:schemeClr val="accent1"/>
+            </a:fillRef>
+            <a:effectRef idx="0">
+              <a:schemeClr val="accent1"/>
+            </a:effectRef>
+            <a:fontRef idx="minor">
+              <a:schemeClr val="tx1"/>
+            </a:fontRef>
+          </p:style>
+        </p:cxnSp>
+        <p:cxnSp>
+          <p:nvCxnSpPr>
+            <p:cNvPr id="74" name="直接连接符 73"/>
+            <p:cNvCxnSpPr/>
+            <p:nvPr/>
+          </p:nvCxnSpPr>
+          <p:spPr>
+            <a:xfrm>
+              <a:off x="4622" y="1956"/>
+              <a:ext cx="0" cy="2117"/>
+            </a:xfrm>
+            <a:prstGeom prst="line">
+              <a:avLst/>
+            </a:prstGeom>
+            <a:ln w="22225"/>
+          </p:spPr>
+          <p:style>
+            <a:lnRef idx="1">
+              <a:schemeClr val="accent1"/>
+            </a:lnRef>
+            <a:fillRef idx="0">
+              <a:schemeClr val="accent1"/>
+            </a:fillRef>
+            <a:effectRef idx="0">
+              <a:schemeClr val="accent1"/>
+            </a:effectRef>
+            <a:fontRef idx="minor">
+              <a:schemeClr val="tx1"/>
+            </a:fontRef>
+          </p:style>
+        </p:cxnSp>
+        <p:cxnSp>
+          <p:nvCxnSpPr>
+            <p:cNvPr id="75" name="直接连接符 74"/>
+            <p:cNvCxnSpPr/>
+            <p:nvPr/>
+          </p:nvCxnSpPr>
+          <p:spPr>
+            <a:xfrm>
+              <a:off x="3067" y="4073"/>
+              <a:ext cx="1575" cy="0"/>
+            </a:xfrm>
+            <a:prstGeom prst="line">
+              <a:avLst/>
+            </a:prstGeom>
+            <a:ln w="22225"/>
+          </p:spPr>
+          <p:style>
+            <a:lnRef idx="1">
+              <a:schemeClr val="accent1"/>
+            </a:lnRef>
+            <a:fillRef idx="0">
+              <a:schemeClr val="accent1"/>
+            </a:fillRef>
+            <a:effectRef idx="0">
+              <a:schemeClr val="accent1"/>
+            </a:effectRef>
+            <a:fontRef idx="minor">
+              <a:schemeClr val="tx1"/>
+            </a:fontRef>
+          </p:style>
+        </p:cxnSp>
+      </p:grpSp>
+      <p:sp>
+        <p:nvSpPr>
+          <p:cNvPr id="76" name="矩形 75"/>
+          <p:cNvSpPr/>
+          <p:nvPr/>
+        </p:nvSpPr>
+        <p:spPr>
+          <a:xfrm>
+            <a:off x="8663305" y="3105150"/>
+            <a:ext cx="922020" cy="411480"/>
+          </a:xfrm>
+          <a:prstGeom prst="rect">
+            <a:avLst/>
+          </a:prstGeom>
+          <a:solidFill>
+            <a:schemeClr val="accent1">
+              <a:lumMod val="20000"/>
+              <a:lumOff val="80000"/>
+            </a:schemeClr>
+          </a:solidFill>
+          <a:ln w="25400"/>
+        </p:spPr>
+        <p:style>
+          <a:lnRef idx="2">
+            <a:schemeClr val="accent1">
+              <a:shade val="50000"/>
+            </a:schemeClr>
+          </a:lnRef>
+          <a:fillRef idx="1">
+            <a:schemeClr val="accent1"/>
+          </a:fillRef>
+          <a:effectRef idx="0">
+            <a:schemeClr val="accent1"/>
+          </a:effectRef>
+          <a:fontRef idx="minor">
+            <a:schemeClr val="lt1"/>
+          </a:fontRef>
+        </p:style>
+        <p:txBody>
+          <a:bodyPr rtlCol="0" anchor="ctr"/>
+          <a:p>
+            <a:pPr algn="ctr"/>
+            <a:r>
+              <a:rPr lang="en-US" altLang="zh-CN" sz="1200">
+                <a:solidFill>
+                  <a:schemeClr val="tx1"/>
+                </a:solidFill>
+              </a:rPr>
+              <a:t>a</a:t>
+            </a:r>
+            <a:endParaRPr lang="en-US" altLang="zh-CN" sz="1200">
+              <a:solidFill>
+                <a:schemeClr val="tx1"/>
+              </a:solidFill>
+            </a:endParaRPr>
+          </a:p>
+        </p:txBody>
+      </p:sp>
+      <p:sp>
+        <p:nvSpPr>
+          <p:cNvPr id="77" name="文本框 76"/>
+          <p:cNvSpPr txBox="1"/>
+          <p:nvPr/>
+        </p:nvSpPr>
+        <p:spPr>
+          <a:xfrm>
+            <a:off x="7888605" y="3723005"/>
+            <a:ext cx="792480" cy="275590"/>
+          </a:xfrm>
+          <a:prstGeom prst="rect">
+            <a:avLst/>
+          </a:prstGeom>
+          <a:noFill/>
+        </p:spPr>
+        <p:txBody>
+          <a:bodyPr wrap="none" rtlCol="0">
+            <a:spAutoFit/>
+          </a:bodyPr>
+          <a:p>
+            <a:r>
+              <a:rPr lang="zh-CN" altLang="en-US" sz="1200">
+                <a:latin typeface="PingFang SC Regular" panose="020B0400000000000000" charset="-122"/>
+                <a:ea typeface="PingFang SC Regular" panose="020B0400000000000000" charset="-122"/>
+              </a:rPr>
+              <a:t>动态扩容</a:t>
+            </a:r>
+            <a:endParaRPr lang="zh-CN" altLang="en-US" sz="1200">
+              <a:latin typeface="PingFang SC Regular" panose="020B0400000000000000" charset="-122"/>
+              <a:ea typeface="PingFang SC Regular" panose="020B0400000000000000" charset="-122"/>
+            </a:endParaRPr>
+          </a:p>
+        </p:txBody>
+      </p:sp>
+      <p:cxnSp>
+        <p:nvCxnSpPr>
+          <p:cNvPr id="78" name="直接箭头连接符 77"/>
+          <p:cNvCxnSpPr/>
+          <p:nvPr/>
+        </p:nvCxnSpPr>
+        <p:spPr>
+          <a:xfrm>
+            <a:off x="6678930" y="2876550"/>
+            <a:ext cx="275590" cy="0"/>
+          </a:xfrm>
+          <a:prstGeom prst="straightConnector1">
+            <a:avLst/>
+          </a:prstGeom>
+          <a:ln w="47625">
+            <a:solidFill>
+              <a:schemeClr val="tx1"/>
+            </a:solidFill>
+            <a:tailEnd type="triangle"/>
+          </a:ln>
+        </p:spPr>
+        <p:style>
+          <a:lnRef idx="1">
+            <a:schemeClr val="accent1"/>
+          </a:lnRef>
+          <a:fillRef idx="0">
+            <a:schemeClr val="accent1"/>
+          </a:fillRef>
+          <a:effectRef idx="0">
+            <a:schemeClr val="accent1"/>
+          </a:effectRef>
+          <a:fontRef idx="minor">
+            <a:schemeClr val="tx1"/>
+          </a:fontRef>
+        </p:style>
+      </p:cxnSp>
+      <p:sp>
+        <p:nvSpPr>
+          <p:cNvPr id="79" name="矩形 78"/>
+          <p:cNvSpPr/>
+          <p:nvPr/>
+        </p:nvSpPr>
+        <p:spPr>
+          <a:xfrm>
+            <a:off x="8663305" y="2661920"/>
+            <a:ext cx="922020" cy="411480"/>
+          </a:xfrm>
+          <a:prstGeom prst="rect">
+            <a:avLst/>
+          </a:prstGeom>
+          <a:solidFill>
+            <a:schemeClr val="accent1">
+              <a:lumMod val="20000"/>
+              <a:lumOff val="80000"/>
+            </a:schemeClr>
+          </a:solidFill>
+          <a:ln w="25400"/>
+        </p:spPr>
+        <p:style>
+          <a:lnRef idx="2">
+            <a:schemeClr val="accent1">
+              <a:shade val="50000"/>
+            </a:schemeClr>
+          </a:lnRef>
+          <a:fillRef idx="1">
+            <a:schemeClr val="accent1"/>
+          </a:fillRef>
+          <a:effectRef idx="0">
+            <a:schemeClr val="accent1"/>
+          </a:effectRef>
+          <a:fontRef idx="minor">
+            <a:schemeClr val="lt1"/>
+          </a:fontRef>
+        </p:style>
+        <p:txBody>
+          <a:bodyPr rtlCol="0" anchor="ctr"/>
+          <a:p>
+            <a:pPr algn="ctr"/>
+            <a:r>
+              <a:rPr lang="en-US" altLang="zh-CN" sz="1200">
+                <a:solidFill>
+                  <a:schemeClr val="tx1"/>
+                </a:solidFill>
+              </a:rPr>
+              <a:t>b</a:t>
+            </a:r>
+            <a:endParaRPr lang="en-US" altLang="zh-CN" sz="1200">
+              <a:solidFill>
+                <a:schemeClr val="tx1"/>
+              </a:solidFill>
+            </a:endParaRPr>
+          </a:p>
+        </p:txBody>
+      </p:sp>
+      <p:sp>
+        <p:nvSpPr>
+          <p:cNvPr id="80" name="矩形 79"/>
+          <p:cNvSpPr/>
+          <p:nvPr/>
+        </p:nvSpPr>
+        <p:spPr>
+          <a:xfrm>
+            <a:off x="8663305" y="2218690"/>
+            <a:ext cx="922020" cy="411480"/>
+          </a:xfrm>
+          <a:prstGeom prst="rect">
+            <a:avLst/>
+          </a:prstGeom>
+          <a:solidFill>
+            <a:schemeClr val="accent1">
+              <a:lumMod val="20000"/>
+              <a:lumOff val="80000"/>
+            </a:schemeClr>
+          </a:solidFill>
+          <a:ln w="25400"/>
+        </p:spPr>
+        <p:style>
+          <a:lnRef idx="2">
+            <a:schemeClr val="accent1">
+              <a:shade val="50000"/>
+            </a:schemeClr>
+          </a:lnRef>
+          <a:fillRef idx="1">
+            <a:schemeClr val="accent1"/>
+          </a:fillRef>
+          <a:effectRef idx="0">
+            <a:schemeClr val="accent1"/>
+          </a:effectRef>
+          <a:fontRef idx="minor">
+            <a:schemeClr val="lt1"/>
+          </a:fontRef>
+        </p:style>
+        <p:txBody>
+          <a:bodyPr rtlCol="0" anchor="ctr"/>
+          <a:p>
+            <a:pPr algn="ctr"/>
+            <a:r>
+              <a:rPr lang="en-US" altLang="zh-CN" sz="1200">
+                <a:solidFill>
+                  <a:schemeClr val="tx1"/>
+                </a:solidFill>
+              </a:rPr>
+              <a:t>c</a:t>
+            </a:r>
+            <a:endParaRPr lang="en-US" altLang="zh-CN" sz="1200">
+              <a:solidFill>
+                <a:schemeClr val="tx1"/>
+              </a:solidFill>
+            </a:endParaRPr>
+          </a:p>
+        </p:txBody>
+      </p:sp>
+      <p:grpSp>
+        <p:nvGrpSpPr>
+          <p:cNvPr id="93" name="组合 92"/>
+          <p:cNvGrpSpPr/>
+          <p:nvPr/>
+        </p:nvGrpSpPr>
+        <p:grpSpPr>
+          <a:xfrm>
+            <a:off x="9855835" y="1207135"/>
+            <a:ext cx="1452880" cy="2791460"/>
+            <a:chOff x="13125" y="1901"/>
+            <a:chExt cx="2288" cy="4396"/>
+          </a:xfrm>
+        </p:grpSpPr>
+        <p:grpSp>
+          <p:nvGrpSpPr>
+            <p:cNvPr id="82" name="组合 81"/>
+            <p:cNvGrpSpPr/>
+            <p:nvPr/>
+          </p:nvGrpSpPr>
+          <p:grpSpPr>
+            <a:xfrm>
+              <a:off x="13125" y="1901"/>
+              <a:ext cx="2288" cy="4396"/>
+              <a:chOff x="10518" y="1901"/>
+              <a:chExt cx="2288" cy="4396"/>
+            </a:xfrm>
+          </p:grpSpPr>
+          <p:grpSp>
+            <p:nvGrpSpPr>
+              <p:cNvPr id="83" name="组合 82"/>
+              <p:cNvGrpSpPr/>
+              <p:nvPr/>
+            </p:nvGrpSpPr>
+            <p:grpSpPr>
+              <a:xfrm rot="0">
+                <a:off x="11232" y="1901"/>
+                <a:ext cx="1574" cy="3687"/>
+                <a:chOff x="3067" y="1956"/>
+                <a:chExt cx="1574" cy="2117"/>
+              </a:xfrm>
+            </p:grpSpPr>
+            <p:cxnSp>
+              <p:nvCxnSpPr>
+                <p:cNvPr id="84" name="直接连接符 83"/>
+                <p:cNvCxnSpPr/>
+                <p:nvPr/>
+              </p:nvCxnSpPr>
+              <p:spPr>
+                <a:xfrm>
+                  <a:off x="3083" y="1956"/>
+                  <a:ext cx="0" cy="2117"/>
+                </a:xfrm>
+                <a:prstGeom prst="line">
+                  <a:avLst/>
+                </a:prstGeom>
+                <a:ln w="22225"/>
+              </p:spPr>
+              <p:style>
+                <a:lnRef idx="1">
+                  <a:schemeClr val="accent1"/>
+                </a:lnRef>
+                <a:fillRef idx="0">
+                  <a:schemeClr val="accent1"/>
+                </a:fillRef>
+                <a:effectRef idx="0">
+                  <a:schemeClr val="accent1"/>
+                </a:effectRef>
+                <a:fontRef idx="minor">
+                  <a:schemeClr val="tx1"/>
+                </a:fontRef>
+              </p:style>
+            </p:cxnSp>
+            <p:cxnSp>
+              <p:nvCxnSpPr>
+                <p:cNvPr id="85" name="直接连接符 84"/>
+                <p:cNvCxnSpPr/>
+                <p:nvPr/>
+              </p:nvCxnSpPr>
+              <p:spPr>
+                <a:xfrm>
+                  <a:off x="4622" y="1956"/>
+                  <a:ext cx="0" cy="2117"/>
+                </a:xfrm>
+                <a:prstGeom prst="line">
+                  <a:avLst/>
+                </a:prstGeom>
+                <a:ln w="22225"/>
+              </p:spPr>
+              <p:style>
+                <a:lnRef idx="1">
+                  <a:schemeClr val="accent1"/>
+                </a:lnRef>
+                <a:fillRef idx="0">
+                  <a:schemeClr val="accent1"/>
+                </a:fillRef>
+                <a:effectRef idx="0">
+                  <a:schemeClr val="accent1"/>
+                </a:effectRef>
+                <a:fontRef idx="minor">
+                  <a:schemeClr val="tx1"/>
+                </a:fontRef>
+              </p:style>
+            </p:cxnSp>
+            <p:cxnSp>
+              <p:nvCxnSpPr>
+                <p:cNvPr id="86" name="直接连接符 85"/>
+                <p:cNvCxnSpPr/>
+                <p:nvPr/>
+              </p:nvCxnSpPr>
+              <p:spPr>
+                <a:xfrm>
+                  <a:off x="3067" y="4073"/>
+                  <a:ext cx="1575" cy="0"/>
+                </a:xfrm>
+                <a:prstGeom prst="line">
+                  <a:avLst/>
+                </a:prstGeom>
+                <a:ln w="22225"/>
+              </p:spPr>
+              <p:style>
+                <a:lnRef idx="1">
+                  <a:schemeClr val="accent1"/>
+                </a:lnRef>
+                <a:fillRef idx="0">
+                  <a:schemeClr val="accent1"/>
+                </a:fillRef>
+                <a:effectRef idx="0">
+                  <a:schemeClr val="accent1"/>
+                </a:effectRef>
+                <a:fontRef idx="minor">
+                  <a:schemeClr val="tx1"/>
+                </a:fontRef>
+              </p:style>
+            </p:cxnSp>
+          </p:grpSp>
+          <p:sp>
+            <p:nvSpPr>
+              <p:cNvPr id="87" name="矩形 86"/>
+              <p:cNvSpPr/>
+              <p:nvPr/>
+            </p:nvSpPr>
+            <p:spPr>
+              <a:xfrm>
+                <a:off x="11291" y="4890"/>
+                <a:ext cx="1452" cy="648"/>
+              </a:xfrm>
+              <a:prstGeom prst="rect">
+                <a:avLst/>
+              </a:prstGeom>
+              <a:solidFill>
+                <a:schemeClr val="accent1">
+                  <a:lumMod val="20000"/>
+                  <a:lumOff val="80000"/>
+                </a:schemeClr>
+              </a:solidFill>
+              <a:ln w="25400"/>
+            </p:spPr>
+            <p:style>
+              <a:lnRef idx="2">
+                <a:schemeClr val="accent1">
+                  <a:shade val="50000"/>
+                </a:schemeClr>
+              </a:lnRef>
+              <a:fillRef idx="1">
+                <a:schemeClr val="accent1"/>
+              </a:fillRef>
+              <a:effectRef idx="0">
+                <a:schemeClr val="accent1"/>
+              </a:effectRef>
+              <a:fontRef idx="minor">
+                <a:schemeClr val="lt1"/>
+              </a:fontRef>
+            </p:style>
+            <p:txBody>
+              <a:bodyPr rtlCol="0" anchor="ctr"/>
+              <a:p>
+                <a:pPr algn="ctr"/>
+                <a:r>
+                  <a:rPr lang="en-US" altLang="zh-CN" sz="1200">
+                    <a:solidFill>
+                      <a:schemeClr val="tx1"/>
+                    </a:solidFill>
+                  </a:rPr>
+                  <a:t>a</a:t>
+                </a:r>
+                <a:endParaRPr lang="en-US" altLang="zh-CN" sz="1200">
+                  <a:solidFill>
+                    <a:schemeClr val="tx1"/>
+                  </a:solidFill>
+                </a:endParaRPr>
+              </a:p>
+            </p:txBody>
+          </p:sp>
+          <p:sp>
+            <p:nvSpPr>
+              <p:cNvPr id="88" name="文本框 87"/>
+              <p:cNvSpPr txBox="1"/>
+              <p:nvPr/>
+            </p:nvSpPr>
+            <p:spPr>
+              <a:xfrm>
+                <a:off x="11385" y="5863"/>
+                <a:ext cx="1389" cy="434"/>
+              </a:xfrm>
+              <a:prstGeom prst="rect">
+                <a:avLst/>
+              </a:prstGeom>
+              <a:noFill/>
+            </p:spPr>
+            <p:txBody>
+              <a:bodyPr wrap="none" rtlCol="0">
+                <a:spAutoFit/>
+              </a:bodyPr>
+              <a:p>
+                <a:r>
+                  <a:rPr lang="zh-CN" altLang="en-US" sz="1200">
+                    <a:latin typeface="PingFang SC Regular" panose="020B0400000000000000" charset="-122"/>
+                    <a:ea typeface="PingFang SC Regular" panose="020B0400000000000000" charset="-122"/>
+                  </a:rPr>
+                  <a:t>元素</a:t>
+                </a:r>
+                <a:r>
+                  <a:rPr lang="en-US" altLang="zh-CN" sz="1200">
+                    <a:latin typeface="PingFang SC Regular" panose="020B0400000000000000" charset="-122"/>
+                    <a:ea typeface="PingFang SC Regular" panose="020B0400000000000000" charset="-122"/>
+                  </a:rPr>
+                  <a:t>d</a:t>
+                </a:r>
+                <a:r>
+                  <a:rPr lang="zh-CN" altLang="en-US" sz="1200">
+                    <a:latin typeface="PingFang SC Regular" panose="020B0400000000000000" charset="-122"/>
+                    <a:ea typeface="PingFang SC Regular" panose="020B0400000000000000" charset="-122"/>
+                  </a:rPr>
+                  <a:t>入栈</a:t>
+                </a:r>
+                <a:endParaRPr lang="zh-CN" altLang="en-US" sz="1200">
+                  <a:latin typeface="PingFang SC Regular" panose="020B0400000000000000" charset="-122"/>
+                  <a:ea typeface="PingFang SC Regular" panose="020B0400000000000000" charset="-122"/>
+                </a:endParaRPr>
+              </a:p>
+            </p:txBody>
+          </p:sp>
+          <p:cxnSp>
+            <p:nvCxnSpPr>
+              <p:cNvPr id="89" name="直接箭头连接符 88"/>
+              <p:cNvCxnSpPr/>
+              <p:nvPr/>
+            </p:nvCxnSpPr>
+            <p:spPr>
+              <a:xfrm>
+                <a:off x="10518" y="4530"/>
+                <a:ext cx="434" cy="0"/>
+              </a:xfrm>
+              <a:prstGeom prst="straightConnector1">
+                <a:avLst/>
+              </a:prstGeom>
+              <a:ln w="47625">
+                <a:solidFill>
+                  <a:schemeClr val="tx1"/>
+                </a:solidFill>
+                <a:tailEnd type="triangle"/>
+              </a:ln>
+            </p:spPr>
+            <p:style>
+              <a:lnRef idx="1">
+                <a:schemeClr val="accent1"/>
+              </a:lnRef>
+              <a:fillRef idx="0">
+                <a:schemeClr val="accent1"/>
+              </a:fillRef>
+              <a:effectRef idx="0">
+                <a:schemeClr val="accent1"/>
+              </a:effectRef>
+              <a:fontRef idx="minor">
+                <a:schemeClr val="tx1"/>
+              </a:fontRef>
+            </p:style>
+          </p:cxnSp>
+          <p:sp>
+            <p:nvSpPr>
+              <p:cNvPr id="90" name="矩形 89"/>
+              <p:cNvSpPr/>
+              <p:nvPr/>
+            </p:nvSpPr>
+            <p:spPr>
+              <a:xfrm>
+                <a:off x="11291" y="4192"/>
+                <a:ext cx="1452" cy="648"/>
+              </a:xfrm>
+              <a:prstGeom prst="rect">
+                <a:avLst/>
+              </a:prstGeom>
+              <a:solidFill>
+                <a:schemeClr val="accent1">
+                  <a:lumMod val="20000"/>
+                  <a:lumOff val="80000"/>
+                </a:schemeClr>
+              </a:solidFill>
+              <a:ln w="25400"/>
+            </p:spPr>
+            <p:style>
+              <a:lnRef idx="2">
+                <a:schemeClr val="accent1">
+                  <a:shade val="50000"/>
+                </a:schemeClr>
+              </a:lnRef>
+              <a:fillRef idx="1">
+                <a:schemeClr val="accent1"/>
+              </a:fillRef>
+              <a:effectRef idx="0">
+                <a:schemeClr val="accent1"/>
+              </a:effectRef>
+              <a:fontRef idx="minor">
+                <a:schemeClr val="lt1"/>
+              </a:fontRef>
+            </p:style>
+            <p:txBody>
+              <a:bodyPr rtlCol="0" anchor="ctr"/>
+              <a:p>
+                <a:pPr algn="ctr"/>
+                <a:r>
+                  <a:rPr lang="en-US" altLang="zh-CN" sz="1200">
+                    <a:solidFill>
+                      <a:schemeClr val="tx1"/>
+                    </a:solidFill>
+                  </a:rPr>
+                  <a:t>b</a:t>
+                </a:r>
+                <a:endParaRPr lang="en-US" altLang="zh-CN" sz="1200">
+                  <a:solidFill>
+                    <a:schemeClr val="tx1"/>
+                  </a:solidFill>
+                </a:endParaRPr>
+              </a:p>
+            </p:txBody>
+          </p:sp>
+          <p:sp>
+            <p:nvSpPr>
+              <p:cNvPr id="91" name="矩形 90"/>
+              <p:cNvSpPr/>
+              <p:nvPr/>
+            </p:nvSpPr>
+            <p:spPr>
+              <a:xfrm>
+                <a:off x="11290" y="3494"/>
+                <a:ext cx="1452" cy="648"/>
+              </a:xfrm>
+              <a:prstGeom prst="rect">
+                <a:avLst/>
+              </a:prstGeom>
+              <a:solidFill>
+                <a:schemeClr val="accent1">
+                  <a:lumMod val="20000"/>
+                  <a:lumOff val="80000"/>
+                </a:schemeClr>
+              </a:solidFill>
+              <a:ln w="25400"/>
+            </p:spPr>
+            <p:style>
+              <a:lnRef idx="2">
+                <a:schemeClr val="accent1">
+                  <a:shade val="50000"/>
+                </a:schemeClr>
+              </a:lnRef>
+              <a:fillRef idx="1">
+                <a:schemeClr val="accent1"/>
+              </a:fillRef>
+              <a:effectRef idx="0">
+                <a:schemeClr val="accent1"/>
+              </a:effectRef>
+              <a:fontRef idx="minor">
+                <a:schemeClr val="lt1"/>
+              </a:fontRef>
+            </p:style>
+            <p:txBody>
+              <a:bodyPr rtlCol="0" anchor="ctr"/>
+              <a:p>
+                <a:pPr algn="ctr"/>
+                <a:r>
+                  <a:rPr lang="en-US" altLang="zh-CN" sz="1200">
+                    <a:solidFill>
+                      <a:schemeClr val="tx1"/>
+                    </a:solidFill>
+                  </a:rPr>
+                  <a:t>c</a:t>
+                </a:r>
+                <a:endParaRPr lang="en-US" altLang="zh-CN" sz="1200">
+                  <a:solidFill>
+                    <a:schemeClr val="tx1"/>
+                  </a:solidFill>
+                </a:endParaRPr>
+              </a:p>
+            </p:txBody>
+          </p:sp>
+        </p:grpSp>
+        <p:sp>
+          <p:nvSpPr>
+            <p:cNvPr id="92" name="矩形 91"/>
+            <p:cNvSpPr/>
+            <p:nvPr/>
+          </p:nvSpPr>
+          <p:spPr>
+            <a:xfrm>
+              <a:off x="13896" y="2798"/>
+              <a:ext cx="1452" cy="648"/>
+            </a:xfrm>
+            <a:prstGeom prst="rect">
+              <a:avLst/>
+            </a:prstGeom>
+            <a:solidFill>
+              <a:schemeClr val="accent1">
+                <a:lumMod val="20000"/>
+                <a:lumOff val="80000"/>
+              </a:schemeClr>
+            </a:solidFill>
+            <a:ln w="25400"/>
+          </p:spPr>
+          <p:style>
+            <a:lnRef idx="2">
+              <a:schemeClr val="accent1">
+                <a:shade val="50000"/>
+              </a:schemeClr>
+            </a:lnRef>
+            <a:fillRef idx="1">
+              <a:schemeClr val="accent1"/>
+            </a:fillRef>
+            <a:effectRef idx="0">
+              <a:schemeClr val="accent1"/>
+            </a:effectRef>
+            <a:fontRef idx="minor">
+              <a:schemeClr val="lt1"/>
+            </a:fontRef>
+          </p:style>
+          <p:txBody>
+            <a:bodyPr rtlCol="0" anchor="ctr"/>
+            <a:p>
+              <a:pPr algn="ctr"/>
+              <a:r>
+                <a:rPr lang="en-US" altLang="zh-CN" sz="1200">
+                  <a:solidFill>
+                    <a:schemeClr val="tx1"/>
+                  </a:solidFill>
+                </a:rPr>
+                <a:t>d</a:t>
+              </a:r>
+              <a:endParaRPr lang="en-US" altLang="zh-CN" sz="1200">
+                <a:solidFill>
+                  <a:schemeClr val="tx1"/>
+                </a:solidFill>
+              </a:endParaRPr>
+            </a:p>
+          </p:txBody>
+        </p:sp>
+      </p:grpSp>
+      <p:grpSp>
+        <p:nvGrpSpPr>
+          <p:cNvPr id="94" name="组合 93"/>
+          <p:cNvGrpSpPr/>
+          <p:nvPr/>
+        </p:nvGrpSpPr>
+        <p:grpSpPr>
+          <a:xfrm rot="0">
+            <a:off x="7160895" y="2204085"/>
+            <a:ext cx="999490" cy="1344295"/>
+            <a:chOff x="3067" y="1956"/>
+            <a:chExt cx="1574" cy="2117"/>
+          </a:xfrm>
+        </p:grpSpPr>
+        <p:cxnSp>
+          <p:nvCxnSpPr>
+            <p:cNvPr id="95" name="直接连接符 94"/>
+            <p:cNvCxnSpPr/>
+            <p:nvPr/>
+          </p:nvCxnSpPr>
+          <p:spPr>
+            <a:xfrm>
+              <a:off x="3083" y="1956"/>
+              <a:ext cx="0" cy="2117"/>
+            </a:xfrm>
+            <a:prstGeom prst="line">
+              <a:avLst/>
+            </a:prstGeom>
+            <a:ln w="22225"/>
+          </p:spPr>
+          <p:style>
+            <a:lnRef idx="1">
+              <a:schemeClr val="accent1"/>
+            </a:lnRef>
+            <a:fillRef idx="0">
+              <a:schemeClr val="accent1"/>
+            </a:fillRef>
+            <a:effectRef idx="0">
+              <a:schemeClr val="accent1"/>
+            </a:effectRef>
+            <a:fontRef idx="minor">
+              <a:schemeClr val="tx1"/>
+            </a:fontRef>
+          </p:style>
+        </p:cxnSp>
+        <p:cxnSp>
+          <p:nvCxnSpPr>
+            <p:cNvPr id="96" name="直接连接符 95"/>
+            <p:cNvCxnSpPr/>
+            <p:nvPr/>
+          </p:nvCxnSpPr>
+          <p:spPr>
+            <a:xfrm>
+              <a:off x="4622" y="1956"/>
+              <a:ext cx="0" cy="2117"/>
+            </a:xfrm>
+            <a:prstGeom prst="line">
+              <a:avLst/>
+            </a:prstGeom>
+            <a:ln w="22225"/>
+          </p:spPr>
+          <p:style>
+            <a:lnRef idx="1">
+              <a:schemeClr val="accent1"/>
+            </a:lnRef>
+            <a:fillRef idx="0">
+              <a:schemeClr val="accent1"/>
+            </a:fillRef>
+            <a:effectRef idx="0">
+              <a:schemeClr val="accent1"/>
+            </a:effectRef>
+            <a:fontRef idx="minor">
+              <a:schemeClr val="tx1"/>
+            </a:fontRef>
+          </p:style>
+        </p:cxnSp>
+        <p:cxnSp>
+          <p:nvCxnSpPr>
+            <p:cNvPr id="97" name="直接连接符 96"/>
+            <p:cNvCxnSpPr/>
+            <p:nvPr/>
+          </p:nvCxnSpPr>
+          <p:spPr>
+            <a:xfrm>
+              <a:off x="3067" y="4073"/>
+              <a:ext cx="1575" cy="0"/>
+            </a:xfrm>
+            <a:prstGeom prst="line">
+              <a:avLst/>
+            </a:prstGeom>
+            <a:ln w="22225"/>
+          </p:spPr>
+          <p:style>
+            <a:lnRef idx="1">
+              <a:schemeClr val="accent1"/>
+            </a:lnRef>
+            <a:fillRef idx="0">
+              <a:schemeClr val="accent1"/>
+            </a:fillRef>
+            <a:effectRef idx="0">
+              <a:schemeClr val="accent1"/>
+            </a:effectRef>
+            <a:fontRef idx="minor">
+              <a:schemeClr val="tx1"/>
+            </a:fontRef>
+          </p:style>
+        </p:cxnSp>
+      </p:grpSp>
+      <p:sp>
+        <p:nvSpPr>
+          <p:cNvPr id="98" name="手杖形箭头 97"/>
+          <p:cNvSpPr/>
+          <p:nvPr/>
+        </p:nvSpPr>
+        <p:spPr>
+          <a:xfrm>
+            <a:off x="7738745" y="988060"/>
+            <a:ext cx="1418590" cy="219075"/>
+          </a:xfrm>
+          <a:prstGeom prst="uturnArrow">
+            <a:avLst>
+              <a:gd name="adj1" fmla="val 21739"/>
+              <a:gd name="adj2" fmla="val 25000"/>
+              <a:gd name="adj3" fmla="val 25000"/>
+              <a:gd name="adj4" fmla="val 43750"/>
+              <a:gd name="adj5" fmla="val 75000"/>
+            </a:avLst>
+          </a:prstGeom>
+        </p:spPr>
+        <p:style>
+          <a:lnRef idx="2">
+            <a:schemeClr val="accent1">
+              <a:shade val="50000"/>
+            </a:schemeClr>
+          </a:lnRef>
+          <a:fillRef idx="1">
+            <a:schemeClr val="accent1"/>
+          </a:fillRef>
+          <a:effectRef idx="0">
+            <a:schemeClr val="accent1"/>
+          </a:effectRef>
+          <a:fontRef idx="minor">
+            <a:schemeClr val="lt1"/>
+          </a:fontRef>
+        </p:style>
+        <p:txBody>
+          <a:bodyPr rtlCol="0" anchor="ctr"/>
+          <a:p>
+            <a:pPr algn="ctr"/>
+            <a:endParaRPr lang="zh-CN" altLang="en-US">
+              <a:solidFill>
+                <a:schemeClr val="tx1"/>
+              </a:solidFill>
+            </a:endParaRPr>
+          </a:p>
+        </p:txBody>
+      </p:sp>
+      <p:sp>
+        <p:nvSpPr>
+          <p:cNvPr id="99" name="文本框 98"/>
+          <p:cNvSpPr txBox="1"/>
+          <p:nvPr/>
+        </p:nvSpPr>
+        <p:spPr>
+          <a:xfrm>
+            <a:off x="8102600" y="771525"/>
+            <a:ext cx="640080" cy="229870"/>
+          </a:xfrm>
+          <a:prstGeom prst="rect">
+            <a:avLst/>
+          </a:prstGeom>
+          <a:noFill/>
+        </p:spPr>
+        <p:txBody>
+          <a:bodyPr wrap="none" rtlCol="0">
+            <a:spAutoFit/>
+          </a:bodyPr>
+          <a:p>
+            <a:r>
+              <a:rPr lang="zh-CN" altLang="en-US" sz="900">
+                <a:latin typeface="PingFang SC Regular" panose="020B0400000000000000" charset="-122"/>
+                <a:ea typeface="PingFang SC Regular" panose="020B0400000000000000" charset="-122"/>
+              </a:rPr>
+              <a:t>依次入栈</a:t>
+            </a:r>
+            <a:endParaRPr lang="zh-CN" altLang="en-US" sz="900">
+              <a:latin typeface="PingFang SC Regular" panose="020B0400000000000000" charset="-122"/>
+              <a:ea typeface="PingFang SC Regular" panose="020B0400000000000000" charset="-122"/>
+            </a:endParaRPr>
+          </a:p>
+        </p:txBody>
+      </p:sp>
+    </p:spTree>
+  </p:cSld>
+  <p:clrMapOvr>
+    <a:masterClrMapping/>
+  </p:clrMapOvr>
+</p:sld>
+</file>
+
+<file path=ppt/slides/slide7.xml><?xml version="1.0" encoding="utf-8"?>
+<p:sld xmlns:a="http://schemas.openxmlformats.org/drawingml/2006/main" xmlns:r="http://schemas.openxmlformats.org/officeDocument/2006/relationships" xmlns:p="http://schemas.openxmlformats.org/presentationml/2006/main">
+  <p:cSld>
+    <p:spTree>
+      <p:nvGrpSpPr>
+        <p:cNvPr id="1" name=""/>
+        <p:cNvGrpSpPr/>
+        <p:nvPr/>
+      </p:nvGrpSpPr>
+      <p:grpSpPr/>
+      <p:sp>
+        <p:nvSpPr>
+          <p:cNvPr id="2" name="文本框 1"/>
+          <p:cNvSpPr txBox="1"/>
+          <p:nvPr/>
+        </p:nvSpPr>
+        <p:spPr>
+          <a:xfrm>
+            <a:off x="4208145" y="875030"/>
+            <a:ext cx="2016760" cy="368300"/>
+          </a:xfrm>
+          <a:prstGeom prst="rect">
+            <a:avLst/>
+          </a:prstGeom>
+          <a:noFill/>
+        </p:spPr>
+        <p:txBody>
+          <a:bodyPr wrap="none" rtlCol="0">
+            <a:spAutoFit/>
+          </a:bodyPr>
+          <a:p>
+            <a:r>
+              <a:rPr lang="zh-CN" altLang="en-US" b="1">
+                <a:latin typeface="PingFang SC Regular" panose="020B0400000000000000" charset="-122"/>
+                <a:ea typeface="PingFang SC Regular" panose="020B0400000000000000" charset="-122"/>
+              </a:rPr>
+              <a:t>入栈的时间复杂度</a:t>
+            </a:r>
+            <a:endParaRPr lang="zh-CN" altLang="en-US" b="1">
+              <a:latin typeface="PingFang SC Regular" panose="020B0400000000000000" charset="-122"/>
+              <a:ea typeface="PingFang SC Regular" panose="020B0400000000000000" charset="-122"/>
+            </a:endParaRPr>
+          </a:p>
+        </p:txBody>
+      </p:sp>
+      <p:sp>
+        <p:nvSpPr>
+          <p:cNvPr id="3" name="文本框 2"/>
+          <p:cNvSpPr txBox="1"/>
+          <p:nvPr/>
+        </p:nvSpPr>
+        <p:spPr>
+          <a:xfrm>
+            <a:off x="1258570" y="2411730"/>
+            <a:ext cx="614045" cy="275590"/>
+          </a:xfrm>
+          <a:prstGeom prst="rect">
+            <a:avLst/>
+          </a:prstGeom>
+          <a:noFill/>
+        </p:spPr>
+        <p:txBody>
+          <a:bodyPr wrap="none" rtlCol="0">
+            <a:spAutoFit/>
+          </a:bodyPr>
+          <a:p>
+            <a:r>
+              <a:rPr lang="en-US" altLang="zh-CN" sz="1200"/>
+              <a:t>O(1)</a:t>
+            </a:r>
+            <a:r>
+              <a:rPr lang="zh-CN" altLang="en-US" sz="1200"/>
+              <a:t>，</a:t>
+            </a:r>
+            <a:endParaRPr lang="zh-CN" altLang="en-US" sz="1200"/>
+          </a:p>
+        </p:txBody>
+      </p:sp>
+      <p:sp>
+        <p:nvSpPr>
+          <p:cNvPr id="4" name="文本框 3"/>
+          <p:cNvSpPr txBox="1"/>
+          <p:nvPr/>
+        </p:nvSpPr>
+        <p:spPr>
+          <a:xfrm>
+            <a:off x="1860550" y="2411730"/>
+            <a:ext cx="614045" cy="275590"/>
+          </a:xfrm>
+          <a:prstGeom prst="rect">
+            <a:avLst/>
+          </a:prstGeom>
+          <a:noFill/>
+        </p:spPr>
+        <p:txBody>
+          <a:bodyPr wrap="none" rtlCol="0">
+            <a:spAutoFit/>
+          </a:bodyPr>
+          <a:p>
+            <a:r>
+              <a:rPr lang="en-US" altLang="zh-CN" sz="1200"/>
+              <a:t>O(1)</a:t>
+            </a:r>
+            <a:r>
+              <a:rPr lang="zh-CN" altLang="en-US" sz="1200"/>
+              <a:t>，</a:t>
+            </a:r>
+            <a:endParaRPr lang="zh-CN" altLang="en-US" sz="1200"/>
+          </a:p>
+        </p:txBody>
+      </p:sp>
+      <p:sp>
+        <p:nvSpPr>
+          <p:cNvPr id="5" name="文本框 4"/>
+          <p:cNvSpPr txBox="1"/>
+          <p:nvPr/>
+        </p:nvSpPr>
+        <p:spPr>
+          <a:xfrm>
+            <a:off x="2468245" y="2411730"/>
+            <a:ext cx="310515" cy="275590"/>
+          </a:xfrm>
+          <a:prstGeom prst="rect">
+            <a:avLst/>
+          </a:prstGeom>
+          <a:noFill/>
+        </p:spPr>
+        <p:txBody>
+          <a:bodyPr wrap="none" rtlCol="0">
+            <a:spAutoFit/>
+          </a:bodyPr>
+          <a:p>
+            <a:r>
+              <a:rPr lang="en-US" altLang="zh-CN" sz="1200"/>
+              <a:t>...</a:t>
+            </a:r>
+            <a:endParaRPr lang="en-US" altLang="zh-CN" sz="1200"/>
+          </a:p>
+        </p:txBody>
+      </p:sp>
+      <p:sp>
+        <p:nvSpPr>
+          <p:cNvPr id="6" name="文本框 5"/>
+          <p:cNvSpPr txBox="1"/>
+          <p:nvPr/>
+        </p:nvSpPr>
+        <p:spPr>
+          <a:xfrm>
+            <a:off x="2847340" y="2411730"/>
+            <a:ext cx="614045" cy="275590"/>
+          </a:xfrm>
+          <a:prstGeom prst="rect">
+            <a:avLst/>
+          </a:prstGeom>
+          <a:noFill/>
+        </p:spPr>
+        <p:txBody>
+          <a:bodyPr wrap="none" rtlCol="0">
+            <a:spAutoFit/>
+          </a:bodyPr>
+          <a:p>
+            <a:r>
+              <a:rPr lang="en-US" altLang="zh-CN" sz="1200"/>
+              <a:t>O(1)</a:t>
+            </a:r>
+            <a:r>
+              <a:rPr lang="zh-CN" altLang="en-US" sz="1200"/>
+              <a:t>，</a:t>
+            </a:r>
+            <a:endParaRPr lang="zh-CN" altLang="en-US" sz="1200"/>
+          </a:p>
+        </p:txBody>
+      </p:sp>
+      <p:sp>
+        <p:nvSpPr>
+          <p:cNvPr id="7" name="左大括号 6"/>
+          <p:cNvSpPr/>
+          <p:nvPr/>
+        </p:nvSpPr>
+        <p:spPr>
+          <a:xfrm rot="5400000">
+            <a:off x="2195830" y="1379220"/>
+            <a:ext cx="177165" cy="1888490"/>
+          </a:xfrm>
+          <a:prstGeom prst="leftBrace">
+            <a:avLst>
+              <a:gd name="adj1" fmla="val 8333"/>
+              <a:gd name="adj2" fmla="val 50000"/>
+            </a:avLst>
+          </a:prstGeom>
+          <a:ln w="25400"/>
+        </p:spPr>
+        <p:style>
+          <a:lnRef idx="1">
+            <a:schemeClr val="accent1"/>
+          </a:lnRef>
+          <a:fillRef idx="0">
+            <a:schemeClr val="accent1"/>
+          </a:fillRef>
+          <a:effectRef idx="0">
+            <a:schemeClr val="accent1"/>
+          </a:effectRef>
+          <a:fontRef idx="minor">
+            <a:schemeClr val="tx1"/>
+          </a:fontRef>
+        </p:style>
+        <p:txBody>
+          <a:bodyPr rtlCol="0" anchor="ctr"/>
+          <a:p>
+            <a:pPr algn="ctr"/>
+            <a:endParaRPr lang="zh-CN" altLang="en-US"/>
+          </a:p>
+        </p:txBody>
+      </p:sp>
+      <p:sp>
+        <p:nvSpPr>
+          <p:cNvPr id="9" name="文本框 8"/>
+          <p:cNvSpPr txBox="1"/>
+          <p:nvPr/>
+        </p:nvSpPr>
+        <p:spPr>
+          <a:xfrm>
+            <a:off x="1912620" y="1810385"/>
+            <a:ext cx="745490" cy="275590"/>
+          </a:xfrm>
+          <a:prstGeom prst="rect">
+            <a:avLst/>
+          </a:prstGeom>
+          <a:noFill/>
+        </p:spPr>
+        <p:txBody>
+          <a:bodyPr wrap="none" rtlCol="0">
+            <a:spAutoFit/>
+          </a:bodyPr>
+          <a:p>
+            <a:r>
+              <a:rPr lang="en-US" altLang="zh-CN" sz="1200">
+                <a:latin typeface="PingFang SC Regular" panose="020B0400000000000000" charset="-122"/>
+                <a:ea typeface="PingFang SC Regular" panose="020B0400000000000000" charset="-122"/>
+                <a:cs typeface="PingFang SC Regular" panose="020B0400000000000000" charset="-122"/>
+              </a:rPr>
+              <a:t>K</a:t>
+            </a:r>
+            <a:r>
+              <a:rPr lang="zh-CN" altLang="en-US" sz="1200">
+                <a:latin typeface="PingFang SC Regular" panose="020B0400000000000000" charset="-122"/>
+                <a:ea typeface="PingFang SC Regular" panose="020B0400000000000000" charset="-122"/>
+                <a:cs typeface="PingFang SC Regular" panose="020B0400000000000000" charset="-122"/>
+              </a:rPr>
+              <a:t>次入栈</a:t>
+            </a:r>
+            <a:endParaRPr lang="zh-CN" altLang="en-US" sz="1200">
+              <a:latin typeface="PingFang SC Regular" panose="020B0400000000000000" charset="-122"/>
+              <a:ea typeface="PingFang SC Regular" panose="020B0400000000000000" charset="-122"/>
+              <a:cs typeface="PingFang SC Regular" panose="020B0400000000000000" charset="-122"/>
+            </a:endParaRPr>
+          </a:p>
+        </p:txBody>
+      </p:sp>
+      <p:sp>
+        <p:nvSpPr>
+          <p:cNvPr id="10" name="文本框 9"/>
+          <p:cNvSpPr txBox="1"/>
+          <p:nvPr/>
+        </p:nvSpPr>
+        <p:spPr>
+          <a:xfrm>
+            <a:off x="3486150" y="2411730"/>
+            <a:ext cx="654685" cy="275590"/>
+          </a:xfrm>
+          <a:prstGeom prst="rect">
+            <a:avLst/>
+          </a:prstGeom>
+          <a:noFill/>
+        </p:spPr>
+        <p:txBody>
+          <a:bodyPr wrap="none" rtlCol="0">
+            <a:spAutoFit/>
+          </a:bodyPr>
+          <a:p>
+            <a:r>
+              <a:rPr lang="en-US" altLang="zh-CN" sz="1200" b="1"/>
+              <a:t>O(K)</a:t>
+            </a:r>
+            <a:r>
+              <a:rPr lang="zh-CN" altLang="en-US" sz="1200" b="1"/>
+              <a:t>，</a:t>
+            </a:r>
+            <a:endParaRPr lang="zh-CN" altLang="en-US" sz="1200" b="1"/>
+          </a:p>
+        </p:txBody>
+      </p:sp>
+      <p:sp>
+        <p:nvSpPr>
+          <p:cNvPr id="11" name="文本框 10"/>
+          <p:cNvSpPr txBox="1"/>
+          <p:nvPr/>
+        </p:nvSpPr>
+        <p:spPr>
+          <a:xfrm>
+            <a:off x="3481705" y="1810385"/>
+            <a:ext cx="487680" cy="275590"/>
+          </a:xfrm>
+          <a:prstGeom prst="rect">
+            <a:avLst/>
+          </a:prstGeom>
+          <a:noFill/>
+        </p:spPr>
+        <p:txBody>
+          <a:bodyPr wrap="none" rtlCol="0">
+            <a:spAutoFit/>
+          </a:bodyPr>
+          <a:p>
+            <a:r>
+              <a:rPr lang="zh-CN" altLang="en-US" sz="1200">
+                <a:latin typeface="PingFang SC Regular" panose="020B0400000000000000" charset="-122"/>
+                <a:ea typeface="PingFang SC Regular" panose="020B0400000000000000" charset="-122"/>
+                <a:cs typeface="PingFang SC Regular" panose="020B0400000000000000" charset="-122"/>
+              </a:rPr>
+              <a:t>扩容</a:t>
+            </a:r>
+            <a:endParaRPr lang="zh-CN" altLang="en-US" sz="1200">
+              <a:latin typeface="PingFang SC Regular" panose="020B0400000000000000" charset="-122"/>
+              <a:ea typeface="PingFang SC Regular" panose="020B0400000000000000" charset="-122"/>
+              <a:cs typeface="PingFang SC Regular" panose="020B0400000000000000" charset="-122"/>
+            </a:endParaRPr>
+          </a:p>
+        </p:txBody>
+      </p:sp>
+      <p:sp>
+        <p:nvSpPr>
+          <p:cNvPr id="12" name="文本框 11"/>
+          <p:cNvSpPr txBox="1"/>
+          <p:nvPr/>
+        </p:nvSpPr>
+        <p:spPr>
+          <a:xfrm>
+            <a:off x="4142105" y="2411730"/>
+            <a:ext cx="614045" cy="275590"/>
+          </a:xfrm>
+          <a:prstGeom prst="rect">
+            <a:avLst/>
+          </a:prstGeom>
+          <a:noFill/>
+        </p:spPr>
+        <p:txBody>
+          <a:bodyPr wrap="none" rtlCol="0">
+            <a:spAutoFit/>
+          </a:bodyPr>
+          <a:p>
+            <a:r>
+              <a:rPr lang="en-US" altLang="zh-CN" sz="1200"/>
+              <a:t>O(1)</a:t>
+            </a:r>
+            <a:r>
+              <a:rPr lang="zh-CN" altLang="en-US" sz="1200"/>
+              <a:t>，</a:t>
+            </a:r>
+            <a:endParaRPr lang="zh-CN" altLang="en-US" sz="1200"/>
+          </a:p>
+        </p:txBody>
+      </p:sp>
+      <p:sp>
+        <p:nvSpPr>
+          <p:cNvPr id="13" name="文本框 12"/>
+          <p:cNvSpPr txBox="1"/>
+          <p:nvPr/>
+        </p:nvSpPr>
+        <p:spPr>
+          <a:xfrm>
+            <a:off x="4744085" y="2411730"/>
+            <a:ext cx="614045" cy="275590"/>
+          </a:xfrm>
+          <a:prstGeom prst="rect">
+            <a:avLst/>
+          </a:prstGeom>
+          <a:noFill/>
+        </p:spPr>
+        <p:txBody>
+          <a:bodyPr wrap="none" rtlCol="0">
+            <a:spAutoFit/>
+          </a:bodyPr>
+          <a:p>
+            <a:r>
+              <a:rPr lang="en-US" altLang="zh-CN" sz="1200"/>
+              <a:t>O(1)</a:t>
+            </a:r>
+            <a:r>
+              <a:rPr lang="zh-CN" altLang="en-US" sz="1200"/>
+              <a:t>，</a:t>
+            </a:r>
+            <a:endParaRPr lang="zh-CN" altLang="en-US" sz="1200"/>
+          </a:p>
+        </p:txBody>
+      </p:sp>
+      <p:sp>
+        <p:nvSpPr>
+          <p:cNvPr id="14" name="文本框 13"/>
+          <p:cNvSpPr txBox="1"/>
+          <p:nvPr/>
+        </p:nvSpPr>
+        <p:spPr>
+          <a:xfrm>
+            <a:off x="5351780" y="2411730"/>
+            <a:ext cx="310515" cy="275590"/>
+          </a:xfrm>
+          <a:prstGeom prst="rect">
+            <a:avLst/>
+          </a:prstGeom>
+          <a:noFill/>
+        </p:spPr>
+        <p:txBody>
+          <a:bodyPr wrap="none" rtlCol="0">
+            <a:spAutoFit/>
+          </a:bodyPr>
+          <a:p>
+            <a:r>
+              <a:rPr lang="en-US" altLang="zh-CN" sz="1200"/>
+              <a:t>...</a:t>
+            </a:r>
+            <a:endParaRPr lang="en-US" altLang="zh-CN" sz="1200"/>
+          </a:p>
+        </p:txBody>
+      </p:sp>
+      <p:sp>
+        <p:nvSpPr>
+          <p:cNvPr id="15" name="文本框 14"/>
+          <p:cNvSpPr txBox="1"/>
+          <p:nvPr/>
+        </p:nvSpPr>
+        <p:spPr>
+          <a:xfrm>
+            <a:off x="5730875" y="2411730"/>
+            <a:ext cx="614045" cy="275590"/>
+          </a:xfrm>
+          <a:prstGeom prst="rect">
+            <a:avLst/>
+          </a:prstGeom>
+          <a:noFill/>
+        </p:spPr>
+        <p:txBody>
+          <a:bodyPr wrap="none" rtlCol="0">
+            <a:spAutoFit/>
+          </a:bodyPr>
+          <a:p>
+            <a:r>
+              <a:rPr lang="en-US" altLang="zh-CN" sz="1200"/>
+              <a:t>O(1)</a:t>
+            </a:r>
+            <a:r>
+              <a:rPr lang="zh-CN" altLang="en-US" sz="1200"/>
+              <a:t>，</a:t>
+            </a:r>
+            <a:endParaRPr lang="zh-CN" altLang="en-US" sz="1200"/>
+          </a:p>
+        </p:txBody>
+      </p:sp>
+      <p:sp>
+        <p:nvSpPr>
+          <p:cNvPr id="17" name="左大括号 16"/>
+          <p:cNvSpPr/>
+          <p:nvPr/>
+        </p:nvSpPr>
+        <p:spPr>
+          <a:xfrm rot="5400000">
+            <a:off x="5076190" y="1366520"/>
+            <a:ext cx="177165" cy="1913890"/>
+          </a:xfrm>
+          <a:prstGeom prst="leftBrace">
+            <a:avLst>
+              <a:gd name="adj1" fmla="val 8333"/>
+              <a:gd name="adj2" fmla="val 50000"/>
+            </a:avLst>
+          </a:prstGeom>
+          <a:ln w="25400"/>
+        </p:spPr>
+        <p:style>
+          <a:lnRef idx="1">
+            <a:schemeClr val="accent1"/>
+          </a:lnRef>
+          <a:fillRef idx="0">
+            <a:schemeClr val="accent1"/>
+          </a:fillRef>
+          <a:effectRef idx="0">
+            <a:schemeClr val="accent1"/>
+          </a:effectRef>
+          <a:fontRef idx="minor">
+            <a:schemeClr val="tx1"/>
+          </a:fontRef>
+        </p:style>
+        <p:txBody>
+          <a:bodyPr rtlCol="0" anchor="ctr"/>
+          <a:p>
+            <a:pPr algn="ctr"/>
+            <a:endParaRPr lang="zh-CN" altLang="en-US"/>
+          </a:p>
+        </p:txBody>
+      </p:sp>
+      <p:sp>
+        <p:nvSpPr>
+          <p:cNvPr id="18" name="文本框 17"/>
+          <p:cNvSpPr txBox="1"/>
+          <p:nvPr/>
+        </p:nvSpPr>
+        <p:spPr>
+          <a:xfrm>
+            <a:off x="4716145" y="1810385"/>
+            <a:ext cx="898525" cy="275590"/>
+          </a:xfrm>
+          <a:prstGeom prst="rect">
+            <a:avLst/>
+          </a:prstGeom>
+          <a:noFill/>
+        </p:spPr>
+        <p:txBody>
+          <a:bodyPr wrap="none" rtlCol="0">
+            <a:spAutoFit/>
+          </a:bodyPr>
+          <a:p>
+            <a:r>
+              <a:rPr lang="en-US" altLang="zh-CN" sz="1200">
+                <a:latin typeface="PingFang SC Regular" panose="020B0400000000000000" charset="-122"/>
+                <a:ea typeface="PingFang SC Regular" panose="020B0400000000000000" charset="-122"/>
+                <a:cs typeface="PingFang SC Regular" panose="020B0400000000000000" charset="-122"/>
+              </a:rPr>
+              <a:t>K-1</a:t>
+            </a:r>
+            <a:r>
+              <a:rPr lang="zh-CN" altLang="en-US" sz="1200">
+                <a:latin typeface="PingFang SC Regular" panose="020B0400000000000000" charset="-122"/>
+                <a:ea typeface="PingFang SC Regular" panose="020B0400000000000000" charset="-122"/>
+                <a:cs typeface="PingFang SC Regular" panose="020B0400000000000000" charset="-122"/>
+              </a:rPr>
+              <a:t>次入栈</a:t>
+            </a:r>
+            <a:endParaRPr lang="zh-CN" altLang="en-US" sz="1200">
+              <a:latin typeface="PingFang SC Regular" panose="020B0400000000000000" charset="-122"/>
+              <a:ea typeface="PingFang SC Regular" panose="020B0400000000000000" charset="-122"/>
+              <a:cs typeface="PingFang SC Regular" panose="020B0400000000000000" charset="-122"/>
+            </a:endParaRPr>
+          </a:p>
+        </p:txBody>
+      </p:sp>
+      <p:sp>
+        <p:nvSpPr>
+          <p:cNvPr id="19" name="下弧形箭头 18"/>
+          <p:cNvSpPr/>
+          <p:nvPr/>
+        </p:nvSpPr>
+        <p:spPr>
+          <a:xfrm>
+            <a:off x="3857625" y="2793365"/>
+            <a:ext cx="472440" cy="196850"/>
+          </a:xfrm>
+          <a:prstGeom prst="curvedUpArrow">
+            <a:avLst/>
+          </a:prstGeom>
+        </p:spPr>
+        <p:style>
+          <a:lnRef idx="2">
+            <a:schemeClr val="accent1">
+              <a:shade val="50000"/>
+            </a:schemeClr>
+          </a:lnRef>
+          <a:fillRef idx="1">
+            <a:schemeClr val="accent1"/>
+          </a:fillRef>
+          <a:effectRef idx="0">
+            <a:schemeClr val="accent1"/>
+          </a:effectRef>
+          <a:fontRef idx="minor">
+            <a:schemeClr val="lt1"/>
+          </a:fontRef>
+        </p:style>
+        <p:txBody>
+          <a:bodyPr rtlCol="0" anchor="ctr"/>
+          <a:p>
+            <a:pPr algn="ctr"/>
+            <a:endParaRPr lang="zh-CN" altLang="en-US">
+              <a:solidFill>
+                <a:schemeClr val="tx1"/>
+              </a:solidFill>
+            </a:endParaRPr>
+          </a:p>
+        </p:txBody>
+      </p:sp>
+      <p:sp>
+        <p:nvSpPr>
+          <p:cNvPr id="20" name="文本框 19"/>
+          <p:cNvSpPr txBox="1"/>
+          <p:nvPr/>
+        </p:nvSpPr>
+        <p:spPr>
+          <a:xfrm>
+            <a:off x="3850005" y="3013075"/>
+            <a:ext cx="487680" cy="275590"/>
+          </a:xfrm>
+          <a:prstGeom prst="rect">
+            <a:avLst/>
+          </a:prstGeom>
+          <a:noFill/>
+        </p:spPr>
+        <p:txBody>
+          <a:bodyPr wrap="none" rtlCol="0">
+            <a:spAutoFit/>
+          </a:bodyPr>
+          <a:p>
+            <a:r>
+              <a:rPr lang="zh-CN" altLang="en-US" sz="1200">
+                <a:latin typeface="PingFang SC Regular" panose="020B0400000000000000" charset="-122"/>
+                <a:ea typeface="PingFang SC Regular" panose="020B0400000000000000" charset="-122"/>
+                <a:cs typeface="PingFang SC Regular" panose="020B0400000000000000" charset="-122"/>
+              </a:rPr>
+              <a:t>均摊</a:t>
+            </a:r>
+            <a:endParaRPr lang="zh-CN" altLang="en-US" sz="1200">
+              <a:latin typeface="PingFang SC Regular" panose="020B0400000000000000" charset="-122"/>
+              <a:ea typeface="PingFang SC Regular" panose="020B0400000000000000" charset="-122"/>
+              <a:cs typeface="PingFang SC Regular" panose="020B0400000000000000" charset="-122"/>
+            </a:endParaRPr>
+          </a:p>
+        </p:txBody>
+      </p:sp>
+      <p:sp>
+        <p:nvSpPr>
+          <p:cNvPr id="21" name="文本框 20"/>
+          <p:cNvSpPr txBox="1"/>
+          <p:nvPr/>
+        </p:nvSpPr>
+        <p:spPr>
+          <a:xfrm>
+            <a:off x="6262370" y="2411730"/>
+            <a:ext cx="739140" cy="275590"/>
+          </a:xfrm>
+          <a:prstGeom prst="rect">
+            <a:avLst/>
+          </a:prstGeom>
+          <a:noFill/>
+        </p:spPr>
+        <p:txBody>
+          <a:bodyPr wrap="none" rtlCol="0">
+            <a:spAutoFit/>
+          </a:bodyPr>
+          <a:p>
+            <a:r>
+              <a:rPr lang="en-US" altLang="zh-CN" sz="1200" b="1"/>
+              <a:t>O(2K)</a:t>
+            </a:r>
+            <a:r>
+              <a:rPr lang="zh-CN" altLang="en-US" sz="1200" b="1"/>
+              <a:t>，</a:t>
+            </a:r>
+            <a:endParaRPr lang="zh-CN" altLang="en-US" sz="1200" b="1"/>
+          </a:p>
+        </p:txBody>
+      </p:sp>
+      <p:sp>
+        <p:nvSpPr>
+          <p:cNvPr id="22" name="文本框 21"/>
+          <p:cNvSpPr txBox="1"/>
+          <p:nvPr/>
+        </p:nvSpPr>
+        <p:spPr>
+          <a:xfrm>
+            <a:off x="6316345" y="1810385"/>
+            <a:ext cx="487680" cy="275590"/>
+          </a:xfrm>
+          <a:prstGeom prst="rect">
+            <a:avLst/>
+          </a:prstGeom>
+          <a:noFill/>
+        </p:spPr>
+        <p:txBody>
+          <a:bodyPr wrap="none" rtlCol="0">
+            <a:spAutoFit/>
+          </a:bodyPr>
+          <a:p>
+            <a:r>
+              <a:rPr lang="zh-CN" altLang="en-US" sz="1200">
+                <a:latin typeface="PingFang SC Regular" panose="020B0400000000000000" charset="-122"/>
+                <a:ea typeface="PingFang SC Regular" panose="020B0400000000000000" charset="-122"/>
+                <a:cs typeface="PingFang SC Regular" panose="020B0400000000000000" charset="-122"/>
+              </a:rPr>
+              <a:t>扩容</a:t>
+            </a:r>
+            <a:endParaRPr lang="zh-CN" altLang="en-US" sz="1200">
+              <a:latin typeface="PingFang SC Regular" panose="020B0400000000000000" charset="-122"/>
+              <a:ea typeface="PingFang SC Regular" panose="020B0400000000000000" charset="-122"/>
+              <a:cs typeface="PingFang SC Regular" panose="020B0400000000000000" charset="-122"/>
+            </a:endParaRPr>
+          </a:p>
+        </p:txBody>
+      </p:sp>
+      <p:sp>
+        <p:nvSpPr>
+          <p:cNvPr id="23" name="文本框 22"/>
+          <p:cNvSpPr txBox="1"/>
+          <p:nvPr/>
+        </p:nvSpPr>
+        <p:spPr>
+          <a:xfrm>
+            <a:off x="6918960" y="2411730"/>
+            <a:ext cx="614045" cy="275590"/>
+          </a:xfrm>
+          <a:prstGeom prst="rect">
+            <a:avLst/>
+          </a:prstGeom>
+          <a:noFill/>
+        </p:spPr>
+        <p:txBody>
+          <a:bodyPr wrap="none" rtlCol="0">
+            <a:spAutoFit/>
+          </a:bodyPr>
+          <a:p>
+            <a:r>
+              <a:rPr lang="en-US" altLang="zh-CN" sz="1200"/>
+              <a:t>O(1)</a:t>
+            </a:r>
+            <a:r>
+              <a:rPr lang="zh-CN" altLang="en-US" sz="1200"/>
+              <a:t>，</a:t>
+            </a:r>
+            <a:endParaRPr lang="zh-CN" altLang="en-US" sz="1200"/>
+          </a:p>
+        </p:txBody>
+      </p:sp>
+      <p:sp>
+        <p:nvSpPr>
+          <p:cNvPr id="24" name="文本框 23"/>
+          <p:cNvSpPr txBox="1"/>
+          <p:nvPr/>
+        </p:nvSpPr>
+        <p:spPr>
+          <a:xfrm>
+            <a:off x="7520940" y="2411730"/>
+            <a:ext cx="614045" cy="275590"/>
+          </a:xfrm>
+          <a:prstGeom prst="rect">
+            <a:avLst/>
+          </a:prstGeom>
+          <a:noFill/>
+        </p:spPr>
+        <p:txBody>
+          <a:bodyPr wrap="none" rtlCol="0">
+            <a:spAutoFit/>
+          </a:bodyPr>
+          <a:p>
+            <a:r>
+              <a:rPr lang="en-US" altLang="zh-CN" sz="1200"/>
+              <a:t>O(1)</a:t>
+            </a:r>
+            <a:r>
+              <a:rPr lang="zh-CN" altLang="en-US" sz="1200"/>
+              <a:t>，</a:t>
+            </a:r>
+            <a:endParaRPr lang="zh-CN" altLang="en-US" sz="1200"/>
+          </a:p>
+        </p:txBody>
+      </p:sp>
+      <p:sp>
+        <p:nvSpPr>
+          <p:cNvPr id="26" name="文本框 25"/>
+          <p:cNvSpPr txBox="1"/>
+          <p:nvPr/>
+        </p:nvSpPr>
+        <p:spPr>
+          <a:xfrm>
+            <a:off x="8128635" y="2411730"/>
+            <a:ext cx="310515" cy="275590"/>
+          </a:xfrm>
+          <a:prstGeom prst="rect">
+            <a:avLst/>
+          </a:prstGeom>
+          <a:noFill/>
+        </p:spPr>
+        <p:txBody>
+          <a:bodyPr wrap="none" rtlCol="0">
+            <a:spAutoFit/>
+          </a:bodyPr>
+          <a:p>
+            <a:r>
+              <a:rPr lang="en-US" altLang="zh-CN" sz="1200"/>
+              <a:t>...</a:t>
+            </a:r>
+            <a:endParaRPr lang="en-US" altLang="zh-CN" sz="1200"/>
+          </a:p>
+        </p:txBody>
+      </p:sp>
+      <p:sp>
+        <p:nvSpPr>
+          <p:cNvPr id="27" name="文本框 26"/>
+          <p:cNvSpPr txBox="1"/>
+          <p:nvPr/>
+        </p:nvSpPr>
+        <p:spPr>
+          <a:xfrm>
+            <a:off x="8507730" y="2411730"/>
+            <a:ext cx="614045" cy="275590"/>
+          </a:xfrm>
+          <a:prstGeom prst="rect">
+            <a:avLst/>
+          </a:prstGeom>
+          <a:noFill/>
+        </p:spPr>
+        <p:txBody>
+          <a:bodyPr wrap="none" rtlCol="0">
+            <a:spAutoFit/>
+          </a:bodyPr>
+          <a:p>
+            <a:r>
+              <a:rPr lang="en-US" altLang="zh-CN" sz="1200"/>
+              <a:t>O(1)</a:t>
+            </a:r>
+            <a:r>
+              <a:rPr lang="zh-CN" altLang="en-US" sz="1200"/>
+              <a:t>，</a:t>
+            </a:r>
+            <a:endParaRPr lang="zh-CN" altLang="en-US" sz="1200"/>
+          </a:p>
+        </p:txBody>
+      </p:sp>
+      <p:sp>
+        <p:nvSpPr>
+          <p:cNvPr id="28" name="左大括号 27"/>
+          <p:cNvSpPr/>
+          <p:nvPr/>
+        </p:nvSpPr>
+        <p:spPr>
+          <a:xfrm rot="5400000">
+            <a:off x="7863205" y="1394460"/>
+            <a:ext cx="177165" cy="1858010"/>
+          </a:xfrm>
+          <a:prstGeom prst="leftBrace">
+            <a:avLst>
+              <a:gd name="adj1" fmla="val 8333"/>
+              <a:gd name="adj2" fmla="val 50000"/>
+            </a:avLst>
+          </a:prstGeom>
+          <a:ln w="25400"/>
+        </p:spPr>
+        <p:style>
+          <a:lnRef idx="1">
+            <a:schemeClr val="accent1"/>
+          </a:lnRef>
+          <a:fillRef idx="0">
+            <a:schemeClr val="accent1"/>
+          </a:fillRef>
+          <a:effectRef idx="0">
+            <a:schemeClr val="accent1"/>
+          </a:effectRef>
+          <a:fontRef idx="minor">
+            <a:schemeClr val="tx1"/>
+          </a:fontRef>
+        </p:style>
+        <p:txBody>
+          <a:bodyPr rtlCol="0" anchor="ctr"/>
+          <a:p>
+            <a:pPr algn="ctr"/>
+            <a:endParaRPr lang="zh-CN" altLang="en-US"/>
+          </a:p>
+        </p:txBody>
+      </p:sp>
+      <p:sp>
+        <p:nvSpPr>
+          <p:cNvPr id="31" name="文本框 30"/>
+          <p:cNvSpPr txBox="1"/>
+          <p:nvPr/>
+        </p:nvSpPr>
+        <p:spPr>
+          <a:xfrm>
+            <a:off x="7493000" y="1810385"/>
+            <a:ext cx="989965" cy="275590"/>
+          </a:xfrm>
+          <a:prstGeom prst="rect">
+            <a:avLst/>
+          </a:prstGeom>
+          <a:noFill/>
+        </p:spPr>
+        <p:txBody>
+          <a:bodyPr wrap="none" rtlCol="0">
+            <a:spAutoFit/>
+          </a:bodyPr>
+          <a:p>
+            <a:r>
+              <a:rPr lang="en-US" altLang="zh-CN" sz="1200">
+                <a:latin typeface="PingFang SC Regular" panose="020B0400000000000000" charset="-122"/>
+                <a:ea typeface="PingFang SC Regular" panose="020B0400000000000000" charset="-122"/>
+                <a:cs typeface="PingFang SC Regular" panose="020B0400000000000000" charset="-122"/>
+              </a:rPr>
+              <a:t>2K-1</a:t>
+            </a:r>
+            <a:r>
+              <a:rPr lang="zh-CN" altLang="en-US" sz="1200">
+                <a:latin typeface="PingFang SC Regular" panose="020B0400000000000000" charset="-122"/>
+                <a:ea typeface="PingFang SC Regular" panose="020B0400000000000000" charset="-122"/>
+                <a:cs typeface="PingFang SC Regular" panose="020B0400000000000000" charset="-122"/>
+              </a:rPr>
+              <a:t>次入栈</a:t>
+            </a:r>
+            <a:endParaRPr lang="zh-CN" altLang="en-US" sz="1200">
+              <a:latin typeface="PingFang SC Regular" panose="020B0400000000000000" charset="-122"/>
+              <a:ea typeface="PingFang SC Regular" panose="020B0400000000000000" charset="-122"/>
+              <a:cs typeface="PingFang SC Regular" panose="020B0400000000000000" charset="-122"/>
+            </a:endParaRPr>
+          </a:p>
+        </p:txBody>
+      </p:sp>
+      <p:sp>
+        <p:nvSpPr>
+          <p:cNvPr id="40" name="下弧形箭头 39"/>
+          <p:cNvSpPr/>
+          <p:nvPr/>
+        </p:nvSpPr>
+        <p:spPr>
+          <a:xfrm>
+            <a:off x="6641465" y="2793365"/>
+            <a:ext cx="472440" cy="196850"/>
+          </a:xfrm>
+          <a:prstGeom prst="curvedUpArrow">
+            <a:avLst/>
+          </a:prstGeom>
+        </p:spPr>
+        <p:style>
+          <a:lnRef idx="2">
+            <a:schemeClr val="accent1">
+              <a:shade val="50000"/>
+            </a:schemeClr>
+          </a:lnRef>
+          <a:fillRef idx="1">
+            <a:schemeClr val="accent1"/>
+          </a:fillRef>
+          <a:effectRef idx="0">
+            <a:schemeClr val="accent1"/>
+          </a:effectRef>
+          <a:fontRef idx="minor">
+            <a:schemeClr val="lt1"/>
+          </a:fontRef>
+        </p:style>
+        <p:txBody>
+          <a:bodyPr rtlCol="0" anchor="ctr"/>
+          <a:p>
+            <a:pPr algn="ctr"/>
+            <a:endParaRPr lang="zh-CN" altLang="en-US">
+              <a:solidFill>
+                <a:schemeClr val="tx1"/>
+              </a:solidFill>
+            </a:endParaRPr>
+          </a:p>
+        </p:txBody>
+      </p:sp>
+      <p:sp>
+        <p:nvSpPr>
+          <p:cNvPr id="41" name="文本框 40"/>
+          <p:cNvSpPr txBox="1"/>
+          <p:nvPr/>
+        </p:nvSpPr>
+        <p:spPr>
+          <a:xfrm>
+            <a:off x="6633845" y="3013075"/>
+            <a:ext cx="487680" cy="275590"/>
+          </a:xfrm>
+          <a:prstGeom prst="rect">
+            <a:avLst/>
+          </a:prstGeom>
+          <a:noFill/>
+        </p:spPr>
+        <p:txBody>
+          <a:bodyPr wrap="none" rtlCol="0">
+            <a:spAutoFit/>
+          </a:bodyPr>
+          <a:p>
+            <a:r>
+              <a:rPr lang="zh-CN" altLang="en-US" sz="1200">
+                <a:latin typeface="PingFang SC Regular" panose="020B0400000000000000" charset="-122"/>
+                <a:ea typeface="PingFang SC Regular" panose="020B0400000000000000" charset="-122"/>
+                <a:cs typeface="PingFang SC Regular" panose="020B0400000000000000" charset="-122"/>
+              </a:rPr>
+              <a:t>均摊</a:t>
+            </a:r>
+            <a:endParaRPr lang="zh-CN" altLang="en-US" sz="1200">
+              <a:latin typeface="PingFang SC Regular" panose="020B0400000000000000" charset="-122"/>
+              <a:ea typeface="PingFang SC Regular" panose="020B0400000000000000" charset="-122"/>
+              <a:cs typeface="PingFang SC Regular" panose="020B0400000000000000" charset="-122"/>
+            </a:endParaRPr>
+          </a:p>
+        </p:txBody>
+      </p:sp>
+    </p:spTree>
+  </p:cSld>
+  <p:clrMapOvr>
+    <a:masterClrMapping/>
+  </p:clrMapOvr>
+</p:sld>
+</file>
+
+<file path=ppt/slides/slide8.xml><?xml version="1.0" encoding="utf-8"?>
+<p:sld xmlns:a="http://schemas.openxmlformats.org/drawingml/2006/main" xmlns:r="http://schemas.openxmlformats.org/officeDocument/2006/relationships" xmlns:p="http://schemas.openxmlformats.org/presentationml/2006/main">
+  <p:cSld>
+    <p:spTree>
+      <p:nvGrpSpPr>
+        <p:cNvPr id="1" name=""/>
+        <p:cNvGrpSpPr/>
+        <p:nvPr/>
+      </p:nvGrpSpPr>
+      <p:grpSpPr/>
+      <p:grpSp>
+        <p:nvGrpSpPr>
+          <p:cNvPr id="170" name="组合 169"/>
+          <p:cNvGrpSpPr/>
+          <p:nvPr/>
+        </p:nvGrpSpPr>
+        <p:grpSpPr>
+          <a:xfrm>
+            <a:off x="4730750" y="73025"/>
+            <a:ext cx="2730500" cy="982345"/>
+            <a:chOff x="7615" y="1040"/>
+            <a:chExt cx="4300" cy="1547"/>
+          </a:xfrm>
+        </p:grpSpPr>
+        <p:sp>
+          <p:nvSpPr>
+            <p:cNvPr id="6" name="文本框 5"/>
+            <p:cNvSpPr txBox="1"/>
+            <p:nvPr/>
+          </p:nvSpPr>
+          <p:spPr>
+            <a:xfrm>
+              <a:off x="7636" y="1040"/>
+              <a:ext cx="4276" cy="919"/>
+            </a:xfrm>
+            <a:prstGeom prst="rect">
+              <a:avLst/>
+            </a:prstGeom>
+            <a:noFill/>
+          </p:spPr>
+          <p:txBody>
+            <a:bodyPr wrap="none" rtlCol="0">
+              <a:spAutoFit/>
+            </a:bodyPr>
+            <a:p>
+              <a:r>
+                <a:rPr lang="en-US" altLang="zh-CN" sz="3200" b="1">
+                  <a:solidFill>
+                    <a:schemeClr val="accent1">
+                      <a:lumMod val="75000"/>
+                    </a:schemeClr>
+                  </a:solidFill>
+                  <a:latin typeface="PingFang SC Semibold" panose="020B0400000000000000" charset="-122"/>
+                  <a:ea typeface="PingFang SC Semibold" panose="020B0400000000000000" charset="-122"/>
+                  <a:cs typeface="PingFang SC Semibold" panose="020B0400000000000000" charset="-122"/>
+                </a:rPr>
+                <a:t>3 + 5 </a:t>
+              </a:r>
+              <a:r>
+                <a:rPr lang="zh-CN" altLang="en-US" sz="3200" b="1">
+                  <a:solidFill>
+                    <a:schemeClr val="accent1">
+                      <a:lumMod val="75000"/>
+                    </a:schemeClr>
+                  </a:solidFill>
+                  <a:latin typeface="PingFang SC Semibold" panose="020B0400000000000000" charset="-122"/>
+                  <a:ea typeface="PingFang SC Semibold" panose="020B0400000000000000" charset="-122"/>
+                  <a:cs typeface="PingFang SC Semibold" panose="020B0400000000000000" charset="-122"/>
+                </a:rPr>
+                <a:t>× </a:t>
+              </a:r>
+              <a:r>
+                <a:rPr lang="en-US" altLang="zh-CN" sz="3200" b="1">
+                  <a:solidFill>
+                    <a:schemeClr val="accent1">
+                      <a:lumMod val="75000"/>
+                    </a:schemeClr>
+                  </a:solidFill>
+                  <a:latin typeface="PingFang SC Semibold" panose="020B0400000000000000" charset="-122"/>
+                  <a:ea typeface="PingFang SC Semibold" panose="020B0400000000000000" charset="-122"/>
+                  <a:cs typeface="PingFang SC Semibold" panose="020B0400000000000000" charset="-122"/>
+                </a:rPr>
+                <a:t>8 - 6</a:t>
+              </a:r>
+              <a:endParaRPr lang="en-US" altLang="zh-CN" sz="3200" b="1">
+                <a:solidFill>
+                  <a:schemeClr val="accent1">
+                    <a:lumMod val="75000"/>
+                  </a:schemeClr>
+                </a:solidFill>
+                <a:latin typeface="PingFang SC Semibold" panose="020B0400000000000000" charset="-122"/>
+                <a:ea typeface="PingFang SC Semibold" panose="020B0400000000000000" charset="-122"/>
+                <a:cs typeface="PingFang SC Semibold" panose="020B0400000000000000" charset="-122"/>
+              </a:endParaRPr>
+            </a:p>
+          </p:txBody>
+        </p:sp>
+        <p:sp>
+          <p:nvSpPr>
+            <p:cNvPr id="8" name="文本框 7"/>
+            <p:cNvSpPr txBox="1"/>
+            <p:nvPr/>
+          </p:nvSpPr>
+          <p:spPr>
+            <a:xfrm>
+              <a:off x="7615" y="1959"/>
+              <a:ext cx="688" cy="628"/>
+            </a:xfrm>
+            <a:prstGeom prst="rect">
+              <a:avLst/>
+            </a:prstGeom>
+            <a:noFill/>
+          </p:spPr>
+          <p:txBody>
+            <a:bodyPr wrap="none" rtlCol="0">
+              <a:spAutoFit/>
+            </a:bodyPr>
+            <a:p>
+              <a:r>
+                <a:rPr lang="zh-CN" altLang="en-US" sz="2000">
+                  <a:solidFill>
+                    <a:schemeClr val="tx1">
+                      <a:lumMod val="50000"/>
+                      <a:lumOff val="50000"/>
+                    </a:schemeClr>
+                  </a:solidFill>
+                  <a:latin typeface="PingFang SC" panose="020B0400000000000000" charset="-122"/>
+                  <a:ea typeface="PingFang SC" panose="020B0400000000000000" charset="-122"/>
+                  <a:cs typeface="PingFang SC Semibold" panose="020B0400000000000000" charset="-122"/>
+                </a:rPr>
+                <a:t>①</a:t>
+              </a:r>
+              <a:endParaRPr lang="zh-CN" altLang="en-US" sz="2000">
+                <a:solidFill>
+                  <a:schemeClr val="tx1">
+                    <a:lumMod val="50000"/>
+                    <a:lumOff val="50000"/>
+                  </a:schemeClr>
+                </a:solidFill>
+                <a:latin typeface="PingFang SC" panose="020B0400000000000000" charset="-122"/>
+                <a:ea typeface="PingFang SC" panose="020B0400000000000000" charset="-122"/>
+                <a:cs typeface="PingFang SC Semibold" panose="020B0400000000000000" charset="-122"/>
+              </a:endParaRPr>
+            </a:p>
+          </p:txBody>
+        </p:sp>
+        <p:sp>
+          <p:nvSpPr>
+            <p:cNvPr id="9" name="文本框 8"/>
+            <p:cNvSpPr txBox="1"/>
+            <p:nvPr/>
+          </p:nvSpPr>
+          <p:spPr>
+            <a:xfrm>
+              <a:off x="8217" y="1959"/>
+              <a:ext cx="688" cy="628"/>
+            </a:xfrm>
+            <a:prstGeom prst="rect">
+              <a:avLst/>
+            </a:prstGeom>
+            <a:noFill/>
+          </p:spPr>
+          <p:txBody>
+            <a:bodyPr wrap="none" rtlCol="0">
+              <a:spAutoFit/>
+            </a:bodyPr>
+            <a:p>
+              <a:r>
+                <a:rPr lang="zh-CN" altLang="en-US" sz="2000">
+                  <a:solidFill>
+                    <a:schemeClr val="tx1">
+                      <a:lumMod val="50000"/>
+                      <a:lumOff val="50000"/>
+                    </a:schemeClr>
+                  </a:solidFill>
+                  <a:latin typeface="PingFang SC" panose="020B0400000000000000" charset="-122"/>
+                  <a:ea typeface="PingFang SC" panose="020B0400000000000000" charset="-122"/>
+                  <a:cs typeface="PingFang SC Semibold" panose="020B0400000000000000" charset="-122"/>
+                </a:rPr>
+                <a:t>②</a:t>
+              </a:r>
+              <a:endParaRPr lang="zh-CN" altLang="en-US" sz="2000">
+                <a:solidFill>
+                  <a:schemeClr val="tx1">
+                    <a:lumMod val="50000"/>
+                    <a:lumOff val="50000"/>
+                  </a:schemeClr>
+                </a:solidFill>
+                <a:latin typeface="PingFang SC" panose="020B0400000000000000" charset="-122"/>
+                <a:ea typeface="PingFang SC" panose="020B0400000000000000" charset="-122"/>
+                <a:cs typeface="PingFang SC Semibold" panose="020B0400000000000000" charset="-122"/>
+              </a:endParaRPr>
+            </a:p>
+          </p:txBody>
+        </p:sp>
+        <p:sp>
+          <p:nvSpPr>
+            <p:cNvPr id="10" name="文本框 9"/>
+            <p:cNvSpPr txBox="1"/>
+            <p:nvPr/>
+          </p:nvSpPr>
+          <p:spPr>
+            <a:xfrm>
+              <a:off x="8819" y="1959"/>
+              <a:ext cx="688" cy="628"/>
+            </a:xfrm>
+            <a:prstGeom prst="rect">
+              <a:avLst/>
+            </a:prstGeom>
+            <a:noFill/>
+          </p:spPr>
+          <p:txBody>
+            <a:bodyPr wrap="none" rtlCol="0">
+              <a:spAutoFit/>
+            </a:bodyPr>
+            <a:p>
+              <a:r>
+                <a:rPr lang="zh-CN" altLang="en-US" sz="2000">
+                  <a:solidFill>
+                    <a:schemeClr val="tx1">
+                      <a:lumMod val="50000"/>
+                      <a:lumOff val="50000"/>
+                    </a:schemeClr>
+                  </a:solidFill>
+                  <a:latin typeface="PingFang SC" panose="020B0400000000000000" charset="-122"/>
+                  <a:ea typeface="PingFang SC" panose="020B0400000000000000" charset="-122"/>
+                  <a:cs typeface="PingFang SC Semibold" panose="020B0400000000000000" charset="-122"/>
+                </a:rPr>
+                <a:t>③</a:t>
+              </a:r>
+              <a:endParaRPr lang="zh-CN" altLang="en-US" sz="2000">
+                <a:solidFill>
+                  <a:schemeClr val="tx1">
+                    <a:lumMod val="50000"/>
+                    <a:lumOff val="50000"/>
+                  </a:schemeClr>
+                </a:solidFill>
+                <a:latin typeface="PingFang SC" panose="020B0400000000000000" charset="-122"/>
+                <a:ea typeface="PingFang SC" panose="020B0400000000000000" charset="-122"/>
+                <a:cs typeface="PingFang SC Semibold" panose="020B0400000000000000" charset="-122"/>
+              </a:endParaRPr>
+            </a:p>
+          </p:txBody>
+        </p:sp>
+        <p:sp>
+          <p:nvSpPr>
+            <p:cNvPr id="11" name="文本框 10"/>
+            <p:cNvSpPr txBox="1"/>
+            <p:nvPr/>
+          </p:nvSpPr>
+          <p:spPr>
+            <a:xfrm>
+              <a:off x="9421" y="1959"/>
+              <a:ext cx="688" cy="628"/>
+            </a:xfrm>
+            <a:prstGeom prst="rect">
+              <a:avLst/>
+            </a:prstGeom>
+            <a:noFill/>
+          </p:spPr>
+          <p:txBody>
+            <a:bodyPr wrap="none" rtlCol="0">
+              <a:spAutoFit/>
+            </a:bodyPr>
+            <a:p>
+              <a:r>
+                <a:rPr lang="zh-CN" altLang="en-US" sz="2000">
+                  <a:solidFill>
+                    <a:schemeClr val="tx1">
+                      <a:lumMod val="50000"/>
+                      <a:lumOff val="50000"/>
+                    </a:schemeClr>
+                  </a:solidFill>
+                  <a:latin typeface="PingFang SC" panose="020B0400000000000000" charset="-122"/>
+                  <a:ea typeface="PingFang SC" panose="020B0400000000000000" charset="-122"/>
+                  <a:cs typeface="PingFang SC Semibold" panose="020B0400000000000000" charset="-122"/>
+                </a:rPr>
+                <a:t>④</a:t>
+              </a:r>
+              <a:endParaRPr lang="zh-CN" altLang="en-US" sz="2000">
+                <a:solidFill>
+                  <a:schemeClr val="tx1">
+                    <a:lumMod val="50000"/>
+                    <a:lumOff val="50000"/>
+                  </a:schemeClr>
+                </a:solidFill>
+                <a:latin typeface="PingFang SC" panose="020B0400000000000000" charset="-122"/>
+                <a:ea typeface="PingFang SC" panose="020B0400000000000000" charset="-122"/>
+                <a:cs typeface="PingFang SC Semibold" panose="020B0400000000000000" charset="-122"/>
+              </a:endParaRPr>
+            </a:p>
+          </p:txBody>
+        </p:sp>
+        <p:sp>
+          <p:nvSpPr>
+            <p:cNvPr id="12" name="文本框 11"/>
+            <p:cNvSpPr txBox="1"/>
+            <p:nvPr/>
+          </p:nvSpPr>
+          <p:spPr>
+            <a:xfrm>
+              <a:off x="10023" y="1959"/>
+              <a:ext cx="688" cy="628"/>
+            </a:xfrm>
+            <a:prstGeom prst="rect">
+              <a:avLst/>
+            </a:prstGeom>
+            <a:noFill/>
+          </p:spPr>
+          <p:txBody>
+            <a:bodyPr wrap="none" rtlCol="0">
+              <a:spAutoFit/>
+            </a:bodyPr>
+            <a:p>
+              <a:r>
+                <a:rPr lang="zh-CN" altLang="en-US" sz="2000">
+                  <a:solidFill>
+                    <a:schemeClr val="tx1">
+                      <a:lumMod val="50000"/>
+                      <a:lumOff val="50000"/>
+                    </a:schemeClr>
+                  </a:solidFill>
+                  <a:latin typeface="PingFang SC" panose="020B0400000000000000" charset="-122"/>
+                  <a:ea typeface="PingFang SC" panose="020B0400000000000000" charset="-122"/>
+                  <a:cs typeface="PingFang SC Semibold" panose="020B0400000000000000" charset="-122"/>
+                </a:rPr>
+                <a:t>⑤</a:t>
+              </a:r>
+              <a:endParaRPr lang="zh-CN" altLang="en-US" sz="2000">
+                <a:solidFill>
+                  <a:schemeClr val="tx1">
+                    <a:lumMod val="50000"/>
+                    <a:lumOff val="50000"/>
+                  </a:schemeClr>
+                </a:solidFill>
+                <a:latin typeface="PingFang SC" panose="020B0400000000000000" charset="-122"/>
+                <a:ea typeface="PingFang SC" panose="020B0400000000000000" charset="-122"/>
+                <a:cs typeface="PingFang SC Semibold" panose="020B0400000000000000" charset="-122"/>
+              </a:endParaRPr>
+            </a:p>
+          </p:txBody>
+        </p:sp>
+        <p:sp>
+          <p:nvSpPr>
+            <p:cNvPr id="13" name="文本框 12"/>
+            <p:cNvSpPr txBox="1"/>
+            <p:nvPr/>
+          </p:nvSpPr>
+          <p:spPr>
+            <a:xfrm>
+              <a:off x="10625" y="1959"/>
+              <a:ext cx="688" cy="628"/>
+            </a:xfrm>
+            <a:prstGeom prst="rect">
+              <a:avLst/>
+            </a:prstGeom>
+            <a:noFill/>
+          </p:spPr>
+          <p:txBody>
+            <a:bodyPr wrap="none" rtlCol="0">
+              <a:spAutoFit/>
+            </a:bodyPr>
+            <a:p>
+              <a:r>
+                <a:rPr lang="zh-CN" altLang="en-US" sz="2000">
+                  <a:solidFill>
+                    <a:schemeClr val="tx1">
+                      <a:lumMod val="50000"/>
+                      <a:lumOff val="50000"/>
+                    </a:schemeClr>
+                  </a:solidFill>
+                  <a:latin typeface="PingFang SC" panose="020B0400000000000000" charset="-122"/>
+                  <a:ea typeface="PingFang SC" panose="020B0400000000000000" charset="-122"/>
+                  <a:cs typeface="PingFang SC Semibold" panose="020B0400000000000000" charset="-122"/>
+                </a:rPr>
+                <a:t>⑥</a:t>
+              </a:r>
+              <a:endParaRPr lang="zh-CN" altLang="en-US" sz="2000">
+                <a:solidFill>
+                  <a:schemeClr val="tx1">
+                    <a:lumMod val="50000"/>
+                    <a:lumOff val="50000"/>
+                  </a:schemeClr>
+                </a:solidFill>
+                <a:latin typeface="PingFang SC" panose="020B0400000000000000" charset="-122"/>
+                <a:ea typeface="PingFang SC" panose="020B0400000000000000" charset="-122"/>
+                <a:cs typeface="PingFang SC Semibold" panose="020B0400000000000000" charset="-122"/>
+              </a:endParaRPr>
+            </a:p>
+          </p:txBody>
+        </p:sp>
+        <p:sp>
+          <p:nvSpPr>
+            <p:cNvPr id="14" name="文本框 13"/>
+            <p:cNvSpPr txBox="1"/>
+            <p:nvPr/>
+          </p:nvSpPr>
+          <p:spPr>
+            <a:xfrm>
+              <a:off x="11227" y="1959"/>
+              <a:ext cx="688" cy="628"/>
+            </a:xfrm>
+            <a:prstGeom prst="rect">
+              <a:avLst/>
+            </a:prstGeom>
+            <a:noFill/>
+          </p:spPr>
+          <p:txBody>
+            <a:bodyPr wrap="none" rtlCol="0">
+              <a:spAutoFit/>
+            </a:bodyPr>
+            <a:p>
+              <a:r>
+                <a:rPr lang="zh-CN" altLang="en-US" sz="2000">
+                  <a:solidFill>
+                    <a:schemeClr val="tx1">
+                      <a:lumMod val="50000"/>
+                      <a:lumOff val="50000"/>
+                    </a:schemeClr>
+                  </a:solidFill>
+                  <a:latin typeface="PingFang SC" panose="020B0400000000000000" charset="-122"/>
+                  <a:ea typeface="PingFang SC" panose="020B0400000000000000" charset="-122"/>
+                  <a:cs typeface="PingFang SC Semibold" panose="020B0400000000000000" charset="-122"/>
+                </a:rPr>
+                <a:t>⑦</a:t>
+              </a:r>
+              <a:endParaRPr lang="zh-CN" altLang="en-US" sz="2000">
+                <a:solidFill>
+                  <a:schemeClr val="tx1">
+                    <a:lumMod val="50000"/>
+                    <a:lumOff val="50000"/>
+                  </a:schemeClr>
+                </a:solidFill>
+                <a:latin typeface="PingFang SC" panose="020B0400000000000000" charset="-122"/>
+                <a:ea typeface="PingFang SC" panose="020B0400000000000000" charset="-122"/>
+                <a:cs typeface="PingFang SC Semibold" panose="020B0400000000000000" charset="-122"/>
+              </a:endParaRPr>
+            </a:p>
+          </p:txBody>
+        </p:sp>
+      </p:grpSp>
+      <p:grpSp>
+        <p:nvGrpSpPr>
+          <p:cNvPr id="164" name="组合 163"/>
+          <p:cNvGrpSpPr/>
+          <p:nvPr/>
+        </p:nvGrpSpPr>
+        <p:grpSpPr>
+          <a:xfrm>
+            <a:off x="2159000" y="1262380"/>
+            <a:ext cx="1141730" cy="2237740"/>
+            <a:chOff x="657" y="4869"/>
+            <a:chExt cx="1798" cy="3524"/>
+          </a:xfrm>
+        </p:grpSpPr>
+        <p:grpSp>
+          <p:nvGrpSpPr>
+            <p:cNvPr id="30" name="组合 29"/>
+            <p:cNvGrpSpPr/>
+            <p:nvPr/>
+          </p:nvGrpSpPr>
+          <p:grpSpPr>
+            <a:xfrm rot="0">
+              <a:off x="657" y="4869"/>
+              <a:ext cx="869" cy="2703"/>
+              <a:chOff x="3067" y="1956"/>
+              <a:chExt cx="1574" cy="2117"/>
+            </a:xfrm>
+          </p:grpSpPr>
+          <p:cxnSp>
+            <p:nvCxnSpPr>
+              <p:cNvPr id="16" name="直接连接符 15"/>
+              <p:cNvCxnSpPr/>
+              <p:nvPr/>
+            </p:nvCxnSpPr>
+            <p:spPr>
+              <a:xfrm>
+                <a:off x="3083" y="1956"/>
+                <a:ext cx="0" cy="2117"/>
+              </a:xfrm>
+              <a:prstGeom prst="line">
+                <a:avLst/>
+              </a:prstGeom>
+              <a:ln w="22225"/>
+            </p:spPr>
+            <p:style>
+              <a:lnRef idx="1">
+                <a:schemeClr val="accent1"/>
+              </a:lnRef>
+              <a:fillRef idx="0">
+                <a:schemeClr val="accent1"/>
+              </a:fillRef>
+              <a:effectRef idx="0">
+                <a:schemeClr val="accent1"/>
+              </a:effectRef>
+              <a:fontRef idx="minor">
+                <a:schemeClr val="tx1"/>
+              </a:fontRef>
+            </p:style>
+          </p:cxnSp>
+          <p:cxnSp>
+            <p:nvCxnSpPr>
+              <p:cNvPr id="25" name="直接连接符 24"/>
+              <p:cNvCxnSpPr/>
+              <p:nvPr/>
+            </p:nvCxnSpPr>
+            <p:spPr>
+              <a:xfrm>
+                <a:off x="4622" y="1956"/>
+                <a:ext cx="0" cy="2117"/>
+              </a:xfrm>
+              <a:prstGeom prst="line">
+                <a:avLst/>
+              </a:prstGeom>
+              <a:ln w="22225"/>
+            </p:spPr>
+            <p:style>
+              <a:lnRef idx="1">
+                <a:schemeClr val="accent1"/>
+              </a:lnRef>
+              <a:fillRef idx="0">
+                <a:schemeClr val="accent1"/>
+              </a:fillRef>
+              <a:effectRef idx="0">
+                <a:schemeClr val="accent1"/>
+              </a:effectRef>
+              <a:fontRef idx="minor">
+                <a:schemeClr val="tx1"/>
+              </a:fontRef>
+            </p:style>
+          </p:cxnSp>
+          <p:cxnSp>
+            <p:nvCxnSpPr>
+              <p:cNvPr id="29" name="直接连接符 28"/>
+              <p:cNvCxnSpPr/>
+              <p:nvPr/>
+            </p:nvCxnSpPr>
+            <p:spPr>
+              <a:xfrm>
+                <a:off x="3067" y="4073"/>
+                <a:ext cx="1575" cy="0"/>
+              </a:xfrm>
+              <a:prstGeom prst="line">
+                <a:avLst/>
+              </a:prstGeom>
+              <a:ln w="22225"/>
+            </p:spPr>
+            <p:style>
+              <a:lnRef idx="1">
+                <a:schemeClr val="accent1"/>
+              </a:lnRef>
+              <a:fillRef idx="0">
+                <a:schemeClr val="accent1"/>
+              </a:fillRef>
+              <a:effectRef idx="0">
+                <a:schemeClr val="accent1"/>
+              </a:effectRef>
+              <a:fontRef idx="minor">
+                <a:schemeClr val="tx1"/>
+              </a:fontRef>
+            </p:style>
+          </p:cxnSp>
+        </p:grpSp>
+        <p:sp>
+          <p:nvSpPr>
+            <p:cNvPr id="87" name="矩形 86"/>
+            <p:cNvSpPr/>
+            <p:nvPr/>
+          </p:nvSpPr>
+          <p:spPr>
+            <a:xfrm>
+              <a:off x="724" y="6837"/>
+              <a:ext cx="738" cy="648"/>
+            </a:xfrm>
+            <a:prstGeom prst="rect">
+              <a:avLst/>
+            </a:prstGeom>
+            <a:solidFill>
+              <a:schemeClr val="accent1">
+                <a:lumMod val="20000"/>
+                <a:lumOff val="80000"/>
+              </a:schemeClr>
+            </a:solidFill>
+            <a:ln w="25400"/>
+          </p:spPr>
+          <p:style>
+            <a:lnRef idx="2">
+              <a:schemeClr val="accent1">
+                <a:shade val="50000"/>
+              </a:schemeClr>
+            </a:lnRef>
+            <a:fillRef idx="1">
+              <a:schemeClr val="accent1"/>
+            </a:fillRef>
+            <a:effectRef idx="0">
+              <a:schemeClr val="accent1"/>
+            </a:effectRef>
+            <a:fontRef idx="minor">
+              <a:schemeClr val="lt1"/>
+            </a:fontRef>
+          </p:style>
+          <p:txBody>
+            <a:bodyPr rtlCol="0" anchor="ctr"/>
+            <a:p>
+              <a:pPr algn="ctr"/>
+              <a:r>
+                <a:rPr lang="en-US" altLang="zh-CN">
+                  <a:solidFill>
+                    <a:schemeClr val="tx1"/>
+                  </a:solidFill>
+                </a:rPr>
+                <a:t>3</a:t>
+              </a:r>
+              <a:endParaRPr lang="en-US" altLang="zh-CN">
+                <a:solidFill>
+                  <a:schemeClr val="tx1"/>
+                </a:solidFill>
+              </a:endParaRPr>
+            </a:p>
+          </p:txBody>
+        </p:sp>
+        <p:grpSp>
+          <p:nvGrpSpPr>
+            <p:cNvPr id="2" name="组合 1"/>
+            <p:cNvGrpSpPr/>
+            <p:nvPr/>
+          </p:nvGrpSpPr>
+          <p:grpSpPr>
+            <a:xfrm rot="0">
+              <a:off x="1587" y="4869"/>
+              <a:ext cx="869" cy="2703"/>
+              <a:chOff x="3067" y="1956"/>
+              <a:chExt cx="1574" cy="2117"/>
+            </a:xfrm>
+          </p:grpSpPr>
+          <p:cxnSp>
+            <p:nvCxnSpPr>
+              <p:cNvPr id="3" name="直接连接符 2"/>
+              <p:cNvCxnSpPr/>
+              <p:nvPr/>
+            </p:nvCxnSpPr>
+            <p:spPr>
+              <a:xfrm>
+                <a:off x="3083" y="1956"/>
+                <a:ext cx="0" cy="2117"/>
+              </a:xfrm>
+              <a:prstGeom prst="line">
+                <a:avLst/>
+              </a:prstGeom>
+              <a:ln w="22225">
+                <a:solidFill>
+                  <a:schemeClr val="accent2">
+                    <a:lumMod val="75000"/>
+                  </a:schemeClr>
+                </a:solidFill>
+              </a:ln>
+            </p:spPr>
+            <p:style>
+              <a:lnRef idx="1">
+                <a:schemeClr val="accent1"/>
+              </a:lnRef>
+              <a:fillRef idx="0">
+                <a:schemeClr val="accent1"/>
+              </a:fillRef>
+              <a:effectRef idx="0">
+                <a:schemeClr val="accent1"/>
+              </a:effectRef>
+              <a:fontRef idx="minor">
+                <a:schemeClr val="tx1"/>
+              </a:fontRef>
+            </p:style>
+          </p:cxnSp>
+          <p:cxnSp>
+            <p:nvCxnSpPr>
+              <p:cNvPr id="4" name="直接连接符 3"/>
+              <p:cNvCxnSpPr/>
+              <p:nvPr/>
+            </p:nvCxnSpPr>
+            <p:spPr>
+              <a:xfrm>
+                <a:off x="4622" y="1956"/>
+                <a:ext cx="0" cy="2117"/>
+              </a:xfrm>
+              <a:prstGeom prst="line">
+                <a:avLst/>
+              </a:prstGeom>
+              <a:ln w="22225">
+                <a:solidFill>
+                  <a:schemeClr val="accent2">
+                    <a:lumMod val="75000"/>
+                  </a:schemeClr>
+                </a:solidFill>
+              </a:ln>
+            </p:spPr>
+            <p:style>
+              <a:lnRef idx="1">
+                <a:schemeClr val="accent1"/>
+              </a:lnRef>
+              <a:fillRef idx="0">
+                <a:schemeClr val="accent1"/>
+              </a:fillRef>
+              <a:effectRef idx="0">
+                <a:schemeClr val="accent1"/>
+              </a:effectRef>
+              <a:fontRef idx="minor">
+                <a:schemeClr val="tx1"/>
+              </a:fontRef>
+            </p:style>
+          </p:cxnSp>
+          <p:cxnSp>
+            <p:nvCxnSpPr>
+              <p:cNvPr id="5" name="直接连接符 4"/>
+              <p:cNvCxnSpPr/>
+              <p:nvPr/>
+            </p:nvCxnSpPr>
+            <p:spPr>
+              <a:xfrm>
+                <a:off x="3067" y="4073"/>
+                <a:ext cx="1575" cy="0"/>
+              </a:xfrm>
+              <a:prstGeom prst="line">
+                <a:avLst/>
+              </a:prstGeom>
+              <a:ln w="22225">
+                <a:solidFill>
+                  <a:schemeClr val="accent2">
+                    <a:lumMod val="75000"/>
+                  </a:schemeClr>
+                </a:solidFill>
+              </a:ln>
+            </p:spPr>
+            <p:style>
+              <a:lnRef idx="1">
+                <a:schemeClr val="accent1"/>
+              </a:lnRef>
+              <a:fillRef idx="0">
+                <a:schemeClr val="accent1"/>
+              </a:fillRef>
+              <a:effectRef idx="0">
+                <a:schemeClr val="accent1"/>
+              </a:effectRef>
+              <a:fontRef idx="minor">
+                <a:schemeClr val="tx1"/>
+              </a:fontRef>
+            </p:style>
+          </p:cxnSp>
+        </p:grpSp>
+        <p:sp>
+          <p:nvSpPr>
+            <p:cNvPr id="15" name="文本框 14"/>
+            <p:cNvSpPr txBox="1"/>
+            <p:nvPr/>
+          </p:nvSpPr>
+          <p:spPr>
+            <a:xfrm>
+              <a:off x="1171" y="7765"/>
+              <a:ext cx="689" cy="628"/>
+            </a:xfrm>
+            <a:prstGeom prst="rect">
+              <a:avLst/>
+            </a:prstGeom>
+            <a:noFill/>
+          </p:spPr>
+          <p:txBody>
+            <a:bodyPr wrap="square" rtlCol="0">
+              <a:spAutoFit/>
+            </a:bodyPr>
+            <a:p>
+              <a:r>
+                <a:rPr lang="zh-CN" altLang="en-US" sz="2000">
+                  <a:solidFill>
+                    <a:schemeClr val="tx1">
+                      <a:lumMod val="50000"/>
+                      <a:lumOff val="50000"/>
+                    </a:schemeClr>
+                  </a:solidFill>
+                  <a:latin typeface="PingFang SC" panose="020B0400000000000000" charset="-122"/>
+                  <a:ea typeface="PingFang SC" panose="020B0400000000000000" charset="-122"/>
+                  <a:cs typeface="PingFang SC Semibold" panose="020B0400000000000000" charset="-122"/>
+                </a:rPr>
+                <a:t>①</a:t>
+              </a:r>
+              <a:endParaRPr lang="zh-CN" altLang="en-US" sz="2000">
+                <a:solidFill>
+                  <a:schemeClr val="tx1">
+                    <a:lumMod val="50000"/>
+                    <a:lumOff val="50000"/>
+                  </a:schemeClr>
+                </a:solidFill>
+                <a:latin typeface="PingFang SC" panose="020B0400000000000000" charset="-122"/>
+                <a:ea typeface="PingFang SC" panose="020B0400000000000000" charset="-122"/>
+                <a:cs typeface="PingFang SC Semibold" panose="020B0400000000000000" charset="-122"/>
+              </a:endParaRPr>
+            </a:p>
+          </p:txBody>
+        </p:sp>
+      </p:grpSp>
+      <p:grpSp>
+        <p:nvGrpSpPr>
+          <p:cNvPr id="165" name="组合 164"/>
+          <p:cNvGrpSpPr/>
+          <p:nvPr/>
+        </p:nvGrpSpPr>
+        <p:grpSpPr>
+          <a:xfrm>
+            <a:off x="3773805" y="1262380"/>
+            <a:ext cx="1141730" cy="2237740"/>
+            <a:chOff x="3296" y="4869"/>
+            <a:chExt cx="1798" cy="3524"/>
+          </a:xfrm>
+        </p:grpSpPr>
+        <p:sp>
+          <p:nvSpPr>
+            <p:cNvPr id="28" name="矩形 27"/>
+            <p:cNvSpPr/>
+            <p:nvPr/>
+          </p:nvSpPr>
+          <p:spPr>
+            <a:xfrm>
+              <a:off x="4290" y="6837"/>
+              <a:ext cx="739" cy="648"/>
+            </a:xfrm>
+            <a:prstGeom prst="rect">
+              <a:avLst/>
+            </a:prstGeom>
+            <a:solidFill>
+              <a:schemeClr val="accent2">
+                <a:lumMod val="20000"/>
+                <a:lumOff val="80000"/>
+              </a:schemeClr>
+            </a:solidFill>
+            <a:ln w="25400"/>
+          </p:spPr>
+          <p:style>
+            <a:lnRef idx="1">
+              <a:schemeClr val="accent2"/>
+            </a:lnRef>
+            <a:fillRef idx="2">
+              <a:schemeClr val="accent2"/>
+            </a:fillRef>
+            <a:effectRef idx="1">
+              <a:schemeClr val="accent2"/>
+            </a:effectRef>
+            <a:fontRef idx="minor">
+              <a:schemeClr val="dk1"/>
+            </a:fontRef>
+          </p:style>
+          <p:txBody>
+            <a:bodyPr rtlCol="0" anchor="ctr"/>
+            <a:p>
+              <a:pPr algn="ctr"/>
+              <a:r>
+                <a:rPr lang="en-US" altLang="zh-CN">
+                  <a:solidFill>
+                    <a:schemeClr val="tx1"/>
+                  </a:solidFill>
+                </a:rPr>
+                <a:t>+</a:t>
+              </a:r>
+              <a:endParaRPr lang="en-US" altLang="zh-CN">
+                <a:solidFill>
+                  <a:schemeClr val="tx1"/>
+                </a:solidFill>
+              </a:endParaRPr>
+            </a:p>
+          </p:txBody>
+        </p:sp>
+        <p:grpSp>
+          <p:nvGrpSpPr>
+            <p:cNvPr id="70" name="组合 69"/>
+            <p:cNvGrpSpPr/>
+            <p:nvPr/>
+          </p:nvGrpSpPr>
+          <p:grpSpPr>
+            <a:xfrm rot="0">
+              <a:off x="3296" y="4869"/>
+              <a:ext cx="869" cy="2703"/>
+              <a:chOff x="3067" y="1956"/>
+              <a:chExt cx="1574" cy="2117"/>
+            </a:xfrm>
+          </p:grpSpPr>
+          <p:cxnSp>
+            <p:nvCxnSpPr>
+              <p:cNvPr id="71" name="直接连接符 70"/>
+              <p:cNvCxnSpPr/>
+              <p:nvPr/>
+            </p:nvCxnSpPr>
+            <p:spPr>
+              <a:xfrm>
+                <a:off x="3083" y="1956"/>
+                <a:ext cx="0" cy="2117"/>
+              </a:xfrm>
+              <a:prstGeom prst="line">
+                <a:avLst/>
+              </a:prstGeom>
+              <a:ln w="22225"/>
+            </p:spPr>
+            <p:style>
+              <a:lnRef idx="1">
+                <a:schemeClr val="accent1"/>
+              </a:lnRef>
+              <a:fillRef idx="0">
+                <a:schemeClr val="accent1"/>
+              </a:fillRef>
+              <a:effectRef idx="0">
+                <a:schemeClr val="accent1"/>
+              </a:effectRef>
+              <a:fontRef idx="minor">
+                <a:schemeClr val="tx1"/>
+              </a:fontRef>
+            </p:style>
+          </p:cxnSp>
+          <p:cxnSp>
+            <p:nvCxnSpPr>
+              <p:cNvPr id="81" name="直接连接符 80"/>
+              <p:cNvCxnSpPr/>
+              <p:nvPr/>
+            </p:nvCxnSpPr>
+            <p:spPr>
+              <a:xfrm>
+                <a:off x="4622" y="1956"/>
+                <a:ext cx="0" cy="2117"/>
+              </a:xfrm>
+              <a:prstGeom prst="line">
+                <a:avLst/>
+              </a:prstGeom>
+              <a:ln w="22225"/>
+            </p:spPr>
+            <p:style>
+              <a:lnRef idx="1">
+                <a:schemeClr val="accent1"/>
+              </a:lnRef>
+              <a:fillRef idx="0">
+                <a:schemeClr val="accent1"/>
+              </a:fillRef>
+              <a:effectRef idx="0">
+                <a:schemeClr val="accent1"/>
+              </a:effectRef>
+              <a:fontRef idx="minor">
+                <a:schemeClr val="tx1"/>
+              </a:fontRef>
+            </p:style>
+          </p:cxnSp>
+          <p:cxnSp>
+            <p:nvCxnSpPr>
+              <p:cNvPr id="100" name="直接连接符 99"/>
+              <p:cNvCxnSpPr/>
+              <p:nvPr/>
+            </p:nvCxnSpPr>
+            <p:spPr>
+              <a:xfrm>
+                <a:off x="3067" y="4073"/>
+                <a:ext cx="1575" cy="0"/>
+              </a:xfrm>
+              <a:prstGeom prst="line">
+                <a:avLst/>
+              </a:prstGeom>
+              <a:ln w="22225"/>
+            </p:spPr>
+            <p:style>
+              <a:lnRef idx="1">
+                <a:schemeClr val="accent1"/>
+              </a:lnRef>
+              <a:fillRef idx="0">
+                <a:schemeClr val="accent1"/>
+              </a:fillRef>
+              <a:effectRef idx="0">
+                <a:schemeClr val="accent1"/>
+              </a:effectRef>
+              <a:fontRef idx="minor">
+                <a:schemeClr val="tx1"/>
+              </a:fontRef>
+            </p:style>
+          </p:cxnSp>
+        </p:grpSp>
+        <p:sp>
+          <p:nvSpPr>
+            <p:cNvPr id="101" name="矩形 100"/>
+            <p:cNvSpPr/>
+            <p:nvPr/>
+          </p:nvSpPr>
+          <p:spPr>
+            <a:xfrm>
+              <a:off x="3361" y="6837"/>
+              <a:ext cx="738" cy="648"/>
+            </a:xfrm>
+            <a:prstGeom prst="rect">
+              <a:avLst/>
+            </a:prstGeom>
+            <a:solidFill>
+              <a:schemeClr val="accent1">
+                <a:lumMod val="20000"/>
+                <a:lumOff val="80000"/>
+              </a:schemeClr>
+            </a:solidFill>
+            <a:ln w="25400"/>
+          </p:spPr>
+          <p:style>
+            <a:lnRef idx="2">
+              <a:schemeClr val="accent1">
+                <a:shade val="50000"/>
+              </a:schemeClr>
+            </a:lnRef>
+            <a:fillRef idx="1">
+              <a:schemeClr val="accent1"/>
+            </a:fillRef>
+            <a:effectRef idx="0">
+              <a:schemeClr val="accent1"/>
+            </a:effectRef>
+            <a:fontRef idx="minor">
+              <a:schemeClr val="lt1"/>
+            </a:fontRef>
+          </p:style>
+          <p:txBody>
+            <a:bodyPr rtlCol="0" anchor="ctr"/>
+            <a:p>
+              <a:pPr algn="ctr"/>
+              <a:r>
+                <a:rPr lang="en-US" altLang="zh-CN">
+                  <a:solidFill>
+                    <a:schemeClr val="tx1"/>
+                  </a:solidFill>
+                </a:rPr>
+                <a:t>3</a:t>
+              </a:r>
+              <a:endParaRPr lang="en-US" altLang="zh-CN">
+                <a:solidFill>
+                  <a:schemeClr val="tx1"/>
+                </a:solidFill>
+              </a:endParaRPr>
+            </a:p>
+          </p:txBody>
+        </p:sp>
+        <p:grpSp>
+          <p:nvGrpSpPr>
+            <p:cNvPr id="102" name="组合 101"/>
+            <p:cNvGrpSpPr/>
+            <p:nvPr/>
+          </p:nvGrpSpPr>
+          <p:grpSpPr>
+            <a:xfrm rot="0">
+              <a:off x="4226" y="4869"/>
+              <a:ext cx="869" cy="2703"/>
+              <a:chOff x="3067" y="1956"/>
+              <a:chExt cx="1574" cy="2117"/>
+            </a:xfrm>
+          </p:grpSpPr>
+          <p:cxnSp>
+            <p:nvCxnSpPr>
+              <p:cNvPr id="103" name="直接连接符 102"/>
+              <p:cNvCxnSpPr/>
+              <p:nvPr/>
+            </p:nvCxnSpPr>
+            <p:spPr>
+              <a:xfrm>
+                <a:off x="3083" y="1956"/>
+                <a:ext cx="0" cy="2117"/>
+              </a:xfrm>
+              <a:prstGeom prst="line">
+                <a:avLst/>
+              </a:prstGeom>
+              <a:ln w="22225">
+                <a:solidFill>
+                  <a:schemeClr val="accent2">
+                    <a:lumMod val="75000"/>
+                  </a:schemeClr>
+                </a:solidFill>
+              </a:ln>
+            </p:spPr>
+            <p:style>
+              <a:lnRef idx="1">
+                <a:schemeClr val="accent1"/>
+              </a:lnRef>
+              <a:fillRef idx="0">
+                <a:schemeClr val="accent1"/>
+              </a:fillRef>
+              <a:effectRef idx="0">
+                <a:schemeClr val="accent1"/>
+              </a:effectRef>
+              <a:fontRef idx="minor">
+                <a:schemeClr val="tx1"/>
+              </a:fontRef>
+            </p:style>
+          </p:cxnSp>
+          <p:cxnSp>
+            <p:nvCxnSpPr>
+              <p:cNvPr id="104" name="直接连接符 103"/>
+              <p:cNvCxnSpPr/>
+              <p:nvPr/>
+            </p:nvCxnSpPr>
+            <p:spPr>
+              <a:xfrm>
+                <a:off x="4622" y="1956"/>
+                <a:ext cx="0" cy="2117"/>
+              </a:xfrm>
+              <a:prstGeom prst="line">
+                <a:avLst/>
+              </a:prstGeom>
+              <a:ln w="22225">
+                <a:solidFill>
+                  <a:schemeClr val="accent2">
+                    <a:lumMod val="75000"/>
+                  </a:schemeClr>
+                </a:solidFill>
+              </a:ln>
+            </p:spPr>
+            <p:style>
+              <a:lnRef idx="1">
+                <a:schemeClr val="accent1"/>
+              </a:lnRef>
+              <a:fillRef idx="0">
+                <a:schemeClr val="accent1"/>
+              </a:fillRef>
+              <a:effectRef idx="0">
+                <a:schemeClr val="accent1"/>
+              </a:effectRef>
+              <a:fontRef idx="minor">
+                <a:schemeClr val="tx1"/>
+              </a:fontRef>
+            </p:style>
+          </p:cxnSp>
+          <p:cxnSp>
+            <p:nvCxnSpPr>
+              <p:cNvPr id="105" name="直接连接符 104"/>
+              <p:cNvCxnSpPr/>
+              <p:nvPr/>
+            </p:nvCxnSpPr>
+            <p:spPr>
+              <a:xfrm>
+                <a:off x="3067" y="4073"/>
+                <a:ext cx="1575" cy="0"/>
+              </a:xfrm>
+              <a:prstGeom prst="line">
+                <a:avLst/>
+              </a:prstGeom>
+              <a:ln w="22225">
+                <a:solidFill>
+                  <a:schemeClr val="accent2">
+                    <a:lumMod val="75000"/>
+                  </a:schemeClr>
+                </a:solidFill>
+              </a:ln>
+            </p:spPr>
+            <p:style>
+              <a:lnRef idx="1">
+                <a:schemeClr val="accent1"/>
+              </a:lnRef>
+              <a:fillRef idx="0">
+                <a:schemeClr val="accent1"/>
+              </a:fillRef>
+              <a:effectRef idx="0">
+                <a:schemeClr val="accent1"/>
+              </a:effectRef>
+              <a:fontRef idx="minor">
+                <a:schemeClr val="tx1"/>
+              </a:fontRef>
+            </p:style>
+          </p:cxnSp>
+        </p:grpSp>
+        <p:sp>
+          <p:nvSpPr>
+            <p:cNvPr id="106" name="文本框 105"/>
+            <p:cNvSpPr txBox="1"/>
+            <p:nvPr/>
+          </p:nvSpPr>
+          <p:spPr>
+            <a:xfrm>
+              <a:off x="3810" y="7765"/>
+              <a:ext cx="689" cy="628"/>
+            </a:xfrm>
+            <a:prstGeom prst="rect">
+              <a:avLst/>
+            </a:prstGeom>
+            <a:noFill/>
+          </p:spPr>
+          <p:txBody>
+            <a:bodyPr wrap="square" rtlCol="0">
+              <a:spAutoFit/>
+            </a:bodyPr>
+            <a:p>
+              <a:r>
+                <a:rPr lang="zh-CN" altLang="en-US" sz="2000">
+                  <a:solidFill>
+                    <a:schemeClr val="tx1">
+                      <a:lumMod val="50000"/>
+                      <a:lumOff val="50000"/>
+                    </a:schemeClr>
+                  </a:solidFill>
+                  <a:latin typeface="PingFang SC" panose="020B0400000000000000" charset="-122"/>
+                  <a:ea typeface="PingFang SC" panose="020B0400000000000000" charset="-122"/>
+                  <a:cs typeface="PingFang SC Semibold" panose="020B0400000000000000" charset="-122"/>
+                </a:rPr>
+                <a:t>②</a:t>
+              </a:r>
+              <a:endParaRPr lang="zh-CN" altLang="en-US" sz="2000">
+                <a:solidFill>
+                  <a:schemeClr val="tx1">
+                    <a:lumMod val="50000"/>
+                    <a:lumOff val="50000"/>
+                  </a:schemeClr>
+                </a:solidFill>
+                <a:latin typeface="PingFang SC" panose="020B0400000000000000" charset="-122"/>
+                <a:ea typeface="PingFang SC" panose="020B0400000000000000" charset="-122"/>
+                <a:cs typeface="PingFang SC Semibold" panose="020B0400000000000000" charset="-122"/>
+              </a:endParaRPr>
+            </a:p>
+          </p:txBody>
+        </p:sp>
+      </p:grpSp>
+      <p:grpSp>
+        <p:nvGrpSpPr>
+          <p:cNvPr id="166" name="组合 165"/>
+          <p:cNvGrpSpPr/>
+          <p:nvPr/>
+        </p:nvGrpSpPr>
+        <p:grpSpPr>
+          <a:xfrm>
+            <a:off x="5388610" y="1262380"/>
+            <a:ext cx="1141730" cy="2237740"/>
+            <a:chOff x="6015" y="4869"/>
+            <a:chExt cx="1798" cy="3524"/>
+          </a:xfrm>
+        </p:grpSpPr>
+        <p:sp>
+          <p:nvSpPr>
+            <p:cNvPr id="107" name="矩形 106"/>
+            <p:cNvSpPr/>
+            <p:nvPr/>
+          </p:nvSpPr>
+          <p:spPr>
+            <a:xfrm>
+              <a:off x="7009" y="6837"/>
+              <a:ext cx="739" cy="648"/>
+            </a:xfrm>
+            <a:prstGeom prst="rect">
+              <a:avLst/>
+            </a:prstGeom>
+            <a:solidFill>
+              <a:schemeClr val="accent2">
+                <a:lumMod val="20000"/>
+                <a:lumOff val="80000"/>
+              </a:schemeClr>
+            </a:solidFill>
+            <a:ln w="25400"/>
+          </p:spPr>
+          <p:style>
+            <a:lnRef idx="1">
+              <a:schemeClr val="accent2"/>
+            </a:lnRef>
+            <a:fillRef idx="2">
+              <a:schemeClr val="accent2"/>
+            </a:fillRef>
+            <a:effectRef idx="1">
+              <a:schemeClr val="accent2"/>
+            </a:effectRef>
+            <a:fontRef idx="minor">
+              <a:schemeClr val="dk1"/>
+            </a:fontRef>
+          </p:style>
+          <p:txBody>
+            <a:bodyPr rtlCol="0" anchor="ctr"/>
+            <a:p>
+              <a:pPr algn="ctr"/>
+              <a:r>
+                <a:rPr lang="en-US" altLang="zh-CN">
+                  <a:solidFill>
+                    <a:schemeClr val="tx1"/>
+                  </a:solidFill>
+                </a:rPr>
+                <a:t>+</a:t>
+              </a:r>
+              <a:endParaRPr lang="en-US" altLang="zh-CN">
+                <a:solidFill>
+                  <a:schemeClr val="tx1"/>
+                </a:solidFill>
+              </a:endParaRPr>
+            </a:p>
+          </p:txBody>
+        </p:sp>
+        <p:grpSp>
+          <p:nvGrpSpPr>
+            <p:cNvPr id="108" name="组合 107"/>
+            <p:cNvGrpSpPr/>
+            <p:nvPr/>
+          </p:nvGrpSpPr>
+          <p:grpSpPr>
+            <a:xfrm rot="0">
+              <a:off x="6015" y="4869"/>
+              <a:ext cx="869" cy="2703"/>
+              <a:chOff x="3067" y="1956"/>
+              <a:chExt cx="1574" cy="2117"/>
+            </a:xfrm>
+          </p:grpSpPr>
+          <p:cxnSp>
+            <p:nvCxnSpPr>
+              <p:cNvPr id="109" name="直接连接符 108"/>
+              <p:cNvCxnSpPr/>
+              <p:nvPr/>
+            </p:nvCxnSpPr>
+            <p:spPr>
+              <a:xfrm>
+                <a:off x="3083" y="1956"/>
+                <a:ext cx="0" cy="2117"/>
+              </a:xfrm>
+              <a:prstGeom prst="line">
+                <a:avLst/>
+              </a:prstGeom>
+              <a:ln w="22225"/>
+            </p:spPr>
+            <p:style>
+              <a:lnRef idx="1">
+                <a:schemeClr val="accent1"/>
+              </a:lnRef>
+              <a:fillRef idx="0">
+                <a:schemeClr val="accent1"/>
+              </a:fillRef>
+              <a:effectRef idx="0">
+                <a:schemeClr val="accent1"/>
+              </a:effectRef>
+              <a:fontRef idx="minor">
+                <a:schemeClr val="tx1"/>
+              </a:fontRef>
+            </p:style>
+          </p:cxnSp>
+          <p:cxnSp>
+            <p:nvCxnSpPr>
+              <p:cNvPr id="110" name="直接连接符 109"/>
+              <p:cNvCxnSpPr/>
+              <p:nvPr/>
+            </p:nvCxnSpPr>
+            <p:spPr>
+              <a:xfrm>
+                <a:off x="4622" y="1956"/>
+                <a:ext cx="0" cy="2117"/>
+              </a:xfrm>
+              <a:prstGeom prst="line">
+                <a:avLst/>
+              </a:prstGeom>
+              <a:ln w="22225"/>
+            </p:spPr>
+            <p:style>
+              <a:lnRef idx="1">
+                <a:schemeClr val="accent1"/>
+              </a:lnRef>
+              <a:fillRef idx="0">
+                <a:schemeClr val="accent1"/>
+              </a:fillRef>
+              <a:effectRef idx="0">
+                <a:schemeClr val="accent1"/>
+              </a:effectRef>
+              <a:fontRef idx="minor">
+                <a:schemeClr val="tx1"/>
+              </a:fontRef>
+            </p:style>
+          </p:cxnSp>
+          <p:cxnSp>
+            <p:nvCxnSpPr>
+              <p:cNvPr id="111" name="直接连接符 110"/>
+              <p:cNvCxnSpPr/>
+              <p:nvPr/>
+            </p:nvCxnSpPr>
+            <p:spPr>
+              <a:xfrm>
+                <a:off x="3067" y="4073"/>
+                <a:ext cx="1575" cy="0"/>
+              </a:xfrm>
+              <a:prstGeom prst="line">
+                <a:avLst/>
+              </a:prstGeom>
+              <a:ln w="22225"/>
+            </p:spPr>
+            <p:style>
+              <a:lnRef idx="1">
+                <a:schemeClr val="accent1"/>
+              </a:lnRef>
+              <a:fillRef idx="0">
+                <a:schemeClr val="accent1"/>
+              </a:fillRef>
+              <a:effectRef idx="0">
+                <a:schemeClr val="accent1"/>
+              </a:effectRef>
+              <a:fontRef idx="minor">
+                <a:schemeClr val="tx1"/>
+              </a:fontRef>
+            </p:style>
+          </p:cxnSp>
+        </p:grpSp>
+        <p:sp>
+          <p:nvSpPr>
+            <p:cNvPr id="112" name="矩形 111"/>
+            <p:cNvSpPr/>
+            <p:nvPr/>
+          </p:nvSpPr>
+          <p:spPr>
+            <a:xfrm>
+              <a:off x="6080" y="6837"/>
+              <a:ext cx="738" cy="648"/>
+            </a:xfrm>
+            <a:prstGeom prst="rect">
+              <a:avLst/>
+            </a:prstGeom>
+            <a:solidFill>
+              <a:schemeClr val="accent1">
+                <a:lumMod val="20000"/>
+                <a:lumOff val="80000"/>
+              </a:schemeClr>
+            </a:solidFill>
+            <a:ln w="25400"/>
+          </p:spPr>
+          <p:style>
+            <a:lnRef idx="2">
+              <a:schemeClr val="accent1">
+                <a:shade val="50000"/>
+              </a:schemeClr>
+            </a:lnRef>
+            <a:fillRef idx="1">
+              <a:schemeClr val="accent1"/>
+            </a:fillRef>
+            <a:effectRef idx="0">
+              <a:schemeClr val="accent1"/>
+            </a:effectRef>
+            <a:fontRef idx="minor">
+              <a:schemeClr val="lt1"/>
+            </a:fontRef>
+          </p:style>
+          <p:txBody>
+            <a:bodyPr rtlCol="0" anchor="ctr"/>
+            <a:p>
+              <a:pPr algn="ctr"/>
+              <a:r>
+                <a:rPr lang="en-US" altLang="zh-CN">
+                  <a:solidFill>
+                    <a:schemeClr val="tx1"/>
+                  </a:solidFill>
+                </a:rPr>
+                <a:t>3</a:t>
+              </a:r>
+              <a:endParaRPr lang="en-US" altLang="zh-CN">
+                <a:solidFill>
+                  <a:schemeClr val="tx1"/>
+                </a:solidFill>
+              </a:endParaRPr>
+            </a:p>
+          </p:txBody>
+        </p:sp>
+        <p:grpSp>
+          <p:nvGrpSpPr>
+            <p:cNvPr id="113" name="组合 112"/>
+            <p:cNvGrpSpPr/>
+            <p:nvPr/>
+          </p:nvGrpSpPr>
+          <p:grpSpPr>
+            <a:xfrm rot="0">
+              <a:off x="6945" y="4869"/>
+              <a:ext cx="869" cy="2703"/>
+              <a:chOff x="3067" y="1956"/>
+              <a:chExt cx="1574" cy="2117"/>
+            </a:xfrm>
+          </p:grpSpPr>
+          <p:cxnSp>
+            <p:nvCxnSpPr>
+              <p:cNvPr id="114" name="直接连接符 113"/>
+              <p:cNvCxnSpPr/>
+              <p:nvPr/>
+            </p:nvCxnSpPr>
+            <p:spPr>
+              <a:xfrm>
+                <a:off x="3083" y="1956"/>
+                <a:ext cx="0" cy="2117"/>
+              </a:xfrm>
+              <a:prstGeom prst="line">
+                <a:avLst/>
+              </a:prstGeom>
+              <a:ln w="22225">
+                <a:solidFill>
+                  <a:schemeClr val="accent2">
+                    <a:lumMod val="75000"/>
+                  </a:schemeClr>
+                </a:solidFill>
+              </a:ln>
+            </p:spPr>
+            <p:style>
+              <a:lnRef idx="1">
+                <a:schemeClr val="accent1"/>
+              </a:lnRef>
+              <a:fillRef idx="0">
+                <a:schemeClr val="accent1"/>
+              </a:fillRef>
+              <a:effectRef idx="0">
+                <a:schemeClr val="accent1"/>
+              </a:effectRef>
+              <a:fontRef idx="minor">
+                <a:schemeClr val="tx1"/>
+              </a:fontRef>
+            </p:style>
+          </p:cxnSp>
+          <p:cxnSp>
+            <p:nvCxnSpPr>
+              <p:cNvPr id="115" name="直接连接符 114"/>
+              <p:cNvCxnSpPr/>
+              <p:nvPr/>
+            </p:nvCxnSpPr>
+            <p:spPr>
+              <a:xfrm>
+                <a:off x="4622" y="1956"/>
+                <a:ext cx="0" cy="2117"/>
+              </a:xfrm>
+              <a:prstGeom prst="line">
+                <a:avLst/>
+              </a:prstGeom>
+              <a:ln w="22225">
+                <a:solidFill>
+                  <a:schemeClr val="accent2">
+                    <a:lumMod val="75000"/>
+                  </a:schemeClr>
+                </a:solidFill>
+              </a:ln>
+            </p:spPr>
+            <p:style>
+              <a:lnRef idx="1">
+                <a:schemeClr val="accent1"/>
+              </a:lnRef>
+              <a:fillRef idx="0">
+                <a:schemeClr val="accent1"/>
+              </a:fillRef>
+              <a:effectRef idx="0">
+                <a:schemeClr val="accent1"/>
+              </a:effectRef>
+              <a:fontRef idx="minor">
+                <a:schemeClr val="tx1"/>
+              </a:fontRef>
+            </p:style>
+          </p:cxnSp>
+          <p:cxnSp>
+            <p:nvCxnSpPr>
+              <p:cNvPr id="116" name="直接连接符 115"/>
+              <p:cNvCxnSpPr/>
+              <p:nvPr/>
+            </p:nvCxnSpPr>
+            <p:spPr>
+              <a:xfrm>
+                <a:off x="3067" y="4073"/>
+                <a:ext cx="1575" cy="0"/>
+              </a:xfrm>
+              <a:prstGeom prst="line">
+                <a:avLst/>
+              </a:prstGeom>
+              <a:ln w="22225">
+                <a:solidFill>
+                  <a:schemeClr val="accent2">
+                    <a:lumMod val="75000"/>
+                  </a:schemeClr>
+                </a:solidFill>
+              </a:ln>
+            </p:spPr>
+            <p:style>
+              <a:lnRef idx="1">
+                <a:schemeClr val="accent1"/>
+              </a:lnRef>
+              <a:fillRef idx="0">
+                <a:schemeClr val="accent1"/>
+              </a:fillRef>
+              <a:effectRef idx="0">
+                <a:schemeClr val="accent1"/>
+              </a:effectRef>
+              <a:fontRef idx="minor">
+                <a:schemeClr val="tx1"/>
+              </a:fontRef>
+            </p:style>
+          </p:cxnSp>
+        </p:grpSp>
+        <p:sp>
+          <p:nvSpPr>
+            <p:cNvPr id="117" name="文本框 116"/>
+            <p:cNvSpPr txBox="1"/>
+            <p:nvPr/>
+          </p:nvSpPr>
+          <p:spPr>
+            <a:xfrm>
+              <a:off x="6529" y="7765"/>
+              <a:ext cx="689" cy="628"/>
+            </a:xfrm>
+            <a:prstGeom prst="rect">
+              <a:avLst/>
+            </a:prstGeom>
+            <a:noFill/>
+          </p:spPr>
+          <p:txBody>
+            <a:bodyPr wrap="square" rtlCol="0">
+              <a:spAutoFit/>
+            </a:bodyPr>
+            <a:p>
+              <a:r>
+                <a:rPr lang="zh-CN" altLang="en-US" sz="2000">
+                  <a:solidFill>
+                    <a:schemeClr val="tx1">
+                      <a:lumMod val="50000"/>
+                      <a:lumOff val="50000"/>
+                    </a:schemeClr>
+                  </a:solidFill>
+                  <a:latin typeface="PingFang SC" panose="020B0400000000000000" charset="-122"/>
+                  <a:ea typeface="PingFang SC" panose="020B0400000000000000" charset="-122"/>
+                  <a:cs typeface="PingFang SC Semibold" panose="020B0400000000000000" charset="-122"/>
+                </a:rPr>
+                <a:t>③</a:t>
+              </a:r>
+              <a:endParaRPr lang="zh-CN" altLang="en-US" sz="2000">
+                <a:solidFill>
+                  <a:schemeClr val="tx1">
+                    <a:lumMod val="50000"/>
+                    <a:lumOff val="50000"/>
+                  </a:schemeClr>
+                </a:solidFill>
+                <a:latin typeface="PingFang SC" panose="020B0400000000000000" charset="-122"/>
+                <a:ea typeface="PingFang SC" panose="020B0400000000000000" charset="-122"/>
+                <a:cs typeface="PingFang SC Semibold" panose="020B0400000000000000" charset="-122"/>
+              </a:endParaRPr>
+            </a:p>
+          </p:txBody>
+        </p:sp>
+        <p:sp>
+          <p:nvSpPr>
+            <p:cNvPr id="118" name="矩形 117"/>
+            <p:cNvSpPr/>
+            <p:nvPr/>
+          </p:nvSpPr>
+          <p:spPr>
+            <a:xfrm>
+              <a:off x="6086" y="6102"/>
+              <a:ext cx="738" cy="648"/>
+            </a:xfrm>
+            <a:prstGeom prst="rect">
+              <a:avLst/>
+            </a:prstGeom>
+            <a:solidFill>
+              <a:schemeClr val="accent1">
+                <a:lumMod val="20000"/>
+                <a:lumOff val="80000"/>
+              </a:schemeClr>
+            </a:solidFill>
+            <a:ln w="25400"/>
+          </p:spPr>
+          <p:style>
+            <a:lnRef idx="2">
+              <a:schemeClr val="accent1">
+                <a:shade val="50000"/>
+              </a:schemeClr>
+            </a:lnRef>
+            <a:fillRef idx="1">
+              <a:schemeClr val="accent1"/>
+            </a:fillRef>
+            <a:effectRef idx="0">
+              <a:schemeClr val="accent1"/>
+            </a:effectRef>
+            <a:fontRef idx="minor">
+              <a:schemeClr val="lt1"/>
+            </a:fontRef>
+          </p:style>
+          <p:txBody>
+            <a:bodyPr rtlCol="0" anchor="ctr"/>
+            <a:p>
+              <a:pPr algn="ctr"/>
+              <a:r>
+                <a:rPr lang="en-US" altLang="zh-CN">
+                  <a:solidFill>
+                    <a:schemeClr val="tx1"/>
+                  </a:solidFill>
+                </a:rPr>
+                <a:t>5</a:t>
+              </a:r>
+              <a:endParaRPr lang="en-US" altLang="zh-CN">
+                <a:solidFill>
+                  <a:schemeClr val="tx1"/>
+                </a:solidFill>
+              </a:endParaRPr>
+            </a:p>
+          </p:txBody>
+        </p:sp>
+      </p:grpSp>
+      <p:grpSp>
+        <p:nvGrpSpPr>
+          <p:cNvPr id="167" name="组合 166"/>
+          <p:cNvGrpSpPr/>
+          <p:nvPr/>
+        </p:nvGrpSpPr>
+        <p:grpSpPr>
+          <a:xfrm>
+            <a:off x="7003415" y="1262380"/>
+            <a:ext cx="1141730" cy="2237740"/>
+            <a:chOff x="8497" y="4869"/>
+            <a:chExt cx="1798" cy="3524"/>
+          </a:xfrm>
+        </p:grpSpPr>
+        <p:sp>
+          <p:nvSpPr>
+            <p:cNvPr id="120" name="矩形 119"/>
+            <p:cNvSpPr/>
+            <p:nvPr/>
+          </p:nvSpPr>
+          <p:spPr>
+            <a:xfrm>
+              <a:off x="9491" y="6837"/>
+              <a:ext cx="739" cy="648"/>
+            </a:xfrm>
+            <a:prstGeom prst="rect">
+              <a:avLst/>
+            </a:prstGeom>
+            <a:solidFill>
+              <a:schemeClr val="accent2">
+                <a:lumMod val="20000"/>
+                <a:lumOff val="80000"/>
+              </a:schemeClr>
+            </a:solidFill>
+            <a:ln w="25400"/>
+          </p:spPr>
+          <p:style>
+            <a:lnRef idx="1">
+              <a:schemeClr val="accent2"/>
+            </a:lnRef>
+            <a:fillRef idx="2">
+              <a:schemeClr val="accent2"/>
+            </a:fillRef>
+            <a:effectRef idx="1">
+              <a:schemeClr val="accent2"/>
+            </a:effectRef>
+            <a:fontRef idx="minor">
+              <a:schemeClr val="dk1"/>
+            </a:fontRef>
+          </p:style>
+          <p:txBody>
+            <a:bodyPr rtlCol="0" anchor="ctr"/>
+            <a:p>
+              <a:pPr algn="ctr"/>
+              <a:r>
+                <a:rPr lang="en-US" altLang="zh-CN">
+                  <a:solidFill>
+                    <a:schemeClr val="tx1"/>
+                  </a:solidFill>
+                </a:rPr>
+                <a:t>+</a:t>
+              </a:r>
+              <a:endParaRPr lang="en-US" altLang="zh-CN">
+                <a:solidFill>
+                  <a:schemeClr val="tx1"/>
+                </a:solidFill>
+              </a:endParaRPr>
+            </a:p>
+          </p:txBody>
+        </p:sp>
+        <p:grpSp>
+          <p:nvGrpSpPr>
+            <p:cNvPr id="121" name="组合 120"/>
+            <p:cNvGrpSpPr/>
+            <p:nvPr/>
+          </p:nvGrpSpPr>
+          <p:grpSpPr>
+            <a:xfrm rot="0">
+              <a:off x="8497" y="4869"/>
+              <a:ext cx="869" cy="2703"/>
+              <a:chOff x="3067" y="1956"/>
+              <a:chExt cx="1574" cy="2117"/>
+            </a:xfrm>
+          </p:grpSpPr>
+          <p:cxnSp>
+            <p:nvCxnSpPr>
+              <p:cNvPr id="122" name="直接连接符 121"/>
+              <p:cNvCxnSpPr/>
+              <p:nvPr/>
+            </p:nvCxnSpPr>
+            <p:spPr>
+              <a:xfrm>
+                <a:off x="3083" y="1956"/>
+                <a:ext cx="0" cy="2117"/>
+              </a:xfrm>
+              <a:prstGeom prst="line">
+                <a:avLst/>
+              </a:prstGeom>
+              <a:ln w="22225"/>
+            </p:spPr>
+            <p:style>
+              <a:lnRef idx="1">
+                <a:schemeClr val="accent1"/>
+              </a:lnRef>
+              <a:fillRef idx="0">
+                <a:schemeClr val="accent1"/>
+              </a:fillRef>
+              <a:effectRef idx="0">
+                <a:schemeClr val="accent1"/>
+              </a:effectRef>
+              <a:fontRef idx="minor">
+                <a:schemeClr val="tx1"/>
+              </a:fontRef>
+            </p:style>
+          </p:cxnSp>
+          <p:cxnSp>
+            <p:nvCxnSpPr>
+              <p:cNvPr id="123" name="直接连接符 122"/>
+              <p:cNvCxnSpPr/>
+              <p:nvPr/>
+            </p:nvCxnSpPr>
+            <p:spPr>
+              <a:xfrm>
+                <a:off x="4622" y="1956"/>
+                <a:ext cx="0" cy="2117"/>
+              </a:xfrm>
+              <a:prstGeom prst="line">
+                <a:avLst/>
+              </a:prstGeom>
+              <a:ln w="22225"/>
+            </p:spPr>
+            <p:style>
+              <a:lnRef idx="1">
+                <a:schemeClr val="accent1"/>
+              </a:lnRef>
+              <a:fillRef idx="0">
+                <a:schemeClr val="accent1"/>
+              </a:fillRef>
+              <a:effectRef idx="0">
+                <a:schemeClr val="accent1"/>
+              </a:effectRef>
+              <a:fontRef idx="minor">
+                <a:schemeClr val="tx1"/>
+              </a:fontRef>
+            </p:style>
+          </p:cxnSp>
+          <p:cxnSp>
+            <p:nvCxnSpPr>
+              <p:cNvPr id="124" name="直接连接符 123"/>
+              <p:cNvCxnSpPr/>
+              <p:nvPr/>
+            </p:nvCxnSpPr>
+            <p:spPr>
+              <a:xfrm>
+                <a:off x="3067" y="4073"/>
+                <a:ext cx="1575" cy="0"/>
+              </a:xfrm>
+              <a:prstGeom prst="line">
+                <a:avLst/>
+              </a:prstGeom>
+              <a:ln w="22225"/>
+            </p:spPr>
+            <p:style>
+              <a:lnRef idx="1">
+                <a:schemeClr val="accent1"/>
+              </a:lnRef>
+              <a:fillRef idx="0">
+                <a:schemeClr val="accent1"/>
+              </a:fillRef>
+              <a:effectRef idx="0">
+                <a:schemeClr val="accent1"/>
+              </a:effectRef>
+              <a:fontRef idx="minor">
+                <a:schemeClr val="tx1"/>
+              </a:fontRef>
+            </p:style>
+          </p:cxnSp>
+        </p:grpSp>
+        <p:sp>
+          <p:nvSpPr>
+            <p:cNvPr id="125" name="矩形 124"/>
+            <p:cNvSpPr/>
+            <p:nvPr/>
+          </p:nvSpPr>
+          <p:spPr>
+            <a:xfrm>
+              <a:off x="8562" y="6837"/>
+              <a:ext cx="738" cy="648"/>
+            </a:xfrm>
+            <a:prstGeom prst="rect">
+              <a:avLst/>
+            </a:prstGeom>
+            <a:solidFill>
+              <a:schemeClr val="accent1">
+                <a:lumMod val="20000"/>
+                <a:lumOff val="80000"/>
+              </a:schemeClr>
+            </a:solidFill>
+            <a:ln w="25400"/>
+          </p:spPr>
+          <p:style>
+            <a:lnRef idx="2">
+              <a:schemeClr val="accent1">
+                <a:shade val="50000"/>
+              </a:schemeClr>
+            </a:lnRef>
+            <a:fillRef idx="1">
+              <a:schemeClr val="accent1"/>
+            </a:fillRef>
+            <a:effectRef idx="0">
+              <a:schemeClr val="accent1"/>
+            </a:effectRef>
+            <a:fontRef idx="minor">
+              <a:schemeClr val="lt1"/>
+            </a:fontRef>
+          </p:style>
+          <p:txBody>
+            <a:bodyPr rtlCol="0" anchor="ctr"/>
+            <a:p>
+              <a:pPr algn="ctr"/>
+              <a:r>
+                <a:rPr lang="en-US" altLang="zh-CN">
+                  <a:solidFill>
+                    <a:schemeClr val="tx1"/>
+                  </a:solidFill>
+                </a:rPr>
+                <a:t>3</a:t>
+              </a:r>
+              <a:endParaRPr lang="en-US" altLang="zh-CN">
+                <a:solidFill>
+                  <a:schemeClr val="tx1"/>
+                </a:solidFill>
+              </a:endParaRPr>
+            </a:p>
+          </p:txBody>
+        </p:sp>
+        <p:grpSp>
+          <p:nvGrpSpPr>
+            <p:cNvPr id="126" name="组合 125"/>
+            <p:cNvGrpSpPr/>
+            <p:nvPr/>
+          </p:nvGrpSpPr>
+          <p:grpSpPr>
+            <a:xfrm rot="0">
+              <a:off x="9427" y="4869"/>
+              <a:ext cx="869" cy="2703"/>
+              <a:chOff x="3067" y="1956"/>
+              <a:chExt cx="1574" cy="2117"/>
+            </a:xfrm>
+          </p:grpSpPr>
+          <p:cxnSp>
+            <p:nvCxnSpPr>
+              <p:cNvPr id="127" name="直接连接符 126"/>
+              <p:cNvCxnSpPr/>
+              <p:nvPr/>
+            </p:nvCxnSpPr>
+            <p:spPr>
+              <a:xfrm>
+                <a:off x="3083" y="1956"/>
+                <a:ext cx="0" cy="2117"/>
+              </a:xfrm>
+              <a:prstGeom prst="line">
+                <a:avLst/>
+              </a:prstGeom>
+              <a:ln w="22225">
+                <a:solidFill>
+                  <a:schemeClr val="accent2">
+                    <a:lumMod val="75000"/>
+                  </a:schemeClr>
+                </a:solidFill>
+              </a:ln>
+            </p:spPr>
+            <p:style>
+              <a:lnRef idx="1">
+                <a:schemeClr val="accent1"/>
+              </a:lnRef>
+              <a:fillRef idx="0">
+                <a:schemeClr val="accent1"/>
+              </a:fillRef>
+              <a:effectRef idx="0">
+                <a:schemeClr val="accent1"/>
+              </a:effectRef>
+              <a:fontRef idx="minor">
+                <a:schemeClr val="tx1"/>
+              </a:fontRef>
+            </p:style>
+          </p:cxnSp>
+          <p:cxnSp>
+            <p:nvCxnSpPr>
+              <p:cNvPr id="128" name="直接连接符 127"/>
+              <p:cNvCxnSpPr/>
+              <p:nvPr/>
+            </p:nvCxnSpPr>
+            <p:spPr>
+              <a:xfrm>
+                <a:off x="4622" y="1956"/>
+                <a:ext cx="0" cy="2117"/>
+              </a:xfrm>
+              <a:prstGeom prst="line">
+                <a:avLst/>
+              </a:prstGeom>
+              <a:ln w="22225">
+                <a:solidFill>
+                  <a:schemeClr val="accent2">
+                    <a:lumMod val="75000"/>
+                  </a:schemeClr>
+                </a:solidFill>
+              </a:ln>
+            </p:spPr>
+            <p:style>
+              <a:lnRef idx="1">
+                <a:schemeClr val="accent1"/>
+              </a:lnRef>
+              <a:fillRef idx="0">
+                <a:schemeClr val="accent1"/>
+              </a:fillRef>
+              <a:effectRef idx="0">
+                <a:schemeClr val="accent1"/>
+              </a:effectRef>
+              <a:fontRef idx="minor">
+                <a:schemeClr val="tx1"/>
+              </a:fontRef>
+            </p:style>
+          </p:cxnSp>
+          <p:cxnSp>
+            <p:nvCxnSpPr>
+              <p:cNvPr id="129" name="直接连接符 128"/>
+              <p:cNvCxnSpPr/>
+              <p:nvPr/>
+            </p:nvCxnSpPr>
+            <p:spPr>
+              <a:xfrm>
+                <a:off x="3067" y="4073"/>
+                <a:ext cx="1575" cy="0"/>
+              </a:xfrm>
+              <a:prstGeom prst="line">
+                <a:avLst/>
+              </a:prstGeom>
+              <a:ln w="22225">
+                <a:solidFill>
+                  <a:schemeClr val="accent2">
+                    <a:lumMod val="75000"/>
+                  </a:schemeClr>
+                </a:solidFill>
+              </a:ln>
+            </p:spPr>
+            <p:style>
+              <a:lnRef idx="1">
+                <a:schemeClr val="accent1"/>
+              </a:lnRef>
+              <a:fillRef idx="0">
+                <a:schemeClr val="accent1"/>
+              </a:fillRef>
+              <a:effectRef idx="0">
+                <a:schemeClr val="accent1"/>
+              </a:effectRef>
+              <a:fontRef idx="minor">
+                <a:schemeClr val="tx1"/>
+              </a:fontRef>
+            </p:style>
+          </p:cxnSp>
+        </p:grpSp>
+        <p:sp>
+          <p:nvSpPr>
+            <p:cNvPr id="130" name="文本框 129"/>
+            <p:cNvSpPr txBox="1"/>
+            <p:nvPr/>
+          </p:nvSpPr>
+          <p:spPr>
+            <a:xfrm>
+              <a:off x="9011" y="7765"/>
+              <a:ext cx="689" cy="628"/>
+            </a:xfrm>
+            <a:prstGeom prst="rect">
+              <a:avLst/>
+            </a:prstGeom>
+            <a:noFill/>
+          </p:spPr>
+          <p:txBody>
+            <a:bodyPr wrap="square" rtlCol="0">
+              <a:spAutoFit/>
+            </a:bodyPr>
+            <a:p>
+              <a:r>
+                <a:rPr lang="zh-CN" altLang="en-US" sz="2000">
+                  <a:solidFill>
+                    <a:schemeClr val="tx1">
+                      <a:lumMod val="50000"/>
+                      <a:lumOff val="50000"/>
+                    </a:schemeClr>
+                  </a:solidFill>
+                  <a:latin typeface="PingFang SC" panose="020B0400000000000000" charset="-122"/>
+                  <a:ea typeface="PingFang SC" panose="020B0400000000000000" charset="-122"/>
+                  <a:cs typeface="PingFang SC Semibold" panose="020B0400000000000000" charset="-122"/>
+                </a:rPr>
+                <a:t>④</a:t>
+              </a:r>
+              <a:endParaRPr lang="zh-CN" altLang="en-US" sz="2000">
+                <a:solidFill>
+                  <a:schemeClr val="tx1">
+                    <a:lumMod val="50000"/>
+                    <a:lumOff val="50000"/>
+                  </a:schemeClr>
+                </a:solidFill>
+                <a:latin typeface="PingFang SC" panose="020B0400000000000000" charset="-122"/>
+                <a:ea typeface="PingFang SC" panose="020B0400000000000000" charset="-122"/>
+                <a:cs typeface="PingFang SC Semibold" panose="020B0400000000000000" charset="-122"/>
+              </a:endParaRPr>
+            </a:p>
+          </p:txBody>
+        </p:sp>
+        <p:sp>
+          <p:nvSpPr>
+            <p:cNvPr id="131" name="矩形 130"/>
+            <p:cNvSpPr/>
+            <p:nvPr/>
+          </p:nvSpPr>
+          <p:spPr>
+            <a:xfrm>
+              <a:off x="8568" y="6102"/>
+              <a:ext cx="738" cy="648"/>
+            </a:xfrm>
+            <a:prstGeom prst="rect">
+              <a:avLst/>
+            </a:prstGeom>
+            <a:solidFill>
+              <a:schemeClr val="accent1">
+                <a:lumMod val="20000"/>
+                <a:lumOff val="80000"/>
+              </a:schemeClr>
+            </a:solidFill>
+            <a:ln w="25400"/>
+          </p:spPr>
+          <p:style>
+            <a:lnRef idx="2">
+              <a:schemeClr val="accent1">
+                <a:shade val="50000"/>
+              </a:schemeClr>
+            </a:lnRef>
+            <a:fillRef idx="1">
+              <a:schemeClr val="accent1"/>
+            </a:fillRef>
+            <a:effectRef idx="0">
+              <a:schemeClr val="accent1"/>
+            </a:effectRef>
+            <a:fontRef idx="minor">
+              <a:schemeClr val="lt1"/>
+            </a:fontRef>
+          </p:style>
+          <p:txBody>
+            <a:bodyPr rtlCol="0" anchor="ctr"/>
+            <a:p>
+              <a:pPr algn="ctr"/>
+              <a:r>
+                <a:rPr lang="en-US" altLang="zh-CN">
+                  <a:solidFill>
+                    <a:schemeClr val="tx1"/>
+                  </a:solidFill>
+                </a:rPr>
+                <a:t>5</a:t>
+              </a:r>
+              <a:endParaRPr lang="en-US" altLang="zh-CN">
+                <a:solidFill>
+                  <a:schemeClr val="tx1"/>
+                </a:solidFill>
+              </a:endParaRPr>
+            </a:p>
+          </p:txBody>
+        </p:sp>
+        <p:sp>
+          <p:nvSpPr>
+            <p:cNvPr id="132" name="矩形 131"/>
+            <p:cNvSpPr/>
+            <p:nvPr/>
+          </p:nvSpPr>
+          <p:spPr>
+            <a:xfrm>
+              <a:off x="9493" y="6102"/>
+              <a:ext cx="739" cy="648"/>
+            </a:xfrm>
+            <a:prstGeom prst="rect">
+              <a:avLst/>
+            </a:prstGeom>
+            <a:solidFill>
+              <a:schemeClr val="accent2">
+                <a:lumMod val="20000"/>
+                <a:lumOff val="80000"/>
+              </a:schemeClr>
+            </a:solidFill>
+            <a:ln w="25400"/>
+          </p:spPr>
+          <p:style>
+            <a:lnRef idx="1">
+              <a:schemeClr val="accent2"/>
+            </a:lnRef>
+            <a:fillRef idx="2">
+              <a:schemeClr val="accent2"/>
+            </a:fillRef>
+            <a:effectRef idx="1">
+              <a:schemeClr val="accent2"/>
+            </a:effectRef>
+            <a:fontRef idx="minor">
+              <a:schemeClr val="dk1"/>
+            </a:fontRef>
+          </p:style>
+          <p:txBody>
+            <a:bodyPr rtlCol="0" anchor="ctr"/>
+            <a:p>
+              <a:pPr algn="ctr"/>
+              <a:r>
+                <a:rPr lang="zh-CN" altLang="en-US">
+                  <a:solidFill>
+                    <a:schemeClr val="tx1"/>
+                  </a:solidFill>
+                </a:rPr>
+                <a:t>×</a:t>
+              </a:r>
+              <a:endParaRPr lang="zh-CN" altLang="en-US">
+                <a:solidFill>
+                  <a:schemeClr val="tx1"/>
+                </a:solidFill>
+              </a:endParaRPr>
+            </a:p>
+          </p:txBody>
+        </p:sp>
+      </p:grpSp>
+      <p:grpSp>
+        <p:nvGrpSpPr>
+          <p:cNvPr id="168" name="组合 167"/>
+          <p:cNvGrpSpPr/>
+          <p:nvPr/>
+        </p:nvGrpSpPr>
+        <p:grpSpPr>
+          <a:xfrm>
+            <a:off x="8618220" y="1262380"/>
+            <a:ext cx="1141730" cy="2237740"/>
+            <a:chOff x="10830" y="4869"/>
+            <a:chExt cx="1798" cy="3524"/>
+          </a:xfrm>
+        </p:grpSpPr>
+        <p:sp>
+          <p:nvSpPr>
+            <p:cNvPr id="133" name="矩形 132"/>
+            <p:cNvSpPr/>
+            <p:nvPr/>
+          </p:nvSpPr>
+          <p:spPr>
+            <a:xfrm>
+              <a:off x="11824" y="6837"/>
+              <a:ext cx="739" cy="648"/>
+            </a:xfrm>
+            <a:prstGeom prst="rect">
+              <a:avLst/>
+            </a:prstGeom>
+            <a:solidFill>
+              <a:schemeClr val="accent2">
+                <a:lumMod val="20000"/>
+                <a:lumOff val="80000"/>
+              </a:schemeClr>
+            </a:solidFill>
+            <a:ln w="25400"/>
+          </p:spPr>
+          <p:style>
+            <a:lnRef idx="1">
+              <a:schemeClr val="accent2"/>
+            </a:lnRef>
+            <a:fillRef idx="2">
+              <a:schemeClr val="accent2"/>
+            </a:fillRef>
+            <a:effectRef idx="1">
+              <a:schemeClr val="accent2"/>
+            </a:effectRef>
+            <a:fontRef idx="minor">
+              <a:schemeClr val="dk1"/>
+            </a:fontRef>
+          </p:style>
+          <p:txBody>
+            <a:bodyPr rtlCol="0" anchor="ctr"/>
+            <a:p>
+              <a:pPr algn="ctr"/>
+              <a:r>
+                <a:rPr lang="en-US" altLang="zh-CN">
+                  <a:solidFill>
+                    <a:schemeClr val="tx1"/>
+                  </a:solidFill>
+                </a:rPr>
+                <a:t>+</a:t>
+              </a:r>
+              <a:endParaRPr lang="en-US" altLang="zh-CN">
+                <a:solidFill>
+                  <a:schemeClr val="tx1"/>
+                </a:solidFill>
+              </a:endParaRPr>
+            </a:p>
+          </p:txBody>
+        </p:sp>
+        <p:grpSp>
+          <p:nvGrpSpPr>
+            <p:cNvPr id="134" name="组合 133"/>
+            <p:cNvGrpSpPr/>
+            <p:nvPr/>
+          </p:nvGrpSpPr>
+          <p:grpSpPr>
+            <a:xfrm rot="0">
+              <a:off x="10830" y="4869"/>
+              <a:ext cx="869" cy="2703"/>
+              <a:chOff x="3067" y="1956"/>
+              <a:chExt cx="1574" cy="2117"/>
+            </a:xfrm>
+          </p:grpSpPr>
+          <p:cxnSp>
+            <p:nvCxnSpPr>
+              <p:cNvPr id="135" name="直接连接符 134"/>
+              <p:cNvCxnSpPr/>
+              <p:nvPr/>
+            </p:nvCxnSpPr>
+            <p:spPr>
+              <a:xfrm>
+                <a:off x="3083" y="1956"/>
+                <a:ext cx="0" cy="2117"/>
+              </a:xfrm>
+              <a:prstGeom prst="line">
+                <a:avLst/>
+              </a:prstGeom>
+              <a:ln w="22225"/>
+            </p:spPr>
+            <p:style>
+              <a:lnRef idx="1">
+                <a:schemeClr val="accent1"/>
+              </a:lnRef>
+              <a:fillRef idx="0">
+                <a:schemeClr val="accent1"/>
+              </a:fillRef>
+              <a:effectRef idx="0">
+                <a:schemeClr val="accent1"/>
+              </a:effectRef>
+              <a:fontRef idx="minor">
+                <a:schemeClr val="tx1"/>
+              </a:fontRef>
+            </p:style>
+          </p:cxnSp>
+          <p:cxnSp>
+            <p:nvCxnSpPr>
+              <p:cNvPr id="136" name="直接连接符 135"/>
+              <p:cNvCxnSpPr/>
+              <p:nvPr/>
+            </p:nvCxnSpPr>
+            <p:spPr>
+              <a:xfrm>
+                <a:off x="4622" y="1956"/>
+                <a:ext cx="0" cy="2117"/>
+              </a:xfrm>
+              <a:prstGeom prst="line">
+                <a:avLst/>
+              </a:prstGeom>
+              <a:ln w="22225"/>
+            </p:spPr>
+            <p:style>
+              <a:lnRef idx="1">
+                <a:schemeClr val="accent1"/>
+              </a:lnRef>
+              <a:fillRef idx="0">
+                <a:schemeClr val="accent1"/>
+              </a:fillRef>
+              <a:effectRef idx="0">
+                <a:schemeClr val="accent1"/>
+              </a:effectRef>
+              <a:fontRef idx="minor">
+                <a:schemeClr val="tx1"/>
+              </a:fontRef>
+            </p:style>
+          </p:cxnSp>
+          <p:cxnSp>
+            <p:nvCxnSpPr>
+              <p:cNvPr id="137" name="直接连接符 136"/>
+              <p:cNvCxnSpPr/>
+              <p:nvPr/>
+            </p:nvCxnSpPr>
+            <p:spPr>
+              <a:xfrm>
+                <a:off x="3067" y="4073"/>
+                <a:ext cx="1575" cy="0"/>
+              </a:xfrm>
+              <a:prstGeom prst="line">
+                <a:avLst/>
+              </a:prstGeom>
+              <a:ln w="22225"/>
+            </p:spPr>
+            <p:style>
+              <a:lnRef idx="1">
+                <a:schemeClr val="accent1"/>
+              </a:lnRef>
+              <a:fillRef idx="0">
+                <a:schemeClr val="accent1"/>
+              </a:fillRef>
+              <a:effectRef idx="0">
+                <a:schemeClr val="accent1"/>
+              </a:effectRef>
+              <a:fontRef idx="minor">
+                <a:schemeClr val="tx1"/>
+              </a:fontRef>
+            </p:style>
+          </p:cxnSp>
+        </p:grpSp>
+        <p:sp>
+          <p:nvSpPr>
+            <p:cNvPr id="138" name="矩形 137"/>
+            <p:cNvSpPr/>
+            <p:nvPr/>
+          </p:nvSpPr>
+          <p:spPr>
+            <a:xfrm>
+              <a:off x="10895" y="6837"/>
+              <a:ext cx="738" cy="648"/>
+            </a:xfrm>
+            <a:prstGeom prst="rect">
+              <a:avLst/>
+            </a:prstGeom>
+            <a:solidFill>
+              <a:schemeClr val="accent1">
+                <a:lumMod val="20000"/>
+                <a:lumOff val="80000"/>
+              </a:schemeClr>
+            </a:solidFill>
+            <a:ln w="25400"/>
+          </p:spPr>
+          <p:style>
+            <a:lnRef idx="2">
+              <a:schemeClr val="accent1">
+                <a:shade val="50000"/>
+              </a:schemeClr>
+            </a:lnRef>
+            <a:fillRef idx="1">
+              <a:schemeClr val="accent1"/>
+            </a:fillRef>
+            <a:effectRef idx="0">
+              <a:schemeClr val="accent1"/>
+            </a:effectRef>
+            <a:fontRef idx="minor">
+              <a:schemeClr val="lt1"/>
+            </a:fontRef>
+          </p:style>
+          <p:txBody>
+            <a:bodyPr rtlCol="0" anchor="ctr"/>
+            <a:p>
+              <a:pPr algn="ctr"/>
+              <a:r>
+                <a:rPr lang="en-US" altLang="zh-CN">
+                  <a:solidFill>
+                    <a:schemeClr val="tx1"/>
+                  </a:solidFill>
+                </a:rPr>
+                <a:t>3</a:t>
+              </a:r>
+              <a:endParaRPr lang="en-US" altLang="zh-CN">
+                <a:solidFill>
+                  <a:schemeClr val="tx1"/>
+                </a:solidFill>
+              </a:endParaRPr>
+            </a:p>
+          </p:txBody>
+        </p:sp>
+        <p:grpSp>
+          <p:nvGrpSpPr>
+            <p:cNvPr id="139" name="组合 138"/>
+            <p:cNvGrpSpPr/>
+            <p:nvPr/>
+          </p:nvGrpSpPr>
+          <p:grpSpPr>
+            <a:xfrm rot="0">
+              <a:off x="11760" y="4869"/>
+              <a:ext cx="869" cy="2703"/>
+              <a:chOff x="3067" y="1956"/>
+              <a:chExt cx="1574" cy="2117"/>
+            </a:xfrm>
+          </p:grpSpPr>
+          <p:cxnSp>
+            <p:nvCxnSpPr>
+              <p:cNvPr id="140" name="直接连接符 139"/>
+              <p:cNvCxnSpPr/>
+              <p:nvPr/>
+            </p:nvCxnSpPr>
+            <p:spPr>
+              <a:xfrm>
+                <a:off x="3083" y="1956"/>
+                <a:ext cx="0" cy="2117"/>
+              </a:xfrm>
+              <a:prstGeom prst="line">
+                <a:avLst/>
+              </a:prstGeom>
+              <a:ln w="22225">
+                <a:solidFill>
+                  <a:schemeClr val="accent2">
+                    <a:lumMod val="75000"/>
+                  </a:schemeClr>
+                </a:solidFill>
+              </a:ln>
+            </p:spPr>
+            <p:style>
+              <a:lnRef idx="1">
+                <a:schemeClr val="accent1"/>
+              </a:lnRef>
+              <a:fillRef idx="0">
+                <a:schemeClr val="accent1"/>
+              </a:fillRef>
+              <a:effectRef idx="0">
+                <a:schemeClr val="accent1"/>
+              </a:effectRef>
+              <a:fontRef idx="minor">
+                <a:schemeClr val="tx1"/>
+              </a:fontRef>
+            </p:style>
+          </p:cxnSp>
+          <p:cxnSp>
+            <p:nvCxnSpPr>
+              <p:cNvPr id="141" name="直接连接符 140"/>
+              <p:cNvCxnSpPr/>
+              <p:nvPr/>
+            </p:nvCxnSpPr>
+            <p:spPr>
+              <a:xfrm>
+                <a:off x="4622" y="1956"/>
+                <a:ext cx="0" cy="2117"/>
+              </a:xfrm>
+              <a:prstGeom prst="line">
+                <a:avLst/>
+              </a:prstGeom>
+              <a:ln w="22225">
+                <a:solidFill>
+                  <a:schemeClr val="accent2">
+                    <a:lumMod val="75000"/>
+                  </a:schemeClr>
+                </a:solidFill>
+              </a:ln>
+            </p:spPr>
+            <p:style>
+              <a:lnRef idx="1">
+                <a:schemeClr val="accent1"/>
+              </a:lnRef>
+              <a:fillRef idx="0">
+                <a:schemeClr val="accent1"/>
+              </a:fillRef>
+              <a:effectRef idx="0">
+                <a:schemeClr val="accent1"/>
+              </a:effectRef>
+              <a:fontRef idx="minor">
+                <a:schemeClr val="tx1"/>
+              </a:fontRef>
+            </p:style>
+          </p:cxnSp>
+          <p:cxnSp>
+            <p:nvCxnSpPr>
+              <p:cNvPr id="142" name="直接连接符 141"/>
+              <p:cNvCxnSpPr/>
+              <p:nvPr/>
+            </p:nvCxnSpPr>
+            <p:spPr>
+              <a:xfrm>
+                <a:off x="3067" y="4073"/>
+                <a:ext cx="1575" cy="0"/>
+              </a:xfrm>
+              <a:prstGeom prst="line">
+                <a:avLst/>
+              </a:prstGeom>
+              <a:ln w="22225">
+                <a:solidFill>
+                  <a:schemeClr val="accent2">
+                    <a:lumMod val="75000"/>
+                  </a:schemeClr>
+                </a:solidFill>
+              </a:ln>
+            </p:spPr>
+            <p:style>
+              <a:lnRef idx="1">
+                <a:schemeClr val="accent1"/>
+              </a:lnRef>
+              <a:fillRef idx="0">
+                <a:schemeClr val="accent1"/>
+              </a:fillRef>
+              <a:effectRef idx="0">
+                <a:schemeClr val="accent1"/>
+              </a:effectRef>
+              <a:fontRef idx="minor">
+                <a:schemeClr val="tx1"/>
+              </a:fontRef>
+            </p:style>
+          </p:cxnSp>
+        </p:grpSp>
+        <p:sp>
+          <p:nvSpPr>
+            <p:cNvPr id="143" name="文本框 142"/>
+            <p:cNvSpPr txBox="1"/>
+            <p:nvPr/>
+          </p:nvSpPr>
+          <p:spPr>
+            <a:xfrm>
+              <a:off x="11344" y="7765"/>
+              <a:ext cx="689" cy="628"/>
+            </a:xfrm>
+            <a:prstGeom prst="rect">
+              <a:avLst/>
+            </a:prstGeom>
+            <a:noFill/>
+          </p:spPr>
+          <p:txBody>
+            <a:bodyPr wrap="square" rtlCol="0">
+              <a:spAutoFit/>
+            </a:bodyPr>
+            <a:p>
+              <a:r>
+                <a:rPr lang="zh-CN" altLang="en-US" sz="2000">
+                  <a:solidFill>
+                    <a:schemeClr val="tx1">
+                      <a:lumMod val="50000"/>
+                      <a:lumOff val="50000"/>
+                    </a:schemeClr>
+                  </a:solidFill>
+                  <a:latin typeface="PingFang SC" panose="020B0400000000000000" charset="-122"/>
+                  <a:ea typeface="PingFang SC" panose="020B0400000000000000" charset="-122"/>
+                  <a:cs typeface="PingFang SC Semibold" panose="020B0400000000000000" charset="-122"/>
+                </a:rPr>
+                <a:t>⑤</a:t>
+              </a:r>
+              <a:endParaRPr lang="zh-CN" altLang="en-US" sz="2000">
+                <a:solidFill>
+                  <a:schemeClr val="tx1">
+                    <a:lumMod val="50000"/>
+                    <a:lumOff val="50000"/>
+                  </a:schemeClr>
+                </a:solidFill>
+                <a:latin typeface="PingFang SC" panose="020B0400000000000000" charset="-122"/>
+                <a:ea typeface="PingFang SC" panose="020B0400000000000000" charset="-122"/>
+                <a:cs typeface="PingFang SC Semibold" panose="020B0400000000000000" charset="-122"/>
+              </a:endParaRPr>
+            </a:p>
+          </p:txBody>
+        </p:sp>
+        <p:sp>
+          <p:nvSpPr>
+            <p:cNvPr id="144" name="矩形 143"/>
+            <p:cNvSpPr/>
+            <p:nvPr/>
+          </p:nvSpPr>
+          <p:spPr>
+            <a:xfrm>
+              <a:off x="10901" y="6102"/>
+              <a:ext cx="738" cy="648"/>
+            </a:xfrm>
+            <a:prstGeom prst="rect">
+              <a:avLst/>
+            </a:prstGeom>
+            <a:solidFill>
+              <a:schemeClr val="accent1">
+                <a:lumMod val="20000"/>
+                <a:lumOff val="80000"/>
+              </a:schemeClr>
+            </a:solidFill>
+            <a:ln w="25400"/>
+          </p:spPr>
+          <p:style>
+            <a:lnRef idx="2">
+              <a:schemeClr val="accent1">
+                <a:shade val="50000"/>
+              </a:schemeClr>
+            </a:lnRef>
+            <a:fillRef idx="1">
+              <a:schemeClr val="accent1"/>
+            </a:fillRef>
+            <a:effectRef idx="0">
+              <a:schemeClr val="accent1"/>
+            </a:effectRef>
+            <a:fontRef idx="minor">
+              <a:schemeClr val="lt1"/>
+            </a:fontRef>
+          </p:style>
+          <p:txBody>
+            <a:bodyPr rtlCol="0" anchor="ctr"/>
+            <a:p>
+              <a:pPr algn="ctr"/>
+              <a:r>
+                <a:rPr lang="en-US" altLang="zh-CN">
+                  <a:solidFill>
+                    <a:schemeClr val="tx1"/>
+                  </a:solidFill>
+                </a:rPr>
+                <a:t>5</a:t>
+              </a:r>
+              <a:endParaRPr lang="en-US" altLang="zh-CN">
+                <a:solidFill>
+                  <a:schemeClr val="tx1"/>
+                </a:solidFill>
+              </a:endParaRPr>
+            </a:p>
+          </p:txBody>
+        </p:sp>
+        <p:sp>
+          <p:nvSpPr>
+            <p:cNvPr id="145" name="矩形 144"/>
+            <p:cNvSpPr/>
+            <p:nvPr/>
+          </p:nvSpPr>
+          <p:spPr>
+            <a:xfrm>
+              <a:off x="11826" y="6102"/>
+              <a:ext cx="739" cy="648"/>
+            </a:xfrm>
+            <a:prstGeom prst="rect">
+              <a:avLst/>
+            </a:prstGeom>
+            <a:solidFill>
+              <a:schemeClr val="accent2">
+                <a:lumMod val="20000"/>
+                <a:lumOff val="80000"/>
+              </a:schemeClr>
+            </a:solidFill>
+            <a:ln w="25400"/>
+          </p:spPr>
+          <p:style>
+            <a:lnRef idx="1">
+              <a:schemeClr val="accent2"/>
+            </a:lnRef>
+            <a:fillRef idx="2">
+              <a:schemeClr val="accent2"/>
+            </a:fillRef>
+            <a:effectRef idx="1">
+              <a:schemeClr val="accent2"/>
+            </a:effectRef>
+            <a:fontRef idx="minor">
+              <a:schemeClr val="dk1"/>
+            </a:fontRef>
+          </p:style>
+          <p:txBody>
+            <a:bodyPr rtlCol="0" anchor="ctr"/>
+            <a:p>
+              <a:pPr algn="ctr"/>
+              <a:r>
+                <a:rPr lang="zh-CN" altLang="en-US">
+                  <a:solidFill>
+                    <a:schemeClr val="tx1"/>
+                  </a:solidFill>
+                </a:rPr>
+                <a:t>×</a:t>
+              </a:r>
+              <a:endParaRPr lang="zh-CN" altLang="en-US">
+                <a:solidFill>
+                  <a:schemeClr val="tx1"/>
+                </a:solidFill>
+              </a:endParaRPr>
+            </a:p>
+          </p:txBody>
+        </p:sp>
+        <p:sp>
+          <p:nvSpPr>
+            <p:cNvPr id="146" name="矩形 145"/>
+            <p:cNvSpPr/>
+            <p:nvPr/>
+          </p:nvSpPr>
+          <p:spPr>
+            <a:xfrm>
+              <a:off x="10901" y="5363"/>
+              <a:ext cx="738" cy="648"/>
+            </a:xfrm>
+            <a:prstGeom prst="rect">
+              <a:avLst/>
+            </a:prstGeom>
+            <a:solidFill>
+              <a:schemeClr val="accent1">
+                <a:lumMod val="20000"/>
+                <a:lumOff val="80000"/>
+              </a:schemeClr>
+            </a:solidFill>
+            <a:ln w="25400"/>
+          </p:spPr>
+          <p:style>
+            <a:lnRef idx="2">
+              <a:schemeClr val="accent1">
+                <a:shade val="50000"/>
+              </a:schemeClr>
+            </a:lnRef>
+            <a:fillRef idx="1">
+              <a:schemeClr val="accent1"/>
+            </a:fillRef>
+            <a:effectRef idx="0">
+              <a:schemeClr val="accent1"/>
+            </a:effectRef>
+            <a:fontRef idx="minor">
+              <a:schemeClr val="lt1"/>
+            </a:fontRef>
+          </p:style>
+          <p:txBody>
+            <a:bodyPr rtlCol="0" anchor="ctr"/>
+            <a:p>
+              <a:pPr algn="ctr"/>
+              <a:r>
+                <a:rPr lang="en-US" altLang="zh-CN">
+                  <a:solidFill>
+                    <a:schemeClr val="tx1"/>
+                  </a:solidFill>
+                </a:rPr>
+                <a:t>8</a:t>
+              </a:r>
+              <a:endParaRPr lang="en-US" altLang="zh-CN">
+                <a:solidFill>
+                  <a:schemeClr val="tx1"/>
+                </a:solidFill>
+              </a:endParaRPr>
+            </a:p>
+          </p:txBody>
+        </p:sp>
+      </p:grpSp>
+      <p:sp>
+        <p:nvSpPr>
+          <p:cNvPr id="157" name="文本框 156"/>
+          <p:cNvSpPr txBox="1"/>
+          <p:nvPr/>
+        </p:nvSpPr>
+        <p:spPr>
+          <a:xfrm>
+            <a:off x="3549650" y="5721985"/>
+            <a:ext cx="437515" cy="398780"/>
+          </a:xfrm>
+          <a:prstGeom prst="rect">
+            <a:avLst/>
+          </a:prstGeom>
+          <a:noFill/>
+        </p:spPr>
+        <p:txBody>
+          <a:bodyPr wrap="square" rtlCol="0">
+            <a:spAutoFit/>
+          </a:bodyPr>
+          <a:p>
+            <a:r>
+              <a:rPr lang="zh-CN" altLang="en-US" sz="2000">
+                <a:solidFill>
+                  <a:schemeClr val="tx1">
+                    <a:lumMod val="50000"/>
+                    <a:lumOff val="50000"/>
+                  </a:schemeClr>
+                </a:solidFill>
+                <a:latin typeface="PingFang SC" panose="020B0400000000000000" charset="-122"/>
+                <a:ea typeface="PingFang SC" panose="020B0400000000000000" charset="-122"/>
+                <a:cs typeface="PingFang SC Semibold" panose="020B0400000000000000" charset="-122"/>
+              </a:rPr>
+              <a:t>⑥</a:t>
+            </a:r>
+            <a:endParaRPr lang="zh-CN" altLang="en-US" sz="2000">
+              <a:solidFill>
+                <a:schemeClr val="tx1">
+                  <a:lumMod val="50000"/>
+                  <a:lumOff val="50000"/>
+                </a:schemeClr>
+              </a:solidFill>
+              <a:latin typeface="PingFang SC" panose="020B0400000000000000" charset="-122"/>
+              <a:ea typeface="PingFang SC" panose="020B0400000000000000" charset="-122"/>
+              <a:cs typeface="PingFang SC Semibold" panose="020B0400000000000000" charset="-122"/>
+            </a:endParaRPr>
+          </a:p>
+        </p:txBody>
+      </p:sp>
+      <p:grpSp>
+        <p:nvGrpSpPr>
+          <p:cNvPr id="185" name="组合 184"/>
+          <p:cNvGrpSpPr/>
+          <p:nvPr/>
+        </p:nvGrpSpPr>
+        <p:grpSpPr>
+          <a:xfrm>
+            <a:off x="2251710" y="3883025"/>
+            <a:ext cx="1141730" cy="1715770"/>
+            <a:chOff x="3169" y="6115"/>
+            <a:chExt cx="1798" cy="2702"/>
+          </a:xfrm>
+        </p:grpSpPr>
+        <p:sp>
+          <p:nvSpPr>
+            <p:cNvPr id="147" name="矩形 146"/>
+            <p:cNvSpPr/>
+            <p:nvPr/>
+          </p:nvSpPr>
+          <p:spPr>
+            <a:xfrm>
+              <a:off x="4163" y="8083"/>
+              <a:ext cx="739" cy="648"/>
+            </a:xfrm>
+            <a:prstGeom prst="rect">
+              <a:avLst/>
+            </a:prstGeom>
+            <a:solidFill>
+              <a:schemeClr val="accent2">
+                <a:lumMod val="20000"/>
+                <a:lumOff val="80000"/>
+              </a:schemeClr>
+            </a:solidFill>
+            <a:ln w="25400"/>
+          </p:spPr>
+          <p:style>
+            <a:lnRef idx="1">
+              <a:schemeClr val="accent2"/>
+            </a:lnRef>
+            <a:fillRef idx="2">
+              <a:schemeClr val="accent2"/>
+            </a:fillRef>
+            <a:effectRef idx="1">
+              <a:schemeClr val="accent2"/>
+            </a:effectRef>
+            <a:fontRef idx="minor">
+              <a:schemeClr val="dk1"/>
+            </a:fontRef>
+          </p:style>
+          <p:txBody>
+            <a:bodyPr rtlCol="0" anchor="ctr"/>
+            <a:p>
+              <a:pPr algn="ctr"/>
+              <a:r>
+                <a:rPr lang="en-US" altLang="zh-CN">
+                  <a:solidFill>
+                    <a:schemeClr val="tx1"/>
+                  </a:solidFill>
+                </a:rPr>
+                <a:t>+</a:t>
+              </a:r>
+              <a:endParaRPr lang="en-US" altLang="zh-CN">
+                <a:solidFill>
+                  <a:schemeClr val="tx1"/>
+                </a:solidFill>
+              </a:endParaRPr>
+            </a:p>
+          </p:txBody>
+        </p:sp>
+        <p:grpSp>
+          <p:nvGrpSpPr>
+            <p:cNvPr id="148" name="组合 147"/>
+            <p:cNvGrpSpPr/>
+            <p:nvPr/>
+          </p:nvGrpSpPr>
+          <p:grpSpPr>
+            <a:xfrm rot="0">
+              <a:off x="3169" y="6115"/>
+              <a:ext cx="869" cy="2703"/>
+              <a:chOff x="3067" y="1956"/>
+              <a:chExt cx="1574" cy="2117"/>
+            </a:xfrm>
+          </p:grpSpPr>
+          <p:cxnSp>
+            <p:nvCxnSpPr>
+              <p:cNvPr id="149" name="直接连接符 148"/>
+              <p:cNvCxnSpPr/>
+              <p:nvPr/>
+            </p:nvCxnSpPr>
+            <p:spPr>
+              <a:xfrm>
+                <a:off x="3083" y="1956"/>
+                <a:ext cx="0" cy="2117"/>
+              </a:xfrm>
+              <a:prstGeom prst="line">
+                <a:avLst/>
+              </a:prstGeom>
+              <a:ln w="22225"/>
+            </p:spPr>
+            <p:style>
+              <a:lnRef idx="1">
+                <a:schemeClr val="accent1"/>
+              </a:lnRef>
+              <a:fillRef idx="0">
+                <a:schemeClr val="accent1"/>
+              </a:fillRef>
+              <a:effectRef idx="0">
+                <a:schemeClr val="accent1"/>
+              </a:effectRef>
+              <a:fontRef idx="minor">
+                <a:schemeClr val="tx1"/>
+              </a:fontRef>
+            </p:style>
+          </p:cxnSp>
+          <p:cxnSp>
+            <p:nvCxnSpPr>
+              <p:cNvPr id="150" name="直接连接符 149"/>
+              <p:cNvCxnSpPr/>
+              <p:nvPr/>
+            </p:nvCxnSpPr>
+            <p:spPr>
+              <a:xfrm>
+                <a:off x="4622" y="1956"/>
+                <a:ext cx="0" cy="2117"/>
+              </a:xfrm>
+              <a:prstGeom prst="line">
+                <a:avLst/>
+              </a:prstGeom>
+              <a:ln w="22225"/>
+            </p:spPr>
+            <p:style>
+              <a:lnRef idx="1">
+                <a:schemeClr val="accent1"/>
+              </a:lnRef>
+              <a:fillRef idx="0">
+                <a:schemeClr val="accent1"/>
+              </a:fillRef>
+              <a:effectRef idx="0">
+                <a:schemeClr val="accent1"/>
+              </a:effectRef>
+              <a:fontRef idx="minor">
+                <a:schemeClr val="tx1"/>
+              </a:fontRef>
+            </p:style>
+          </p:cxnSp>
+          <p:cxnSp>
+            <p:nvCxnSpPr>
+              <p:cNvPr id="151" name="直接连接符 150"/>
+              <p:cNvCxnSpPr/>
+              <p:nvPr/>
+            </p:nvCxnSpPr>
+            <p:spPr>
+              <a:xfrm>
+                <a:off x="3067" y="4073"/>
+                <a:ext cx="1575" cy="0"/>
+              </a:xfrm>
+              <a:prstGeom prst="line">
+                <a:avLst/>
+              </a:prstGeom>
+              <a:ln w="22225"/>
+            </p:spPr>
+            <p:style>
+              <a:lnRef idx="1">
+                <a:schemeClr val="accent1"/>
+              </a:lnRef>
+              <a:fillRef idx="0">
+                <a:schemeClr val="accent1"/>
+              </a:fillRef>
+              <a:effectRef idx="0">
+                <a:schemeClr val="accent1"/>
+              </a:effectRef>
+              <a:fontRef idx="minor">
+                <a:schemeClr val="tx1"/>
+              </a:fontRef>
+            </p:style>
+          </p:cxnSp>
+        </p:grpSp>
+        <p:sp>
+          <p:nvSpPr>
+            <p:cNvPr id="152" name="矩形 151"/>
+            <p:cNvSpPr/>
+            <p:nvPr/>
+          </p:nvSpPr>
+          <p:spPr>
+            <a:xfrm>
+              <a:off x="3234" y="8083"/>
+              <a:ext cx="738" cy="648"/>
+            </a:xfrm>
+            <a:prstGeom prst="rect">
+              <a:avLst/>
+            </a:prstGeom>
+            <a:solidFill>
+              <a:schemeClr val="accent1">
+                <a:lumMod val="20000"/>
+                <a:lumOff val="80000"/>
+              </a:schemeClr>
+            </a:solidFill>
+            <a:ln w="25400"/>
+          </p:spPr>
+          <p:style>
+            <a:lnRef idx="2">
+              <a:schemeClr val="accent1">
+                <a:shade val="50000"/>
+              </a:schemeClr>
+            </a:lnRef>
+            <a:fillRef idx="1">
+              <a:schemeClr val="accent1"/>
+            </a:fillRef>
+            <a:effectRef idx="0">
+              <a:schemeClr val="accent1"/>
+            </a:effectRef>
+            <a:fontRef idx="minor">
+              <a:schemeClr val="lt1"/>
+            </a:fontRef>
+          </p:style>
+          <p:txBody>
+            <a:bodyPr rtlCol="0" anchor="ctr"/>
+            <a:p>
+              <a:pPr algn="ctr"/>
+              <a:r>
+                <a:rPr lang="en-US" altLang="zh-CN">
+                  <a:solidFill>
+                    <a:schemeClr val="tx1"/>
+                  </a:solidFill>
+                </a:rPr>
+                <a:t>3</a:t>
+              </a:r>
+              <a:endParaRPr lang="en-US" altLang="zh-CN">
+                <a:solidFill>
+                  <a:schemeClr val="tx1"/>
+                </a:solidFill>
+              </a:endParaRPr>
+            </a:p>
+          </p:txBody>
+        </p:sp>
+        <p:grpSp>
+          <p:nvGrpSpPr>
+            <p:cNvPr id="153" name="组合 152"/>
+            <p:cNvGrpSpPr/>
+            <p:nvPr/>
+          </p:nvGrpSpPr>
+          <p:grpSpPr>
+            <a:xfrm rot="0">
+              <a:off x="4099" y="6115"/>
+              <a:ext cx="869" cy="2703"/>
+              <a:chOff x="3067" y="1956"/>
+              <a:chExt cx="1574" cy="2117"/>
+            </a:xfrm>
+          </p:grpSpPr>
+          <p:cxnSp>
+            <p:nvCxnSpPr>
+              <p:cNvPr id="154" name="直接连接符 153"/>
+              <p:cNvCxnSpPr/>
+              <p:nvPr/>
+            </p:nvCxnSpPr>
+            <p:spPr>
+              <a:xfrm>
+                <a:off x="3083" y="1956"/>
+                <a:ext cx="0" cy="2117"/>
+              </a:xfrm>
+              <a:prstGeom prst="line">
+                <a:avLst/>
+              </a:prstGeom>
+              <a:ln w="22225">
+                <a:solidFill>
+                  <a:schemeClr val="accent2">
+                    <a:lumMod val="75000"/>
+                  </a:schemeClr>
+                </a:solidFill>
+              </a:ln>
+            </p:spPr>
+            <p:style>
+              <a:lnRef idx="1">
+                <a:schemeClr val="accent1"/>
+              </a:lnRef>
+              <a:fillRef idx="0">
+                <a:schemeClr val="accent1"/>
+              </a:fillRef>
+              <a:effectRef idx="0">
+                <a:schemeClr val="accent1"/>
+              </a:effectRef>
+              <a:fontRef idx="minor">
+                <a:schemeClr val="tx1"/>
+              </a:fontRef>
+            </p:style>
+          </p:cxnSp>
+          <p:cxnSp>
+            <p:nvCxnSpPr>
+              <p:cNvPr id="155" name="直接连接符 154"/>
+              <p:cNvCxnSpPr/>
+              <p:nvPr/>
+            </p:nvCxnSpPr>
+            <p:spPr>
+              <a:xfrm>
+                <a:off x="4622" y="1956"/>
+                <a:ext cx="0" cy="2117"/>
+              </a:xfrm>
+              <a:prstGeom prst="line">
+                <a:avLst/>
+              </a:prstGeom>
+              <a:ln w="22225">
+                <a:solidFill>
+                  <a:schemeClr val="accent2">
+                    <a:lumMod val="75000"/>
+                  </a:schemeClr>
+                </a:solidFill>
+              </a:ln>
+            </p:spPr>
+            <p:style>
+              <a:lnRef idx="1">
+                <a:schemeClr val="accent1"/>
+              </a:lnRef>
+              <a:fillRef idx="0">
+                <a:schemeClr val="accent1"/>
+              </a:fillRef>
+              <a:effectRef idx="0">
+                <a:schemeClr val="accent1"/>
+              </a:effectRef>
+              <a:fontRef idx="minor">
+                <a:schemeClr val="tx1"/>
+              </a:fontRef>
+            </p:style>
+          </p:cxnSp>
+          <p:cxnSp>
+            <p:nvCxnSpPr>
+              <p:cNvPr id="156" name="直接连接符 155"/>
+              <p:cNvCxnSpPr/>
+              <p:nvPr/>
+            </p:nvCxnSpPr>
+            <p:spPr>
+              <a:xfrm>
+                <a:off x="3067" y="4073"/>
+                <a:ext cx="1575" cy="0"/>
+              </a:xfrm>
+              <a:prstGeom prst="line">
+                <a:avLst/>
+              </a:prstGeom>
+              <a:ln w="22225">
+                <a:solidFill>
+                  <a:schemeClr val="accent2">
+                    <a:lumMod val="75000"/>
+                  </a:schemeClr>
+                </a:solidFill>
+              </a:ln>
+            </p:spPr>
+            <p:style>
+              <a:lnRef idx="1">
+                <a:schemeClr val="accent1"/>
+              </a:lnRef>
+              <a:fillRef idx="0">
+                <a:schemeClr val="accent1"/>
+              </a:fillRef>
+              <a:effectRef idx="0">
+                <a:schemeClr val="accent1"/>
+              </a:effectRef>
+              <a:fontRef idx="minor">
+                <a:schemeClr val="tx1"/>
+              </a:fontRef>
+            </p:style>
+          </p:cxnSp>
+        </p:grpSp>
+        <p:sp>
+          <p:nvSpPr>
+            <p:cNvPr id="158" name="矩形 157"/>
+            <p:cNvSpPr/>
+            <p:nvPr/>
+          </p:nvSpPr>
+          <p:spPr>
+            <a:xfrm>
+              <a:off x="3240" y="7348"/>
+              <a:ext cx="738" cy="648"/>
+            </a:xfrm>
+            <a:prstGeom prst="rect">
+              <a:avLst/>
+            </a:prstGeom>
+            <a:solidFill>
+              <a:schemeClr val="accent1">
+                <a:lumMod val="20000"/>
+                <a:lumOff val="80000"/>
+              </a:schemeClr>
+            </a:solidFill>
+            <a:ln w="25400"/>
+          </p:spPr>
+          <p:style>
+            <a:lnRef idx="2">
+              <a:schemeClr val="accent1">
+                <a:shade val="50000"/>
+              </a:schemeClr>
+            </a:lnRef>
+            <a:fillRef idx="1">
+              <a:schemeClr val="accent1"/>
+            </a:fillRef>
+            <a:effectRef idx="0">
+              <a:schemeClr val="accent1"/>
+            </a:effectRef>
+            <a:fontRef idx="minor">
+              <a:schemeClr val="lt1"/>
+            </a:fontRef>
+          </p:style>
+          <p:txBody>
+            <a:bodyPr rtlCol="0" anchor="ctr"/>
+            <a:p>
+              <a:pPr algn="ctr"/>
+              <a:r>
+                <a:rPr lang="en-US" altLang="zh-CN">
+                  <a:solidFill>
+                    <a:schemeClr val="tx1"/>
+                  </a:solidFill>
+                </a:rPr>
+                <a:t>5</a:t>
+              </a:r>
+              <a:endParaRPr lang="en-US" altLang="zh-CN">
+                <a:solidFill>
+                  <a:schemeClr val="tx1"/>
+                </a:solidFill>
+              </a:endParaRPr>
+            </a:p>
+          </p:txBody>
+        </p:sp>
+        <p:sp>
+          <p:nvSpPr>
+            <p:cNvPr id="159" name="矩形 158"/>
+            <p:cNvSpPr/>
+            <p:nvPr/>
+          </p:nvSpPr>
+          <p:spPr>
+            <a:xfrm>
+              <a:off x="4165" y="7348"/>
+              <a:ext cx="739" cy="648"/>
+            </a:xfrm>
+            <a:prstGeom prst="rect">
+              <a:avLst/>
+            </a:prstGeom>
+            <a:solidFill>
+              <a:schemeClr val="accent2">
+                <a:lumMod val="20000"/>
+                <a:lumOff val="80000"/>
+              </a:schemeClr>
+            </a:solidFill>
+            <a:ln w="25400"/>
+          </p:spPr>
+          <p:style>
+            <a:lnRef idx="1">
+              <a:schemeClr val="accent2"/>
+            </a:lnRef>
+            <a:fillRef idx="2">
+              <a:schemeClr val="accent2"/>
+            </a:fillRef>
+            <a:effectRef idx="1">
+              <a:schemeClr val="accent2"/>
+            </a:effectRef>
+            <a:fontRef idx="minor">
+              <a:schemeClr val="dk1"/>
+            </a:fontRef>
+          </p:style>
+          <p:txBody>
+            <a:bodyPr rtlCol="0" anchor="ctr"/>
+            <a:p>
+              <a:pPr algn="ctr"/>
+              <a:r>
+                <a:rPr lang="zh-CN" altLang="en-US">
+                  <a:solidFill>
+                    <a:schemeClr val="tx1"/>
+                  </a:solidFill>
+                </a:rPr>
+                <a:t>×</a:t>
+              </a:r>
+              <a:endParaRPr lang="zh-CN" altLang="en-US">
+                <a:solidFill>
+                  <a:schemeClr val="tx1"/>
+                </a:solidFill>
+              </a:endParaRPr>
+            </a:p>
+          </p:txBody>
+        </p:sp>
+        <p:sp>
+          <p:nvSpPr>
+            <p:cNvPr id="160" name="矩形 159"/>
+            <p:cNvSpPr/>
+            <p:nvPr/>
+          </p:nvSpPr>
+          <p:spPr>
+            <a:xfrm>
+              <a:off x="3240" y="6609"/>
+              <a:ext cx="738" cy="648"/>
+            </a:xfrm>
+            <a:prstGeom prst="rect">
+              <a:avLst/>
+            </a:prstGeom>
+            <a:solidFill>
+              <a:schemeClr val="accent1">
+                <a:lumMod val="20000"/>
+                <a:lumOff val="80000"/>
+              </a:schemeClr>
+            </a:solidFill>
+            <a:ln w="25400"/>
+          </p:spPr>
+          <p:style>
+            <a:lnRef idx="2">
+              <a:schemeClr val="accent1">
+                <a:shade val="50000"/>
+              </a:schemeClr>
+            </a:lnRef>
+            <a:fillRef idx="1">
+              <a:schemeClr val="accent1"/>
+            </a:fillRef>
+            <a:effectRef idx="0">
+              <a:schemeClr val="accent1"/>
+            </a:effectRef>
+            <a:fontRef idx="minor">
+              <a:schemeClr val="lt1"/>
+            </a:fontRef>
+          </p:style>
+          <p:txBody>
+            <a:bodyPr rtlCol="0" anchor="ctr"/>
+            <a:p>
+              <a:pPr algn="ctr"/>
+              <a:r>
+                <a:rPr lang="en-US" altLang="zh-CN">
+                  <a:solidFill>
+                    <a:schemeClr val="tx1"/>
+                  </a:solidFill>
+                </a:rPr>
+                <a:t>8</a:t>
+              </a:r>
+              <a:endParaRPr lang="en-US" altLang="zh-CN">
+                <a:solidFill>
+                  <a:schemeClr val="tx1"/>
+                </a:solidFill>
+              </a:endParaRPr>
+            </a:p>
+          </p:txBody>
+        </p:sp>
+        <p:sp>
+          <p:nvSpPr>
+            <p:cNvPr id="161" name="矩形 160"/>
+            <p:cNvSpPr/>
+            <p:nvPr/>
+          </p:nvSpPr>
+          <p:spPr>
+            <a:xfrm>
+              <a:off x="4163" y="6115"/>
+              <a:ext cx="739" cy="648"/>
+            </a:xfrm>
+            <a:prstGeom prst="rect">
+              <a:avLst/>
+            </a:prstGeom>
+            <a:solidFill>
+              <a:schemeClr val="accent2">
+                <a:lumMod val="20000"/>
+                <a:lumOff val="80000"/>
+              </a:schemeClr>
+            </a:solidFill>
+            <a:ln w="25400"/>
+          </p:spPr>
+          <p:style>
+            <a:lnRef idx="1">
+              <a:schemeClr val="accent2"/>
+            </a:lnRef>
+            <a:fillRef idx="2">
+              <a:schemeClr val="accent2"/>
+            </a:fillRef>
+            <a:effectRef idx="1">
+              <a:schemeClr val="accent2"/>
+            </a:effectRef>
+            <a:fontRef idx="minor">
+              <a:schemeClr val="dk1"/>
+            </a:fontRef>
+          </p:style>
+          <p:txBody>
+            <a:bodyPr rtlCol="0" anchor="ctr"/>
+            <a:p>
+              <a:pPr algn="ctr"/>
+              <a:r>
+                <a:rPr lang="en-US" altLang="zh-CN">
+                  <a:solidFill>
+                    <a:schemeClr val="tx1"/>
+                  </a:solidFill>
+                </a:rPr>
+                <a:t>-</a:t>
+              </a:r>
+              <a:endParaRPr lang="en-US" altLang="zh-CN">
+                <a:solidFill>
+                  <a:schemeClr val="tx1"/>
+                </a:solidFill>
+              </a:endParaRPr>
+            </a:p>
+          </p:txBody>
+        </p:sp>
+      </p:grpSp>
+      <p:sp>
+        <p:nvSpPr>
+          <p:cNvPr id="172" name="文本框 171"/>
+          <p:cNvSpPr txBox="1"/>
+          <p:nvPr/>
+        </p:nvSpPr>
+        <p:spPr>
+          <a:xfrm>
+            <a:off x="1886585" y="6084570"/>
+            <a:ext cx="3828415" cy="737235"/>
+          </a:xfrm>
+          <a:prstGeom prst="rect">
+            <a:avLst/>
+          </a:prstGeom>
+          <a:noFill/>
+        </p:spPr>
+        <p:txBody>
+          <a:bodyPr wrap="square" rtlCol="0">
+            <a:spAutoFit/>
+          </a:bodyPr>
+          <a:p>
+            <a:r>
+              <a:rPr lang="zh-CN" altLang="en-US" sz="1400">
+                <a:latin typeface="PingFang SC Regular" panose="020B0400000000000000" charset="-122"/>
+                <a:ea typeface="PingFang SC Regular" panose="020B0400000000000000" charset="-122"/>
+                <a:cs typeface="PingFang SC Regular" panose="020B0400000000000000" charset="-122"/>
+              </a:rPr>
+              <a:t>比对 </a:t>
+            </a:r>
+            <a:r>
+              <a:rPr lang="en-US" altLang="zh-CN" sz="1400">
+                <a:latin typeface="PingFang SC Regular" panose="020B0400000000000000" charset="-122"/>
+                <a:ea typeface="PingFang SC Regular" panose="020B0400000000000000" charset="-122"/>
+                <a:cs typeface="PingFang SC Regular" panose="020B0400000000000000" charset="-122"/>
+              </a:rPr>
+              <a:t>- </a:t>
+            </a:r>
+            <a:r>
+              <a:rPr lang="zh-CN" altLang="en-US" sz="1400">
+                <a:latin typeface="PingFang SC Regular" panose="020B0400000000000000" charset="-122"/>
+                <a:ea typeface="PingFang SC Regular" panose="020B0400000000000000" charset="-122"/>
+                <a:cs typeface="PingFang SC Regular" panose="020B0400000000000000" charset="-122"/>
+              </a:rPr>
+              <a:t>和 ×，×的优先级高，弹出 </a:t>
+            </a:r>
+            <a:r>
+              <a:rPr lang="en-US" altLang="zh-CN" sz="1400">
+                <a:latin typeface="PingFang SC Regular" panose="020B0400000000000000" charset="-122"/>
+                <a:ea typeface="PingFang SC Regular" panose="020B0400000000000000" charset="-122"/>
+                <a:cs typeface="PingFang SC Regular" panose="020B0400000000000000" charset="-122"/>
+              </a:rPr>
+              <a:t>8</a:t>
+            </a:r>
+            <a:r>
+              <a:rPr lang="zh-CN" altLang="en-US" sz="1400">
+                <a:latin typeface="PingFang SC Regular" panose="020B0400000000000000" charset="-122"/>
+                <a:ea typeface="PingFang SC Regular" panose="020B0400000000000000" charset="-122"/>
+                <a:cs typeface="PingFang SC Regular" panose="020B0400000000000000" charset="-122"/>
+              </a:rPr>
+              <a:t>、</a:t>
+            </a:r>
+            <a:r>
+              <a:rPr lang="en-US" altLang="zh-CN" sz="1400">
+                <a:latin typeface="PingFang SC Regular" panose="020B0400000000000000" charset="-122"/>
+                <a:ea typeface="PingFang SC Regular" panose="020B0400000000000000" charset="-122"/>
+                <a:cs typeface="PingFang SC Regular" panose="020B0400000000000000" charset="-122"/>
+              </a:rPr>
+              <a:t>5</a:t>
+            </a:r>
+            <a:r>
+              <a:rPr lang="zh-CN" altLang="en-US" sz="1400">
+                <a:latin typeface="PingFang SC Regular" panose="020B0400000000000000" charset="-122"/>
+                <a:ea typeface="PingFang SC Regular" panose="020B0400000000000000" charset="-122"/>
+                <a:cs typeface="PingFang SC Regular" panose="020B0400000000000000" charset="-122"/>
+              </a:rPr>
+              <a:t>、×，运算得到</a:t>
+            </a:r>
+            <a:r>
+              <a:rPr lang="en-US" altLang="zh-CN" sz="1400">
+                <a:latin typeface="PingFang SC Regular" panose="020B0400000000000000" charset="-122"/>
+                <a:ea typeface="PingFang SC Regular" panose="020B0400000000000000" charset="-122"/>
+                <a:cs typeface="PingFang SC Regular" panose="020B0400000000000000" charset="-122"/>
+              </a:rPr>
+              <a:t>40</a:t>
+            </a:r>
+            <a:r>
+              <a:rPr lang="zh-CN" altLang="en-US" sz="1400">
+                <a:latin typeface="PingFang SC Regular" panose="020B0400000000000000" charset="-122"/>
+                <a:ea typeface="PingFang SC Regular" panose="020B0400000000000000" charset="-122"/>
+                <a:cs typeface="PingFang SC Regular" panose="020B0400000000000000" charset="-122"/>
+              </a:rPr>
+              <a:t>后，再弹出 </a:t>
+            </a:r>
+            <a:r>
+              <a:rPr lang="en-US" altLang="zh-CN" sz="1400">
+                <a:latin typeface="PingFang SC Regular" panose="020B0400000000000000" charset="-122"/>
+                <a:ea typeface="PingFang SC Regular" panose="020B0400000000000000" charset="-122"/>
+                <a:cs typeface="PingFang SC Regular" panose="020B0400000000000000" charset="-122"/>
+              </a:rPr>
+              <a:t>3</a:t>
+            </a:r>
+            <a:r>
+              <a:rPr lang="zh-CN" altLang="en-US" sz="1400">
+                <a:latin typeface="PingFang SC Regular" panose="020B0400000000000000" charset="-122"/>
+                <a:ea typeface="PingFang SC Regular" panose="020B0400000000000000" charset="-122"/>
+                <a:cs typeface="PingFang SC Regular" panose="020B0400000000000000" charset="-122"/>
+              </a:rPr>
+              <a:t>、</a:t>
+            </a:r>
+            <a:r>
+              <a:rPr lang="en-US" altLang="zh-CN" sz="1400">
+                <a:latin typeface="PingFang SC Regular" panose="020B0400000000000000" charset="-122"/>
+                <a:ea typeface="PingFang SC Regular" panose="020B0400000000000000" charset="-122"/>
+                <a:cs typeface="PingFang SC Regular" panose="020B0400000000000000" charset="-122"/>
+              </a:rPr>
+              <a:t>+</a:t>
+            </a:r>
+            <a:r>
+              <a:rPr lang="zh-CN" altLang="en-US" sz="1400">
+                <a:latin typeface="PingFang SC Regular" panose="020B0400000000000000" charset="-122"/>
+                <a:ea typeface="PingFang SC Regular" panose="020B0400000000000000" charset="-122"/>
+                <a:cs typeface="PingFang SC Regular" panose="020B0400000000000000" charset="-122"/>
+              </a:rPr>
+              <a:t>，运算得到</a:t>
+            </a:r>
+            <a:r>
+              <a:rPr lang="en-US" altLang="zh-CN" sz="1400">
+                <a:latin typeface="PingFang SC Regular" panose="020B0400000000000000" charset="-122"/>
+                <a:ea typeface="PingFang SC Regular" panose="020B0400000000000000" charset="-122"/>
+                <a:cs typeface="PingFang SC Regular" panose="020B0400000000000000" charset="-122"/>
+              </a:rPr>
+              <a:t>43</a:t>
+            </a:r>
+            <a:r>
+              <a:rPr lang="zh-CN" altLang="en-US" sz="1400">
+                <a:latin typeface="PingFang SC Regular" panose="020B0400000000000000" charset="-122"/>
+                <a:ea typeface="PingFang SC Regular" panose="020B0400000000000000" charset="-122"/>
+                <a:cs typeface="PingFang SC Regular" panose="020B0400000000000000" charset="-122"/>
+              </a:rPr>
+              <a:t>，将 </a:t>
+            </a:r>
+            <a:r>
+              <a:rPr lang="en-US" altLang="zh-CN" sz="1400">
+                <a:latin typeface="PingFang SC Regular" panose="020B0400000000000000" charset="-122"/>
+                <a:ea typeface="PingFang SC Regular" panose="020B0400000000000000" charset="-122"/>
+                <a:cs typeface="PingFang SC Regular" panose="020B0400000000000000" charset="-122"/>
+              </a:rPr>
+              <a:t>43 </a:t>
+            </a:r>
+            <a:r>
+              <a:rPr lang="zh-CN" altLang="en-US" sz="1400">
+                <a:latin typeface="PingFang SC Regular" panose="020B0400000000000000" charset="-122"/>
+                <a:ea typeface="PingFang SC Regular" panose="020B0400000000000000" charset="-122"/>
+                <a:cs typeface="PingFang SC Regular" panose="020B0400000000000000" charset="-122"/>
+              </a:rPr>
+              <a:t>和 </a:t>
+            </a:r>
+            <a:r>
+              <a:rPr lang="en-US" altLang="zh-CN" sz="1400">
+                <a:latin typeface="PingFang SC Regular" panose="020B0400000000000000" charset="-122"/>
+                <a:ea typeface="PingFang SC Regular" panose="020B0400000000000000" charset="-122"/>
+                <a:cs typeface="PingFang SC Regular" panose="020B0400000000000000" charset="-122"/>
+              </a:rPr>
+              <a:t>- </a:t>
+            </a:r>
+            <a:r>
+              <a:rPr lang="zh-CN" altLang="en-US" sz="1400">
+                <a:latin typeface="PingFang SC Regular" panose="020B0400000000000000" charset="-122"/>
+                <a:ea typeface="PingFang SC Regular" panose="020B0400000000000000" charset="-122"/>
+                <a:cs typeface="PingFang SC Regular" panose="020B0400000000000000" charset="-122"/>
+              </a:rPr>
+              <a:t>入栈。</a:t>
+            </a:r>
+            <a:endParaRPr lang="zh-CN" altLang="en-US" sz="1400">
+              <a:latin typeface="PingFang SC Regular" panose="020B0400000000000000" charset="-122"/>
+              <a:ea typeface="PingFang SC Regular" panose="020B0400000000000000" charset="-122"/>
+              <a:cs typeface="PingFang SC Regular" panose="020B0400000000000000" charset="-122"/>
+            </a:endParaRPr>
+          </a:p>
+        </p:txBody>
+      </p:sp>
+      <p:grpSp>
+        <p:nvGrpSpPr>
+          <p:cNvPr id="173" name="组合 172"/>
+          <p:cNvGrpSpPr/>
+          <p:nvPr/>
+        </p:nvGrpSpPr>
+        <p:grpSpPr>
+          <a:xfrm>
+            <a:off x="4069715" y="3883025"/>
+            <a:ext cx="1142365" cy="1716405"/>
+            <a:chOff x="3296" y="4869"/>
+            <a:chExt cx="1799" cy="2703"/>
+          </a:xfrm>
+        </p:grpSpPr>
+        <p:sp>
+          <p:nvSpPr>
+            <p:cNvPr id="174" name="矩形 173"/>
+            <p:cNvSpPr/>
+            <p:nvPr/>
+          </p:nvSpPr>
+          <p:spPr>
+            <a:xfrm>
+              <a:off x="4290" y="6837"/>
+              <a:ext cx="739" cy="648"/>
+            </a:xfrm>
+            <a:prstGeom prst="rect">
+              <a:avLst/>
+            </a:prstGeom>
+            <a:solidFill>
+              <a:schemeClr val="accent2">
+                <a:lumMod val="20000"/>
+                <a:lumOff val="80000"/>
+              </a:schemeClr>
+            </a:solidFill>
+            <a:ln w="25400"/>
+          </p:spPr>
+          <p:style>
+            <a:lnRef idx="1">
+              <a:schemeClr val="accent2"/>
+            </a:lnRef>
+            <a:fillRef idx="2">
+              <a:schemeClr val="accent2"/>
+            </a:fillRef>
+            <a:effectRef idx="1">
+              <a:schemeClr val="accent2"/>
+            </a:effectRef>
+            <a:fontRef idx="minor">
+              <a:schemeClr val="dk1"/>
+            </a:fontRef>
+          </p:style>
+          <p:txBody>
+            <a:bodyPr rtlCol="0" anchor="ctr"/>
+            <a:p>
+              <a:pPr algn="ctr"/>
+              <a:r>
+                <a:rPr lang="en-US" altLang="zh-CN">
+                  <a:solidFill>
+                    <a:schemeClr val="tx1"/>
+                  </a:solidFill>
+                </a:rPr>
+                <a:t>-</a:t>
+              </a:r>
+              <a:endParaRPr lang="en-US" altLang="zh-CN">
+                <a:solidFill>
+                  <a:schemeClr val="tx1"/>
+                </a:solidFill>
+              </a:endParaRPr>
+            </a:p>
+          </p:txBody>
+        </p:sp>
+        <p:grpSp>
+          <p:nvGrpSpPr>
+            <p:cNvPr id="175" name="组合 174"/>
+            <p:cNvGrpSpPr/>
+            <p:nvPr/>
+          </p:nvGrpSpPr>
+          <p:grpSpPr>
+            <a:xfrm rot="0">
+              <a:off x="3296" y="4869"/>
+              <a:ext cx="869" cy="2703"/>
+              <a:chOff x="3067" y="1956"/>
+              <a:chExt cx="1574" cy="2117"/>
+            </a:xfrm>
+          </p:grpSpPr>
+          <p:cxnSp>
+            <p:nvCxnSpPr>
+              <p:cNvPr id="176" name="直接连接符 175"/>
+              <p:cNvCxnSpPr/>
+              <p:nvPr/>
+            </p:nvCxnSpPr>
+            <p:spPr>
+              <a:xfrm>
+                <a:off x="3083" y="1956"/>
+                <a:ext cx="0" cy="2117"/>
+              </a:xfrm>
+              <a:prstGeom prst="line">
+                <a:avLst/>
+              </a:prstGeom>
+              <a:ln w="22225"/>
+            </p:spPr>
+            <p:style>
+              <a:lnRef idx="1">
+                <a:schemeClr val="accent1"/>
+              </a:lnRef>
+              <a:fillRef idx="0">
+                <a:schemeClr val="accent1"/>
+              </a:fillRef>
+              <a:effectRef idx="0">
+                <a:schemeClr val="accent1"/>
+              </a:effectRef>
+              <a:fontRef idx="minor">
+                <a:schemeClr val="tx1"/>
+              </a:fontRef>
+            </p:style>
+          </p:cxnSp>
+          <p:cxnSp>
+            <p:nvCxnSpPr>
+              <p:cNvPr id="177" name="直接连接符 176"/>
+              <p:cNvCxnSpPr/>
+              <p:nvPr/>
+            </p:nvCxnSpPr>
+            <p:spPr>
+              <a:xfrm>
+                <a:off x="4622" y="1956"/>
+                <a:ext cx="0" cy="2117"/>
+              </a:xfrm>
+              <a:prstGeom prst="line">
+                <a:avLst/>
+              </a:prstGeom>
+              <a:ln w="22225"/>
+            </p:spPr>
+            <p:style>
+              <a:lnRef idx="1">
+                <a:schemeClr val="accent1"/>
+              </a:lnRef>
+              <a:fillRef idx="0">
+                <a:schemeClr val="accent1"/>
+              </a:fillRef>
+              <a:effectRef idx="0">
+                <a:schemeClr val="accent1"/>
+              </a:effectRef>
+              <a:fontRef idx="minor">
+                <a:schemeClr val="tx1"/>
+              </a:fontRef>
+            </p:style>
+          </p:cxnSp>
+          <p:cxnSp>
+            <p:nvCxnSpPr>
+              <p:cNvPr id="178" name="直接连接符 177"/>
+              <p:cNvCxnSpPr/>
+              <p:nvPr/>
+            </p:nvCxnSpPr>
+            <p:spPr>
+              <a:xfrm>
+                <a:off x="3067" y="4073"/>
+                <a:ext cx="1575" cy="0"/>
+              </a:xfrm>
+              <a:prstGeom prst="line">
+                <a:avLst/>
+              </a:prstGeom>
+              <a:ln w="22225"/>
+            </p:spPr>
+            <p:style>
+              <a:lnRef idx="1">
+                <a:schemeClr val="accent1"/>
+              </a:lnRef>
+              <a:fillRef idx="0">
+                <a:schemeClr val="accent1"/>
+              </a:fillRef>
+              <a:effectRef idx="0">
+                <a:schemeClr val="accent1"/>
+              </a:effectRef>
+              <a:fontRef idx="minor">
+                <a:schemeClr val="tx1"/>
+              </a:fontRef>
+            </p:style>
+          </p:cxnSp>
+        </p:grpSp>
+        <p:sp>
+          <p:nvSpPr>
+            <p:cNvPr id="179" name="矩形 178"/>
+            <p:cNvSpPr/>
+            <p:nvPr/>
+          </p:nvSpPr>
+          <p:spPr>
+            <a:xfrm>
+              <a:off x="3361" y="6837"/>
+              <a:ext cx="738" cy="648"/>
+            </a:xfrm>
+            <a:prstGeom prst="rect">
+              <a:avLst/>
+            </a:prstGeom>
+            <a:solidFill>
+              <a:schemeClr val="accent1">
+                <a:lumMod val="20000"/>
+                <a:lumOff val="80000"/>
+              </a:schemeClr>
+            </a:solidFill>
+            <a:ln w="25400"/>
+          </p:spPr>
+          <p:style>
+            <a:lnRef idx="2">
+              <a:schemeClr val="accent1">
+                <a:shade val="50000"/>
+              </a:schemeClr>
+            </a:lnRef>
+            <a:fillRef idx="1">
+              <a:schemeClr val="accent1"/>
+            </a:fillRef>
+            <a:effectRef idx="0">
+              <a:schemeClr val="accent1"/>
+            </a:effectRef>
+            <a:fontRef idx="minor">
+              <a:schemeClr val="lt1"/>
+            </a:fontRef>
+          </p:style>
+          <p:txBody>
+            <a:bodyPr rtlCol="0" anchor="ctr"/>
+            <a:p>
+              <a:pPr algn="ctr"/>
+              <a:r>
+                <a:rPr lang="en-US" altLang="zh-CN">
+                  <a:solidFill>
+                    <a:schemeClr val="tx1"/>
+                  </a:solidFill>
+                </a:rPr>
+                <a:t>43</a:t>
+              </a:r>
+              <a:endParaRPr lang="en-US" altLang="zh-CN">
+                <a:solidFill>
+                  <a:schemeClr val="tx1"/>
+                </a:solidFill>
+              </a:endParaRPr>
+            </a:p>
+          </p:txBody>
+        </p:sp>
+        <p:grpSp>
+          <p:nvGrpSpPr>
+            <p:cNvPr id="180" name="组合 179"/>
+            <p:cNvGrpSpPr/>
+            <p:nvPr/>
+          </p:nvGrpSpPr>
+          <p:grpSpPr>
+            <a:xfrm rot="0">
+              <a:off x="4226" y="4869"/>
+              <a:ext cx="869" cy="2703"/>
+              <a:chOff x="3067" y="1956"/>
+              <a:chExt cx="1574" cy="2117"/>
+            </a:xfrm>
+          </p:grpSpPr>
+          <p:cxnSp>
+            <p:nvCxnSpPr>
+              <p:cNvPr id="181" name="直接连接符 180"/>
+              <p:cNvCxnSpPr/>
+              <p:nvPr/>
+            </p:nvCxnSpPr>
+            <p:spPr>
+              <a:xfrm>
+                <a:off x="3083" y="1956"/>
+                <a:ext cx="0" cy="2117"/>
+              </a:xfrm>
+              <a:prstGeom prst="line">
+                <a:avLst/>
+              </a:prstGeom>
+              <a:ln w="22225">
+                <a:solidFill>
+                  <a:schemeClr val="accent2">
+                    <a:lumMod val="75000"/>
+                  </a:schemeClr>
+                </a:solidFill>
+              </a:ln>
+            </p:spPr>
+            <p:style>
+              <a:lnRef idx="1">
+                <a:schemeClr val="accent1"/>
+              </a:lnRef>
+              <a:fillRef idx="0">
+                <a:schemeClr val="accent1"/>
+              </a:fillRef>
+              <a:effectRef idx="0">
+                <a:schemeClr val="accent1"/>
+              </a:effectRef>
+              <a:fontRef idx="minor">
+                <a:schemeClr val="tx1"/>
+              </a:fontRef>
+            </p:style>
+          </p:cxnSp>
+          <p:cxnSp>
+            <p:nvCxnSpPr>
+              <p:cNvPr id="182" name="直接连接符 181"/>
+              <p:cNvCxnSpPr/>
+              <p:nvPr/>
+            </p:nvCxnSpPr>
+            <p:spPr>
+              <a:xfrm>
+                <a:off x="4622" y="1956"/>
+                <a:ext cx="0" cy="2117"/>
+              </a:xfrm>
+              <a:prstGeom prst="line">
+                <a:avLst/>
+              </a:prstGeom>
+              <a:ln w="22225">
+                <a:solidFill>
+                  <a:schemeClr val="accent2">
+                    <a:lumMod val="75000"/>
+                  </a:schemeClr>
+                </a:solidFill>
+              </a:ln>
+            </p:spPr>
+            <p:style>
+              <a:lnRef idx="1">
+                <a:schemeClr val="accent1"/>
+              </a:lnRef>
+              <a:fillRef idx="0">
+                <a:schemeClr val="accent1"/>
+              </a:fillRef>
+              <a:effectRef idx="0">
+                <a:schemeClr val="accent1"/>
+              </a:effectRef>
+              <a:fontRef idx="minor">
+                <a:schemeClr val="tx1"/>
+              </a:fontRef>
+            </p:style>
+          </p:cxnSp>
+          <p:cxnSp>
+            <p:nvCxnSpPr>
+              <p:cNvPr id="183" name="直接连接符 182"/>
+              <p:cNvCxnSpPr/>
+              <p:nvPr/>
+            </p:nvCxnSpPr>
+            <p:spPr>
+              <a:xfrm>
+                <a:off x="3067" y="4073"/>
+                <a:ext cx="1575" cy="0"/>
+              </a:xfrm>
+              <a:prstGeom prst="line">
+                <a:avLst/>
+              </a:prstGeom>
+              <a:ln w="22225">
+                <a:solidFill>
+                  <a:schemeClr val="accent2">
+                    <a:lumMod val="75000"/>
+                  </a:schemeClr>
+                </a:solidFill>
+              </a:ln>
+            </p:spPr>
+            <p:style>
+              <a:lnRef idx="1">
+                <a:schemeClr val="accent1"/>
+              </a:lnRef>
+              <a:fillRef idx="0">
+                <a:schemeClr val="accent1"/>
+              </a:fillRef>
+              <a:effectRef idx="0">
+                <a:schemeClr val="accent1"/>
+              </a:effectRef>
+              <a:fontRef idx="minor">
+                <a:schemeClr val="tx1"/>
+              </a:fontRef>
+            </p:style>
+          </p:cxnSp>
+        </p:grpSp>
+      </p:grpSp>
+      <p:cxnSp>
+        <p:nvCxnSpPr>
+          <p:cNvPr id="186" name="直接箭头连接符 185"/>
+          <p:cNvCxnSpPr/>
+          <p:nvPr/>
+        </p:nvCxnSpPr>
+        <p:spPr>
+          <a:xfrm>
+            <a:off x="3630295" y="4665980"/>
+            <a:ext cx="275590" cy="0"/>
+          </a:xfrm>
+          <a:prstGeom prst="straightConnector1">
+            <a:avLst/>
+          </a:prstGeom>
+          <a:ln w="47625">
+            <a:solidFill>
+              <a:schemeClr val="tx1"/>
+            </a:solidFill>
+            <a:tailEnd type="triangle"/>
+          </a:ln>
+        </p:spPr>
+        <p:style>
+          <a:lnRef idx="1">
+            <a:schemeClr val="accent1"/>
+          </a:lnRef>
+          <a:fillRef idx="0">
+            <a:schemeClr val="accent1"/>
+          </a:fillRef>
+          <a:effectRef idx="0">
+            <a:schemeClr val="accent1"/>
+          </a:effectRef>
+          <a:fontRef idx="minor">
+            <a:schemeClr val="tx1"/>
+          </a:fontRef>
+        </p:style>
+      </p:cxnSp>
+      <p:grpSp>
+        <p:nvGrpSpPr>
+          <p:cNvPr id="187" name="组合 186"/>
+          <p:cNvGrpSpPr/>
+          <p:nvPr/>
+        </p:nvGrpSpPr>
+        <p:grpSpPr>
+          <a:xfrm>
+            <a:off x="5984875" y="3883025"/>
+            <a:ext cx="1142365" cy="2237740"/>
+            <a:chOff x="6015" y="4869"/>
+            <a:chExt cx="1799" cy="3524"/>
+          </a:xfrm>
+        </p:grpSpPr>
+        <p:sp>
+          <p:nvSpPr>
+            <p:cNvPr id="188" name="矩形 187"/>
+            <p:cNvSpPr/>
+            <p:nvPr/>
+          </p:nvSpPr>
+          <p:spPr>
+            <a:xfrm>
+              <a:off x="7009" y="6837"/>
+              <a:ext cx="739" cy="648"/>
+            </a:xfrm>
+            <a:prstGeom prst="rect">
+              <a:avLst/>
+            </a:prstGeom>
+            <a:solidFill>
+              <a:schemeClr val="accent2">
+                <a:lumMod val="20000"/>
+                <a:lumOff val="80000"/>
+              </a:schemeClr>
+            </a:solidFill>
+            <a:ln w="25400"/>
+          </p:spPr>
+          <p:style>
+            <a:lnRef idx="1">
+              <a:schemeClr val="accent2"/>
+            </a:lnRef>
+            <a:fillRef idx="2">
+              <a:schemeClr val="accent2"/>
+            </a:fillRef>
+            <a:effectRef idx="1">
+              <a:schemeClr val="accent2"/>
+            </a:effectRef>
+            <a:fontRef idx="minor">
+              <a:schemeClr val="dk1"/>
+            </a:fontRef>
+          </p:style>
+          <p:txBody>
+            <a:bodyPr rtlCol="0" anchor="ctr"/>
+            <a:p>
+              <a:pPr algn="ctr"/>
+              <a:r>
+                <a:rPr lang="en-US" altLang="zh-CN">
+                  <a:solidFill>
+                    <a:schemeClr val="tx1"/>
+                  </a:solidFill>
+                </a:rPr>
+                <a:t>-</a:t>
+              </a:r>
+              <a:endParaRPr lang="en-US" altLang="zh-CN">
+                <a:solidFill>
+                  <a:schemeClr val="tx1"/>
+                </a:solidFill>
+              </a:endParaRPr>
+            </a:p>
+          </p:txBody>
+        </p:sp>
+        <p:grpSp>
+          <p:nvGrpSpPr>
+            <p:cNvPr id="189" name="组合 188"/>
+            <p:cNvGrpSpPr/>
+            <p:nvPr/>
+          </p:nvGrpSpPr>
+          <p:grpSpPr>
+            <a:xfrm rot="0">
+              <a:off x="6015" y="4869"/>
+              <a:ext cx="869" cy="2703"/>
+              <a:chOff x="3067" y="1956"/>
+              <a:chExt cx="1574" cy="2117"/>
+            </a:xfrm>
+          </p:grpSpPr>
+          <p:cxnSp>
+            <p:nvCxnSpPr>
+              <p:cNvPr id="190" name="直接连接符 189"/>
+              <p:cNvCxnSpPr/>
+              <p:nvPr/>
+            </p:nvCxnSpPr>
+            <p:spPr>
+              <a:xfrm>
+                <a:off x="3083" y="1956"/>
+                <a:ext cx="0" cy="2117"/>
+              </a:xfrm>
+              <a:prstGeom prst="line">
+                <a:avLst/>
+              </a:prstGeom>
+              <a:ln w="22225"/>
+            </p:spPr>
+            <p:style>
+              <a:lnRef idx="1">
+                <a:schemeClr val="accent1"/>
+              </a:lnRef>
+              <a:fillRef idx="0">
+                <a:schemeClr val="accent1"/>
+              </a:fillRef>
+              <a:effectRef idx="0">
+                <a:schemeClr val="accent1"/>
+              </a:effectRef>
+              <a:fontRef idx="minor">
+                <a:schemeClr val="tx1"/>
+              </a:fontRef>
+            </p:style>
+          </p:cxnSp>
+          <p:cxnSp>
+            <p:nvCxnSpPr>
+              <p:cNvPr id="191" name="直接连接符 190"/>
+              <p:cNvCxnSpPr/>
+              <p:nvPr/>
+            </p:nvCxnSpPr>
+            <p:spPr>
+              <a:xfrm>
+                <a:off x="4622" y="1956"/>
+                <a:ext cx="0" cy="2117"/>
+              </a:xfrm>
+              <a:prstGeom prst="line">
+                <a:avLst/>
+              </a:prstGeom>
+              <a:ln w="22225"/>
+            </p:spPr>
+            <p:style>
+              <a:lnRef idx="1">
+                <a:schemeClr val="accent1"/>
+              </a:lnRef>
+              <a:fillRef idx="0">
+                <a:schemeClr val="accent1"/>
+              </a:fillRef>
+              <a:effectRef idx="0">
+                <a:schemeClr val="accent1"/>
+              </a:effectRef>
+              <a:fontRef idx="minor">
+                <a:schemeClr val="tx1"/>
+              </a:fontRef>
+            </p:style>
+          </p:cxnSp>
+          <p:cxnSp>
+            <p:nvCxnSpPr>
+              <p:cNvPr id="192" name="直接连接符 191"/>
+              <p:cNvCxnSpPr/>
+              <p:nvPr/>
+            </p:nvCxnSpPr>
+            <p:spPr>
+              <a:xfrm>
+                <a:off x="3067" y="4073"/>
+                <a:ext cx="1575" cy="0"/>
+              </a:xfrm>
+              <a:prstGeom prst="line">
+                <a:avLst/>
+              </a:prstGeom>
+              <a:ln w="22225"/>
+            </p:spPr>
+            <p:style>
+              <a:lnRef idx="1">
+                <a:schemeClr val="accent1"/>
+              </a:lnRef>
+              <a:fillRef idx="0">
+                <a:schemeClr val="accent1"/>
+              </a:fillRef>
+              <a:effectRef idx="0">
+                <a:schemeClr val="accent1"/>
+              </a:effectRef>
+              <a:fontRef idx="minor">
+                <a:schemeClr val="tx1"/>
+              </a:fontRef>
+            </p:style>
+          </p:cxnSp>
+        </p:grpSp>
+        <p:sp>
+          <p:nvSpPr>
+            <p:cNvPr id="193" name="矩形 192"/>
+            <p:cNvSpPr/>
+            <p:nvPr/>
+          </p:nvSpPr>
+          <p:spPr>
+            <a:xfrm>
+              <a:off x="6080" y="6837"/>
+              <a:ext cx="738" cy="648"/>
+            </a:xfrm>
+            <a:prstGeom prst="rect">
+              <a:avLst/>
+            </a:prstGeom>
+            <a:solidFill>
+              <a:schemeClr val="accent1">
+                <a:lumMod val="20000"/>
+                <a:lumOff val="80000"/>
+              </a:schemeClr>
+            </a:solidFill>
+            <a:ln w="25400"/>
+          </p:spPr>
+          <p:style>
+            <a:lnRef idx="2">
+              <a:schemeClr val="accent1">
+                <a:shade val="50000"/>
+              </a:schemeClr>
+            </a:lnRef>
+            <a:fillRef idx="1">
+              <a:schemeClr val="accent1"/>
+            </a:fillRef>
+            <a:effectRef idx="0">
+              <a:schemeClr val="accent1"/>
+            </a:effectRef>
+            <a:fontRef idx="minor">
+              <a:schemeClr val="lt1"/>
+            </a:fontRef>
+          </p:style>
+          <p:txBody>
+            <a:bodyPr rtlCol="0" anchor="ctr"/>
+            <a:p>
+              <a:pPr algn="ctr"/>
+              <a:r>
+                <a:rPr lang="en-US" altLang="zh-CN">
+                  <a:solidFill>
+                    <a:schemeClr val="tx1"/>
+                  </a:solidFill>
+                </a:rPr>
+                <a:t>43</a:t>
+              </a:r>
+              <a:endParaRPr lang="en-US" altLang="zh-CN">
+                <a:solidFill>
+                  <a:schemeClr val="tx1"/>
+                </a:solidFill>
+              </a:endParaRPr>
+            </a:p>
+          </p:txBody>
+        </p:sp>
+        <p:grpSp>
+          <p:nvGrpSpPr>
+            <p:cNvPr id="194" name="组合 193"/>
+            <p:cNvGrpSpPr/>
+            <p:nvPr/>
+          </p:nvGrpSpPr>
+          <p:grpSpPr>
+            <a:xfrm rot="0">
+              <a:off x="6945" y="4869"/>
+              <a:ext cx="869" cy="2703"/>
+              <a:chOff x="3067" y="1956"/>
+              <a:chExt cx="1574" cy="2117"/>
+            </a:xfrm>
+          </p:grpSpPr>
+          <p:cxnSp>
+            <p:nvCxnSpPr>
+              <p:cNvPr id="195" name="直接连接符 194"/>
+              <p:cNvCxnSpPr/>
+              <p:nvPr/>
+            </p:nvCxnSpPr>
+            <p:spPr>
+              <a:xfrm>
+                <a:off x="3083" y="1956"/>
+                <a:ext cx="0" cy="2117"/>
+              </a:xfrm>
+              <a:prstGeom prst="line">
+                <a:avLst/>
+              </a:prstGeom>
+              <a:ln w="22225">
+                <a:solidFill>
+                  <a:schemeClr val="accent2">
+                    <a:lumMod val="75000"/>
+                  </a:schemeClr>
+                </a:solidFill>
+              </a:ln>
+            </p:spPr>
+            <p:style>
+              <a:lnRef idx="1">
+                <a:schemeClr val="accent1"/>
+              </a:lnRef>
+              <a:fillRef idx="0">
+                <a:schemeClr val="accent1"/>
+              </a:fillRef>
+              <a:effectRef idx="0">
+                <a:schemeClr val="accent1"/>
+              </a:effectRef>
+              <a:fontRef idx="minor">
+                <a:schemeClr val="tx1"/>
+              </a:fontRef>
+            </p:style>
+          </p:cxnSp>
+          <p:cxnSp>
+            <p:nvCxnSpPr>
+              <p:cNvPr id="196" name="直接连接符 195"/>
+              <p:cNvCxnSpPr/>
+              <p:nvPr/>
+            </p:nvCxnSpPr>
+            <p:spPr>
+              <a:xfrm>
+                <a:off x="4622" y="1956"/>
+                <a:ext cx="0" cy="2117"/>
+              </a:xfrm>
+              <a:prstGeom prst="line">
+                <a:avLst/>
+              </a:prstGeom>
+              <a:ln w="22225">
+                <a:solidFill>
+                  <a:schemeClr val="accent2">
+                    <a:lumMod val="75000"/>
+                  </a:schemeClr>
+                </a:solidFill>
+              </a:ln>
+            </p:spPr>
+            <p:style>
+              <a:lnRef idx="1">
+                <a:schemeClr val="accent1"/>
+              </a:lnRef>
+              <a:fillRef idx="0">
+                <a:schemeClr val="accent1"/>
+              </a:fillRef>
+              <a:effectRef idx="0">
+                <a:schemeClr val="accent1"/>
+              </a:effectRef>
+              <a:fontRef idx="minor">
+                <a:schemeClr val="tx1"/>
+              </a:fontRef>
+            </p:style>
+          </p:cxnSp>
+          <p:cxnSp>
+            <p:nvCxnSpPr>
+              <p:cNvPr id="197" name="直接连接符 196"/>
+              <p:cNvCxnSpPr/>
+              <p:nvPr/>
+            </p:nvCxnSpPr>
+            <p:spPr>
+              <a:xfrm>
+                <a:off x="3067" y="4073"/>
+                <a:ext cx="1575" cy="0"/>
+              </a:xfrm>
+              <a:prstGeom prst="line">
+                <a:avLst/>
+              </a:prstGeom>
+              <a:ln w="22225">
+                <a:solidFill>
+                  <a:schemeClr val="accent2">
+                    <a:lumMod val="75000"/>
+                  </a:schemeClr>
+                </a:solidFill>
+              </a:ln>
+            </p:spPr>
+            <p:style>
+              <a:lnRef idx="1">
+                <a:schemeClr val="accent1"/>
+              </a:lnRef>
+              <a:fillRef idx="0">
+                <a:schemeClr val="accent1"/>
+              </a:fillRef>
+              <a:effectRef idx="0">
+                <a:schemeClr val="accent1"/>
+              </a:effectRef>
+              <a:fontRef idx="minor">
+                <a:schemeClr val="tx1"/>
+              </a:fontRef>
+            </p:style>
+          </p:cxnSp>
+        </p:grpSp>
+        <p:sp>
+          <p:nvSpPr>
+            <p:cNvPr id="198" name="文本框 197"/>
+            <p:cNvSpPr txBox="1"/>
+            <p:nvPr/>
+          </p:nvSpPr>
+          <p:spPr>
+            <a:xfrm>
+              <a:off x="6529" y="7765"/>
+              <a:ext cx="689" cy="628"/>
+            </a:xfrm>
+            <a:prstGeom prst="rect">
+              <a:avLst/>
+            </a:prstGeom>
+            <a:noFill/>
+          </p:spPr>
+          <p:txBody>
+            <a:bodyPr wrap="square" rtlCol="0">
+              <a:spAutoFit/>
+            </a:bodyPr>
+            <a:p>
+              <a:r>
+                <a:rPr lang="zh-CN" altLang="en-US" sz="2000">
+                  <a:solidFill>
+                    <a:schemeClr val="tx1">
+                      <a:lumMod val="50000"/>
+                      <a:lumOff val="50000"/>
+                    </a:schemeClr>
+                  </a:solidFill>
+                  <a:latin typeface="PingFang SC" panose="020B0400000000000000" charset="-122"/>
+                  <a:ea typeface="PingFang SC" panose="020B0400000000000000" charset="-122"/>
+                  <a:cs typeface="PingFang SC Semibold" panose="020B0400000000000000" charset="-122"/>
+                </a:rPr>
+                <a:t>⑦</a:t>
+              </a:r>
+              <a:endParaRPr lang="zh-CN" altLang="en-US" sz="2000">
+                <a:solidFill>
+                  <a:schemeClr val="tx1">
+                    <a:lumMod val="50000"/>
+                    <a:lumOff val="50000"/>
+                  </a:schemeClr>
+                </a:solidFill>
+                <a:latin typeface="PingFang SC" panose="020B0400000000000000" charset="-122"/>
+                <a:ea typeface="PingFang SC" panose="020B0400000000000000" charset="-122"/>
+                <a:cs typeface="PingFang SC Semibold" panose="020B0400000000000000" charset="-122"/>
+              </a:endParaRPr>
+            </a:p>
+          </p:txBody>
+        </p:sp>
+        <p:sp>
+          <p:nvSpPr>
+            <p:cNvPr id="199" name="矩形 198"/>
+            <p:cNvSpPr/>
+            <p:nvPr/>
+          </p:nvSpPr>
+          <p:spPr>
+            <a:xfrm>
+              <a:off x="6086" y="6102"/>
+              <a:ext cx="738" cy="648"/>
+            </a:xfrm>
+            <a:prstGeom prst="rect">
+              <a:avLst/>
+            </a:prstGeom>
+            <a:solidFill>
+              <a:schemeClr val="accent1">
+                <a:lumMod val="20000"/>
+                <a:lumOff val="80000"/>
+              </a:schemeClr>
+            </a:solidFill>
+            <a:ln w="25400"/>
+          </p:spPr>
+          <p:style>
+            <a:lnRef idx="2">
+              <a:schemeClr val="accent1">
+                <a:shade val="50000"/>
+              </a:schemeClr>
+            </a:lnRef>
+            <a:fillRef idx="1">
+              <a:schemeClr val="accent1"/>
+            </a:fillRef>
+            <a:effectRef idx="0">
+              <a:schemeClr val="accent1"/>
+            </a:effectRef>
+            <a:fontRef idx="minor">
+              <a:schemeClr val="lt1"/>
+            </a:fontRef>
+          </p:style>
+          <p:txBody>
+            <a:bodyPr rtlCol="0" anchor="ctr"/>
+            <a:p>
+              <a:pPr algn="ctr"/>
+              <a:r>
+                <a:rPr lang="en-US" altLang="zh-CN">
+                  <a:solidFill>
+                    <a:schemeClr val="tx1"/>
+                  </a:solidFill>
+                </a:rPr>
+                <a:t>6</a:t>
+              </a:r>
+              <a:endParaRPr lang="en-US" altLang="zh-CN">
+                <a:solidFill>
+                  <a:schemeClr val="tx1"/>
+                </a:solidFill>
+              </a:endParaRPr>
+            </a:p>
+          </p:txBody>
+        </p:sp>
+      </p:grpSp>
+      <p:sp>
+        <p:nvSpPr>
+          <p:cNvPr id="201" name="文本框 200"/>
+          <p:cNvSpPr txBox="1"/>
+          <p:nvPr/>
+        </p:nvSpPr>
+        <p:spPr>
+          <a:xfrm>
+            <a:off x="7555865" y="5890260"/>
+            <a:ext cx="2461260" cy="737235"/>
+          </a:xfrm>
+          <a:prstGeom prst="rect">
+            <a:avLst/>
+          </a:prstGeom>
+          <a:noFill/>
+        </p:spPr>
+        <p:txBody>
+          <a:bodyPr wrap="square" rtlCol="0">
+            <a:spAutoFit/>
+          </a:bodyPr>
+          <a:p>
+            <a:r>
+              <a:rPr lang="zh-CN" altLang="en-US" sz="1400">
+                <a:latin typeface="PingFang SC Regular" panose="020B0400000000000000" charset="-122"/>
+                <a:ea typeface="PingFang SC Regular" panose="020B0400000000000000" charset="-122"/>
+                <a:cs typeface="PingFang SC Regular" panose="020B0400000000000000" charset="-122"/>
+              </a:rPr>
+              <a:t>表达式遍历结束，依次弹出栈内元素完成逻辑运算，得到结果：</a:t>
+            </a:r>
+            <a:r>
+              <a:rPr lang="en-US" altLang="zh-CN" sz="1400">
+                <a:latin typeface="PingFang SC Regular" panose="020B0400000000000000" charset="-122"/>
+                <a:ea typeface="PingFang SC Regular" panose="020B0400000000000000" charset="-122"/>
+                <a:cs typeface="PingFang SC Regular" panose="020B0400000000000000" charset="-122"/>
+              </a:rPr>
+              <a:t>37</a:t>
+            </a:r>
+            <a:endParaRPr lang="en-US" altLang="zh-CN" sz="1400">
+              <a:latin typeface="PingFang SC Regular" panose="020B0400000000000000" charset="-122"/>
+              <a:ea typeface="PingFang SC Regular" panose="020B0400000000000000" charset="-122"/>
+              <a:cs typeface="PingFang SC Regular" panose="020B0400000000000000" charset="-122"/>
+            </a:endParaRPr>
+          </a:p>
+        </p:txBody>
+      </p:sp>
+      <p:grpSp>
+        <p:nvGrpSpPr>
+          <p:cNvPr id="202" name="组合 201"/>
+          <p:cNvGrpSpPr/>
+          <p:nvPr/>
+        </p:nvGrpSpPr>
+        <p:grpSpPr>
+          <a:xfrm>
+            <a:off x="8103870" y="3883025"/>
+            <a:ext cx="1142365" cy="1716405"/>
+            <a:chOff x="6015" y="4869"/>
+            <a:chExt cx="1799" cy="2703"/>
+          </a:xfrm>
+        </p:grpSpPr>
+        <p:grpSp>
+          <p:nvGrpSpPr>
+            <p:cNvPr id="204" name="组合 203"/>
+            <p:cNvGrpSpPr/>
+            <p:nvPr/>
+          </p:nvGrpSpPr>
+          <p:grpSpPr>
+            <a:xfrm rot="0">
+              <a:off x="6015" y="4869"/>
+              <a:ext cx="869" cy="2703"/>
+              <a:chOff x="3067" y="1956"/>
+              <a:chExt cx="1574" cy="2117"/>
+            </a:xfrm>
+          </p:grpSpPr>
+          <p:cxnSp>
+            <p:nvCxnSpPr>
+              <p:cNvPr id="205" name="直接连接符 204"/>
+              <p:cNvCxnSpPr/>
+              <p:nvPr/>
+            </p:nvCxnSpPr>
+            <p:spPr>
+              <a:xfrm>
+                <a:off x="3083" y="1956"/>
+                <a:ext cx="0" cy="2117"/>
+              </a:xfrm>
+              <a:prstGeom prst="line">
+                <a:avLst/>
+              </a:prstGeom>
+              <a:ln w="22225"/>
+            </p:spPr>
+            <p:style>
+              <a:lnRef idx="1">
+                <a:schemeClr val="accent1"/>
+              </a:lnRef>
+              <a:fillRef idx="0">
+                <a:schemeClr val="accent1"/>
+              </a:fillRef>
+              <a:effectRef idx="0">
+                <a:schemeClr val="accent1"/>
+              </a:effectRef>
+              <a:fontRef idx="minor">
+                <a:schemeClr val="tx1"/>
+              </a:fontRef>
+            </p:style>
+          </p:cxnSp>
+          <p:cxnSp>
+            <p:nvCxnSpPr>
+              <p:cNvPr id="206" name="直接连接符 205"/>
+              <p:cNvCxnSpPr/>
+              <p:nvPr/>
+            </p:nvCxnSpPr>
+            <p:spPr>
+              <a:xfrm>
+                <a:off x="4622" y="1956"/>
+                <a:ext cx="0" cy="2117"/>
+              </a:xfrm>
+              <a:prstGeom prst="line">
+                <a:avLst/>
+              </a:prstGeom>
+              <a:ln w="22225"/>
+            </p:spPr>
+            <p:style>
+              <a:lnRef idx="1">
+                <a:schemeClr val="accent1"/>
+              </a:lnRef>
+              <a:fillRef idx="0">
+                <a:schemeClr val="accent1"/>
+              </a:fillRef>
+              <a:effectRef idx="0">
+                <a:schemeClr val="accent1"/>
+              </a:effectRef>
+              <a:fontRef idx="minor">
+                <a:schemeClr val="tx1"/>
+              </a:fontRef>
+            </p:style>
+          </p:cxnSp>
+          <p:cxnSp>
+            <p:nvCxnSpPr>
+              <p:cNvPr id="207" name="直接连接符 206"/>
+              <p:cNvCxnSpPr/>
+              <p:nvPr/>
+            </p:nvCxnSpPr>
+            <p:spPr>
+              <a:xfrm>
+                <a:off x="3067" y="4073"/>
+                <a:ext cx="1575" cy="0"/>
+              </a:xfrm>
+              <a:prstGeom prst="line">
+                <a:avLst/>
+              </a:prstGeom>
+              <a:ln w="22225"/>
+            </p:spPr>
+            <p:style>
+              <a:lnRef idx="1">
+                <a:schemeClr val="accent1"/>
+              </a:lnRef>
+              <a:fillRef idx="0">
+                <a:schemeClr val="accent1"/>
+              </a:fillRef>
+              <a:effectRef idx="0">
+                <a:schemeClr val="accent1"/>
+              </a:effectRef>
+              <a:fontRef idx="minor">
+                <a:schemeClr val="tx1"/>
+              </a:fontRef>
+            </p:style>
+          </p:cxnSp>
+        </p:grpSp>
+        <p:grpSp>
+          <p:nvGrpSpPr>
+            <p:cNvPr id="209" name="组合 208"/>
+            <p:cNvGrpSpPr/>
+            <p:nvPr/>
+          </p:nvGrpSpPr>
+          <p:grpSpPr>
+            <a:xfrm rot="0">
+              <a:off x="6945" y="4869"/>
+              <a:ext cx="869" cy="2703"/>
+              <a:chOff x="3067" y="1956"/>
+              <a:chExt cx="1574" cy="2117"/>
+            </a:xfrm>
+          </p:grpSpPr>
+          <p:cxnSp>
+            <p:nvCxnSpPr>
+              <p:cNvPr id="210" name="直接连接符 209"/>
+              <p:cNvCxnSpPr/>
+              <p:nvPr/>
+            </p:nvCxnSpPr>
+            <p:spPr>
+              <a:xfrm>
+                <a:off x="3083" y="1956"/>
+                <a:ext cx="0" cy="2117"/>
+              </a:xfrm>
+              <a:prstGeom prst="line">
+                <a:avLst/>
+              </a:prstGeom>
+              <a:ln w="22225">
+                <a:solidFill>
+                  <a:schemeClr val="accent2">
+                    <a:lumMod val="75000"/>
+                  </a:schemeClr>
+                </a:solidFill>
+              </a:ln>
+            </p:spPr>
+            <p:style>
+              <a:lnRef idx="1">
+                <a:schemeClr val="accent1"/>
+              </a:lnRef>
+              <a:fillRef idx="0">
+                <a:schemeClr val="accent1"/>
+              </a:fillRef>
+              <a:effectRef idx="0">
+                <a:schemeClr val="accent1"/>
+              </a:effectRef>
+              <a:fontRef idx="minor">
+                <a:schemeClr val="tx1"/>
+              </a:fontRef>
+            </p:style>
+          </p:cxnSp>
+          <p:cxnSp>
+            <p:nvCxnSpPr>
+              <p:cNvPr id="211" name="直接连接符 210"/>
+              <p:cNvCxnSpPr/>
+              <p:nvPr/>
+            </p:nvCxnSpPr>
+            <p:spPr>
+              <a:xfrm>
+                <a:off x="4622" y="1956"/>
+                <a:ext cx="0" cy="2117"/>
+              </a:xfrm>
+              <a:prstGeom prst="line">
+                <a:avLst/>
+              </a:prstGeom>
+              <a:ln w="22225">
+                <a:solidFill>
+                  <a:schemeClr val="accent2">
+                    <a:lumMod val="75000"/>
+                  </a:schemeClr>
+                </a:solidFill>
+              </a:ln>
+            </p:spPr>
+            <p:style>
+              <a:lnRef idx="1">
+                <a:schemeClr val="accent1"/>
+              </a:lnRef>
+              <a:fillRef idx="0">
+                <a:schemeClr val="accent1"/>
+              </a:fillRef>
+              <a:effectRef idx="0">
+                <a:schemeClr val="accent1"/>
+              </a:effectRef>
+              <a:fontRef idx="minor">
+                <a:schemeClr val="tx1"/>
+              </a:fontRef>
+            </p:style>
+          </p:cxnSp>
+          <p:cxnSp>
+            <p:nvCxnSpPr>
+              <p:cNvPr id="212" name="直接连接符 211"/>
+              <p:cNvCxnSpPr/>
+              <p:nvPr/>
+            </p:nvCxnSpPr>
+            <p:spPr>
+              <a:xfrm>
+                <a:off x="3067" y="4073"/>
+                <a:ext cx="1575" cy="0"/>
+              </a:xfrm>
+              <a:prstGeom prst="line">
+                <a:avLst/>
+              </a:prstGeom>
+              <a:ln w="22225">
+                <a:solidFill>
+                  <a:schemeClr val="accent2">
+                    <a:lumMod val="75000"/>
+                  </a:schemeClr>
+                </a:solidFill>
+              </a:ln>
+            </p:spPr>
+            <p:style>
+              <a:lnRef idx="1">
+                <a:schemeClr val="accent1"/>
+              </a:lnRef>
+              <a:fillRef idx="0">
+                <a:schemeClr val="accent1"/>
+              </a:fillRef>
+              <a:effectRef idx="0">
+                <a:schemeClr val="accent1"/>
+              </a:effectRef>
+              <a:fontRef idx="minor">
+                <a:schemeClr val="tx1"/>
+              </a:fontRef>
+            </p:style>
+          </p:cxnSp>
+        </p:grpSp>
+      </p:grpSp>
+    </p:spTree>
+  </p:cSld>
+  <p:clrMapOvr>
+    <a:masterClrMapping/>
+  </p:clrMapOvr>
+</p:sld>
+</file>
+
 <file path=ppt/theme/theme1.xml><?xml version="1.0" encoding="utf-8"?>
 <a:theme xmlns:a="http://schemas.openxmlformats.org/drawingml/2006/main" name="Office 主题">
   <a:themeElements>

--- a/ForceTree/数据结构和算法/数据结构与算法之美/Images/数据结构与算法之美_笔记配图.pptx
+++ b/ForceTree/数据结构和算法/数据结构与算法之美/Images/数据结构与算法之美_笔记配图.pptx
@@ -19,6 +19,8 @@
     <p:sldId id="267" r:id="rId14"/>
     <p:sldId id="268" r:id="rId15"/>
     <p:sldId id="269" r:id="rId16"/>
+    <p:sldId id="270" r:id="rId17"/>
+    <p:sldId id="271" r:id="rId18"/>
   </p:sldIdLst>
   <p:sldSz cx="12192000" cy="6858000"/>
   <p:notesSz cx="7103745" cy="10234295"/>
@@ -14228,6 +14230,2370 @@
               <a:solidFill>
                 <a:schemeClr val="accent1">
                   <a:shade val="50000"/>
+                </a:schemeClr>
+              </a:solidFill>
+              <a:prstDash val="solid"/>
+              <a:tailEnd type="arrow"/>
+            </a:ln>
+          </p:spPr>
+          <p:style>
+            <a:lnRef idx="1">
+              <a:schemeClr val="accent1"/>
+            </a:lnRef>
+            <a:fillRef idx="0">
+              <a:schemeClr val="accent1"/>
+            </a:fillRef>
+            <a:effectRef idx="0">
+              <a:schemeClr val="accent1"/>
+            </a:effectRef>
+            <a:fontRef idx="minor">
+              <a:schemeClr val="tx1"/>
+            </a:fontRef>
+          </p:style>
+        </p:cxnSp>
+      </p:grpSp>
+    </p:spTree>
+  </p:cSld>
+  <p:clrMapOvr>
+    <a:masterClrMapping/>
+  </p:clrMapOvr>
+</p:sld>
+</file>
+
+<file path=ppt/slides/slide15.xml><?xml version="1.0" encoding="utf-8"?>
+<p:sld xmlns:a="http://schemas.openxmlformats.org/drawingml/2006/main" xmlns:r="http://schemas.openxmlformats.org/officeDocument/2006/relationships" xmlns:p="http://schemas.openxmlformats.org/presentationml/2006/main">
+  <p:cSld>
+    <p:spTree>
+      <p:nvGrpSpPr>
+        <p:cNvPr id="1" name=""/>
+        <p:cNvGrpSpPr/>
+        <p:nvPr/>
+      </p:nvGrpSpPr>
+      <p:grpSpPr/>
+      <p:grpSp>
+        <p:nvGrpSpPr>
+          <p:cNvPr id="53" name="组合 52"/>
+          <p:cNvGrpSpPr/>
+          <p:nvPr/>
+        </p:nvGrpSpPr>
+        <p:grpSpPr>
+          <a:xfrm>
+            <a:off x="4549140" y="3037840"/>
+            <a:ext cx="2995930" cy="433705"/>
+            <a:chOff x="7775" y="8919"/>
+            <a:chExt cx="4272" cy="683"/>
+          </a:xfrm>
+        </p:grpSpPr>
+        <p:cxnSp>
+          <p:nvCxnSpPr>
+            <p:cNvPr id="54" name="直接连接符 53"/>
+            <p:cNvCxnSpPr/>
+            <p:nvPr/>
+          </p:nvCxnSpPr>
+          <p:spPr>
+            <a:xfrm>
+              <a:off x="7775" y="8919"/>
+              <a:ext cx="4273" cy="0"/>
+            </a:xfrm>
+            <a:prstGeom prst="line">
+              <a:avLst/>
+            </a:prstGeom>
+            <a:ln w="22225"/>
+          </p:spPr>
+          <p:style>
+            <a:lnRef idx="1">
+              <a:schemeClr val="accent1"/>
+            </a:lnRef>
+            <a:fillRef idx="0">
+              <a:schemeClr val="accent1"/>
+            </a:fillRef>
+            <a:effectRef idx="0">
+              <a:schemeClr val="accent1"/>
+            </a:effectRef>
+            <a:fontRef idx="minor">
+              <a:schemeClr val="tx1"/>
+            </a:fontRef>
+          </p:style>
+        </p:cxnSp>
+        <p:cxnSp>
+          <p:nvCxnSpPr>
+            <p:cNvPr id="59" name="直接连接符 58"/>
+            <p:cNvCxnSpPr/>
+            <p:nvPr/>
+          </p:nvCxnSpPr>
+          <p:spPr>
+            <a:xfrm>
+              <a:off x="7775" y="9602"/>
+              <a:ext cx="4273" cy="0"/>
+            </a:xfrm>
+            <a:prstGeom prst="line">
+              <a:avLst/>
+            </a:prstGeom>
+            <a:ln w="22225"/>
+          </p:spPr>
+          <p:style>
+            <a:lnRef idx="1">
+              <a:schemeClr val="accent1"/>
+            </a:lnRef>
+            <a:fillRef idx="0">
+              <a:schemeClr val="accent1"/>
+            </a:fillRef>
+            <a:effectRef idx="0">
+              <a:schemeClr val="accent1"/>
+            </a:effectRef>
+            <a:fontRef idx="minor">
+              <a:schemeClr val="tx1"/>
+            </a:fontRef>
+          </p:style>
+        </p:cxnSp>
+      </p:grpSp>
+      <p:sp>
+        <p:nvSpPr>
+          <p:cNvPr id="60" name="矩形 59"/>
+          <p:cNvSpPr/>
+          <p:nvPr/>
+        </p:nvSpPr>
+        <p:spPr>
+          <a:xfrm>
+            <a:off x="4612005" y="3058795"/>
+            <a:ext cx="403225" cy="392430"/>
+          </a:xfrm>
+          <a:prstGeom prst="rect">
+            <a:avLst/>
+          </a:prstGeom>
+          <a:solidFill>
+            <a:schemeClr val="accent1">
+              <a:lumMod val="20000"/>
+              <a:lumOff val="80000"/>
+            </a:schemeClr>
+          </a:solidFill>
+          <a:ln w="28575" cmpd="sng">
+            <a:solidFill>
+              <a:schemeClr val="accent1">
+                <a:lumMod val="50000"/>
+              </a:schemeClr>
+            </a:solidFill>
+            <a:prstDash val="solid"/>
+          </a:ln>
+        </p:spPr>
+        <p:style>
+          <a:lnRef idx="2">
+            <a:schemeClr val="accent3"/>
+          </a:lnRef>
+          <a:fillRef idx="1">
+            <a:schemeClr val="lt1"/>
+          </a:fillRef>
+          <a:effectRef idx="0">
+            <a:schemeClr val="accent3"/>
+          </a:effectRef>
+          <a:fontRef idx="minor">
+            <a:schemeClr val="dk1"/>
+          </a:fontRef>
+        </p:style>
+        <p:txBody>
+          <a:bodyPr rtlCol="0" anchor="ctr"/>
+          <a:p>
+            <a:pPr algn="ctr"/>
+            <a:endParaRPr lang="en-US" altLang="zh-CN" sz="1200">
+              <a:solidFill>
+                <a:schemeClr val="tx1"/>
+              </a:solidFill>
+            </a:endParaRPr>
+          </a:p>
+        </p:txBody>
+      </p:sp>
+      <p:sp>
+        <p:nvSpPr>
+          <p:cNvPr id="61" name="矩形 60"/>
+          <p:cNvSpPr/>
+          <p:nvPr/>
+        </p:nvSpPr>
+        <p:spPr>
+          <a:xfrm>
+            <a:off x="5015230" y="3059430"/>
+            <a:ext cx="403225" cy="392430"/>
+          </a:xfrm>
+          <a:prstGeom prst="rect">
+            <a:avLst/>
+          </a:prstGeom>
+          <a:solidFill>
+            <a:schemeClr val="accent1">
+              <a:lumMod val="20000"/>
+              <a:lumOff val="80000"/>
+            </a:schemeClr>
+          </a:solidFill>
+          <a:ln w="28575" cmpd="sng">
+            <a:solidFill>
+              <a:schemeClr val="accent1">
+                <a:lumMod val="50000"/>
+              </a:schemeClr>
+            </a:solidFill>
+            <a:prstDash val="solid"/>
+          </a:ln>
+        </p:spPr>
+        <p:style>
+          <a:lnRef idx="2">
+            <a:schemeClr val="accent1">
+              <a:shade val="50000"/>
+            </a:schemeClr>
+          </a:lnRef>
+          <a:fillRef idx="1">
+            <a:schemeClr val="accent1"/>
+          </a:fillRef>
+          <a:effectRef idx="0">
+            <a:schemeClr val="accent1"/>
+          </a:effectRef>
+          <a:fontRef idx="minor">
+            <a:schemeClr val="lt1"/>
+          </a:fontRef>
+        </p:style>
+        <p:txBody>
+          <a:bodyPr rtlCol="0" anchor="ctr"/>
+          <a:p>
+            <a:pPr algn="ctr"/>
+            <a:endParaRPr lang="en-US" altLang="zh-CN" sz="1200">
+              <a:solidFill>
+                <a:schemeClr val="tx1"/>
+              </a:solidFill>
+            </a:endParaRPr>
+          </a:p>
+        </p:txBody>
+      </p:sp>
+      <p:sp>
+        <p:nvSpPr>
+          <p:cNvPr id="62" name="矩形 61"/>
+          <p:cNvSpPr/>
+          <p:nvPr/>
+        </p:nvSpPr>
+        <p:spPr>
+          <a:xfrm>
+            <a:off x="5420360" y="3058795"/>
+            <a:ext cx="403225" cy="392430"/>
+          </a:xfrm>
+          <a:prstGeom prst="rect">
+            <a:avLst/>
+          </a:prstGeom>
+          <a:solidFill>
+            <a:schemeClr val="accent1">
+              <a:lumMod val="20000"/>
+              <a:lumOff val="80000"/>
+            </a:schemeClr>
+          </a:solidFill>
+          <a:ln w="25400">
+            <a:solidFill>
+              <a:schemeClr val="accent1">
+                <a:lumMod val="50000"/>
+              </a:schemeClr>
+            </a:solidFill>
+          </a:ln>
+        </p:spPr>
+        <p:style>
+          <a:lnRef idx="2">
+            <a:schemeClr val="accent1">
+              <a:shade val="50000"/>
+            </a:schemeClr>
+          </a:lnRef>
+          <a:fillRef idx="1">
+            <a:schemeClr val="accent1"/>
+          </a:fillRef>
+          <a:effectRef idx="0">
+            <a:schemeClr val="accent1"/>
+          </a:effectRef>
+          <a:fontRef idx="minor">
+            <a:schemeClr val="lt1"/>
+          </a:fontRef>
+        </p:style>
+        <p:txBody>
+          <a:bodyPr rtlCol="0" anchor="ctr"/>
+          <a:p>
+            <a:pPr algn="ctr"/>
+            <a:endParaRPr lang="en-US" altLang="zh-CN" sz="1200">
+              <a:solidFill>
+                <a:schemeClr val="tx1"/>
+              </a:solidFill>
+            </a:endParaRPr>
+          </a:p>
+        </p:txBody>
+      </p:sp>
+      <p:sp>
+        <p:nvSpPr>
+          <p:cNvPr id="63" name="矩形 62"/>
+          <p:cNvSpPr/>
+          <p:nvPr/>
+        </p:nvSpPr>
+        <p:spPr>
+          <a:xfrm>
+            <a:off x="5825490" y="3059430"/>
+            <a:ext cx="403225" cy="392430"/>
+          </a:xfrm>
+          <a:prstGeom prst="rect">
+            <a:avLst/>
+          </a:prstGeom>
+          <a:solidFill>
+            <a:schemeClr val="accent1">
+              <a:lumMod val="20000"/>
+              <a:lumOff val="80000"/>
+            </a:schemeClr>
+          </a:solidFill>
+          <a:ln w="25400">
+            <a:solidFill>
+              <a:schemeClr val="accent1">
+                <a:lumMod val="50000"/>
+              </a:schemeClr>
+            </a:solidFill>
+          </a:ln>
+        </p:spPr>
+        <p:style>
+          <a:lnRef idx="2">
+            <a:schemeClr val="accent1">
+              <a:shade val="50000"/>
+            </a:schemeClr>
+          </a:lnRef>
+          <a:fillRef idx="1">
+            <a:schemeClr val="accent1"/>
+          </a:fillRef>
+          <a:effectRef idx="0">
+            <a:schemeClr val="accent1"/>
+          </a:effectRef>
+          <a:fontRef idx="minor">
+            <a:schemeClr val="lt1"/>
+          </a:fontRef>
+        </p:style>
+        <p:txBody>
+          <a:bodyPr rtlCol="0" anchor="ctr"/>
+          <a:p>
+            <a:pPr algn="ctr"/>
+            <a:endParaRPr lang="en-US" altLang="zh-CN" sz="1200">
+              <a:solidFill>
+                <a:schemeClr val="tx1"/>
+              </a:solidFill>
+            </a:endParaRPr>
+          </a:p>
+        </p:txBody>
+      </p:sp>
+      <p:sp>
+        <p:nvSpPr>
+          <p:cNvPr id="64" name="矩形 63"/>
+          <p:cNvSpPr/>
+          <p:nvPr/>
+        </p:nvSpPr>
+        <p:spPr>
+          <a:xfrm>
+            <a:off x="7040880" y="3058795"/>
+            <a:ext cx="403225" cy="392430"/>
+          </a:xfrm>
+          <a:prstGeom prst="rect">
+            <a:avLst/>
+          </a:prstGeom>
+          <a:solidFill>
+            <a:schemeClr val="accent1">
+              <a:lumMod val="20000"/>
+              <a:lumOff val="80000"/>
+            </a:schemeClr>
+          </a:solidFill>
+          <a:ln w="28575" cmpd="sng">
+            <a:solidFill>
+              <a:schemeClr val="accent1">
+                <a:lumMod val="50000"/>
+              </a:schemeClr>
+            </a:solidFill>
+            <a:prstDash val="solid"/>
+          </a:ln>
+        </p:spPr>
+        <p:style>
+          <a:lnRef idx="2">
+            <a:schemeClr val="accent1">
+              <a:shade val="50000"/>
+            </a:schemeClr>
+          </a:lnRef>
+          <a:fillRef idx="1">
+            <a:schemeClr val="accent1"/>
+          </a:fillRef>
+          <a:effectRef idx="0">
+            <a:schemeClr val="accent1"/>
+          </a:effectRef>
+          <a:fontRef idx="minor">
+            <a:schemeClr val="lt1"/>
+          </a:fontRef>
+        </p:style>
+        <p:txBody>
+          <a:bodyPr rtlCol="0" anchor="ctr"/>
+          <a:p>
+            <a:pPr algn="ctr"/>
+            <a:endParaRPr lang="en-US" altLang="zh-CN" sz="1200">
+              <a:solidFill>
+                <a:schemeClr val="tx1"/>
+              </a:solidFill>
+            </a:endParaRPr>
+          </a:p>
+        </p:txBody>
+      </p:sp>
+      <p:sp>
+        <p:nvSpPr>
+          <p:cNvPr id="65" name="矩形 64"/>
+          <p:cNvSpPr/>
+          <p:nvPr/>
+        </p:nvSpPr>
+        <p:spPr>
+          <a:xfrm>
+            <a:off x="6230620" y="3058795"/>
+            <a:ext cx="403225" cy="392430"/>
+          </a:xfrm>
+          <a:prstGeom prst="rect">
+            <a:avLst/>
+          </a:prstGeom>
+          <a:solidFill>
+            <a:schemeClr val="accent1">
+              <a:lumMod val="20000"/>
+              <a:lumOff val="80000"/>
+            </a:schemeClr>
+          </a:solidFill>
+          <a:ln w="25400">
+            <a:solidFill>
+              <a:schemeClr val="accent1">
+                <a:lumMod val="50000"/>
+              </a:schemeClr>
+            </a:solidFill>
+          </a:ln>
+        </p:spPr>
+        <p:style>
+          <a:lnRef idx="2">
+            <a:schemeClr val="accent1">
+              <a:shade val="50000"/>
+            </a:schemeClr>
+          </a:lnRef>
+          <a:fillRef idx="1">
+            <a:schemeClr val="accent1"/>
+          </a:fillRef>
+          <a:effectRef idx="0">
+            <a:schemeClr val="accent1"/>
+          </a:effectRef>
+          <a:fontRef idx="minor">
+            <a:schemeClr val="lt1"/>
+          </a:fontRef>
+        </p:style>
+        <p:txBody>
+          <a:bodyPr rtlCol="0" anchor="ctr"/>
+          <a:p>
+            <a:pPr algn="ctr"/>
+            <a:endParaRPr lang="en-US" altLang="zh-CN" sz="1200">
+              <a:solidFill>
+                <a:schemeClr val="tx1"/>
+              </a:solidFill>
+            </a:endParaRPr>
+          </a:p>
+        </p:txBody>
+      </p:sp>
+      <p:sp>
+        <p:nvSpPr>
+          <p:cNvPr id="73" name="矩形 72"/>
+          <p:cNvSpPr/>
+          <p:nvPr/>
+        </p:nvSpPr>
+        <p:spPr>
+          <a:xfrm>
+            <a:off x="6635750" y="3058795"/>
+            <a:ext cx="403225" cy="392430"/>
+          </a:xfrm>
+          <a:prstGeom prst="rect">
+            <a:avLst/>
+          </a:prstGeom>
+          <a:solidFill>
+            <a:schemeClr val="accent1">
+              <a:lumMod val="20000"/>
+              <a:lumOff val="80000"/>
+            </a:schemeClr>
+          </a:solidFill>
+          <a:ln w="28575" cmpd="sng">
+            <a:solidFill>
+              <a:schemeClr val="accent1">
+                <a:lumMod val="50000"/>
+              </a:schemeClr>
+            </a:solidFill>
+            <a:prstDash val="solid"/>
+          </a:ln>
+        </p:spPr>
+        <p:style>
+          <a:lnRef idx="2">
+            <a:schemeClr val="accent1">
+              <a:shade val="50000"/>
+            </a:schemeClr>
+          </a:lnRef>
+          <a:fillRef idx="1">
+            <a:schemeClr val="accent1"/>
+          </a:fillRef>
+          <a:effectRef idx="0">
+            <a:schemeClr val="accent1"/>
+          </a:effectRef>
+          <a:fontRef idx="minor">
+            <a:schemeClr val="lt1"/>
+          </a:fontRef>
+        </p:style>
+        <p:txBody>
+          <a:bodyPr rtlCol="0" anchor="ctr"/>
+          <a:p>
+            <a:pPr algn="ctr"/>
+            <a:endParaRPr lang="en-US" altLang="zh-CN" sz="1200">
+              <a:solidFill>
+                <a:schemeClr val="tx1"/>
+              </a:solidFill>
+            </a:endParaRPr>
+          </a:p>
+        </p:txBody>
+      </p:sp>
+      <p:sp>
+        <p:nvSpPr>
+          <p:cNvPr id="74" name="椭圆 73"/>
+          <p:cNvSpPr/>
+          <p:nvPr/>
+        </p:nvSpPr>
+        <p:spPr>
+          <a:xfrm>
+            <a:off x="8399780" y="2167255"/>
+            <a:ext cx="2038350" cy="586105"/>
+          </a:xfrm>
+          <a:prstGeom prst="ellipse">
+            <a:avLst/>
+          </a:prstGeom>
+          <a:ln w="28575" cmpd="sng">
+            <a:solidFill>
+              <a:schemeClr val="accent2">
+                <a:lumMod val="75000"/>
+              </a:schemeClr>
+            </a:solidFill>
+            <a:prstDash val="solid"/>
+          </a:ln>
+        </p:spPr>
+        <p:style>
+          <a:lnRef idx="2">
+            <a:schemeClr val="accent3"/>
+          </a:lnRef>
+          <a:fillRef idx="1">
+            <a:schemeClr val="lt1"/>
+          </a:fillRef>
+          <a:effectRef idx="0">
+            <a:schemeClr val="accent3"/>
+          </a:effectRef>
+          <a:fontRef idx="minor">
+            <a:schemeClr val="dk1"/>
+          </a:fontRef>
+        </p:style>
+        <p:txBody>
+          <a:bodyPr rtlCol="0" anchor="ctr"/>
+          <a:p>
+            <a:pPr algn="ctr"/>
+            <a:r>
+              <a:rPr lang="zh-CN" altLang="en-US">
+                <a:latin typeface="微软雅黑" charset="0"/>
+                <a:ea typeface="微软雅黑" charset="0"/>
+                <a:cs typeface="微软雅黑" charset="0"/>
+              </a:rPr>
+              <a:t>消费者</a:t>
+            </a:r>
+            <a:r>
+              <a:rPr lang="en-US" altLang="zh-CN">
+                <a:latin typeface="微软雅黑" charset="0"/>
+                <a:ea typeface="微软雅黑" charset="0"/>
+                <a:cs typeface="微软雅黑" charset="0"/>
+              </a:rPr>
+              <a:t>1</a:t>
+            </a:r>
+            <a:endParaRPr lang="en-US" altLang="zh-CN">
+              <a:latin typeface="微软雅黑" charset="0"/>
+              <a:ea typeface="微软雅黑" charset="0"/>
+              <a:cs typeface="微软雅黑" charset="0"/>
+            </a:endParaRPr>
+          </a:p>
+        </p:txBody>
+      </p:sp>
+      <p:sp>
+        <p:nvSpPr>
+          <p:cNvPr id="75" name="椭圆 74"/>
+          <p:cNvSpPr/>
+          <p:nvPr/>
+        </p:nvSpPr>
+        <p:spPr>
+          <a:xfrm>
+            <a:off x="8399780" y="2961640"/>
+            <a:ext cx="2038350" cy="586105"/>
+          </a:xfrm>
+          <a:prstGeom prst="ellipse">
+            <a:avLst/>
+          </a:prstGeom>
+          <a:ln w="28575" cmpd="sng">
+            <a:solidFill>
+              <a:schemeClr val="accent2">
+                <a:lumMod val="75000"/>
+              </a:schemeClr>
+            </a:solidFill>
+            <a:prstDash val="solid"/>
+          </a:ln>
+        </p:spPr>
+        <p:style>
+          <a:lnRef idx="2">
+            <a:schemeClr val="accent3"/>
+          </a:lnRef>
+          <a:fillRef idx="1">
+            <a:schemeClr val="lt1"/>
+          </a:fillRef>
+          <a:effectRef idx="0">
+            <a:schemeClr val="accent3"/>
+          </a:effectRef>
+          <a:fontRef idx="minor">
+            <a:schemeClr val="dk1"/>
+          </a:fontRef>
+        </p:style>
+        <p:txBody>
+          <a:bodyPr rtlCol="0" anchor="ctr"/>
+          <a:p>
+            <a:pPr algn="ctr"/>
+            <a:r>
+              <a:rPr lang="zh-CN" altLang="en-US">
+                <a:latin typeface="微软雅黑" charset="0"/>
+                <a:ea typeface="微软雅黑" charset="0"/>
+                <a:cs typeface="微软雅黑" charset="0"/>
+              </a:rPr>
+              <a:t>消费者</a:t>
+            </a:r>
+            <a:r>
+              <a:rPr lang="en-US" altLang="zh-CN">
+                <a:latin typeface="微软雅黑" charset="0"/>
+                <a:ea typeface="微软雅黑" charset="0"/>
+                <a:cs typeface="微软雅黑" charset="0"/>
+              </a:rPr>
+              <a:t>2</a:t>
+            </a:r>
+            <a:endParaRPr lang="en-US" altLang="zh-CN">
+              <a:latin typeface="微软雅黑" charset="0"/>
+              <a:ea typeface="微软雅黑" charset="0"/>
+              <a:cs typeface="微软雅黑" charset="0"/>
+            </a:endParaRPr>
+          </a:p>
+        </p:txBody>
+      </p:sp>
+      <p:sp>
+        <p:nvSpPr>
+          <p:cNvPr id="76" name="椭圆 75"/>
+          <p:cNvSpPr/>
+          <p:nvPr/>
+        </p:nvSpPr>
+        <p:spPr>
+          <a:xfrm>
+            <a:off x="8399780" y="3756025"/>
+            <a:ext cx="2038350" cy="586105"/>
+          </a:xfrm>
+          <a:prstGeom prst="ellipse">
+            <a:avLst/>
+          </a:prstGeom>
+          <a:ln w="28575" cmpd="sng">
+            <a:solidFill>
+              <a:schemeClr val="accent2">
+                <a:lumMod val="75000"/>
+              </a:schemeClr>
+            </a:solidFill>
+            <a:prstDash val="solid"/>
+          </a:ln>
+        </p:spPr>
+        <p:style>
+          <a:lnRef idx="2">
+            <a:schemeClr val="accent3"/>
+          </a:lnRef>
+          <a:fillRef idx="1">
+            <a:schemeClr val="lt1"/>
+          </a:fillRef>
+          <a:effectRef idx="0">
+            <a:schemeClr val="accent3"/>
+          </a:effectRef>
+          <a:fontRef idx="minor">
+            <a:schemeClr val="dk1"/>
+          </a:fontRef>
+        </p:style>
+        <p:txBody>
+          <a:bodyPr rtlCol="0" anchor="ctr"/>
+          <a:p>
+            <a:pPr algn="ctr"/>
+            <a:r>
+              <a:rPr lang="zh-CN" altLang="en-US">
+                <a:latin typeface="微软雅黑" charset="0"/>
+                <a:ea typeface="微软雅黑" charset="0"/>
+                <a:cs typeface="微软雅黑" charset="0"/>
+              </a:rPr>
+              <a:t>消费者</a:t>
+            </a:r>
+            <a:r>
+              <a:rPr lang="en-US" altLang="zh-CN">
+                <a:latin typeface="微软雅黑" charset="0"/>
+                <a:ea typeface="微软雅黑" charset="0"/>
+                <a:cs typeface="微软雅黑" charset="0"/>
+              </a:rPr>
+              <a:t>3</a:t>
+            </a:r>
+            <a:endParaRPr lang="en-US" altLang="zh-CN">
+              <a:latin typeface="微软雅黑" charset="0"/>
+              <a:ea typeface="微软雅黑" charset="0"/>
+              <a:cs typeface="微软雅黑" charset="0"/>
+            </a:endParaRPr>
+          </a:p>
+        </p:txBody>
+      </p:sp>
+      <p:sp>
+        <p:nvSpPr>
+          <p:cNvPr id="77" name="椭圆 76"/>
+          <p:cNvSpPr/>
+          <p:nvPr/>
+        </p:nvSpPr>
+        <p:spPr>
+          <a:xfrm>
+            <a:off x="1763395" y="2961640"/>
+            <a:ext cx="2038350" cy="586105"/>
+          </a:xfrm>
+          <a:prstGeom prst="ellipse">
+            <a:avLst/>
+          </a:prstGeom>
+          <a:ln w="28575" cmpd="sng">
+            <a:solidFill>
+              <a:schemeClr val="accent6">
+                <a:lumMod val="75000"/>
+              </a:schemeClr>
+            </a:solidFill>
+            <a:prstDash val="solid"/>
+          </a:ln>
+        </p:spPr>
+        <p:style>
+          <a:lnRef idx="2">
+            <a:schemeClr val="accent3"/>
+          </a:lnRef>
+          <a:fillRef idx="1">
+            <a:schemeClr val="lt1"/>
+          </a:fillRef>
+          <a:effectRef idx="0">
+            <a:schemeClr val="accent3"/>
+          </a:effectRef>
+          <a:fontRef idx="minor">
+            <a:schemeClr val="dk1"/>
+          </a:fontRef>
+        </p:style>
+        <p:txBody>
+          <a:bodyPr rtlCol="0" anchor="ctr"/>
+          <a:p>
+            <a:pPr algn="ctr"/>
+            <a:r>
+              <a:rPr lang="zh-CN" altLang="en-US">
+                <a:latin typeface="微软雅黑" charset="0"/>
+                <a:ea typeface="微软雅黑" charset="0"/>
+                <a:cs typeface="微软雅黑" charset="0"/>
+              </a:rPr>
+              <a:t>生产者</a:t>
+            </a:r>
+            <a:endParaRPr lang="zh-CN" altLang="en-US">
+              <a:latin typeface="微软雅黑" charset="0"/>
+              <a:ea typeface="微软雅黑" charset="0"/>
+              <a:cs typeface="微软雅黑" charset="0"/>
+            </a:endParaRPr>
+          </a:p>
+        </p:txBody>
+      </p:sp>
+      <p:cxnSp>
+        <p:nvCxnSpPr>
+          <p:cNvPr id="78" name="直接箭头连接符 77"/>
+          <p:cNvCxnSpPr/>
+          <p:nvPr/>
+        </p:nvCxnSpPr>
+        <p:spPr>
+          <a:xfrm>
+            <a:off x="3963670" y="3242310"/>
+            <a:ext cx="450850" cy="0"/>
+          </a:xfrm>
+          <a:prstGeom prst="straightConnector1">
+            <a:avLst/>
+          </a:prstGeom>
+          <a:ln w="28575" cmpd="sng">
+            <a:solidFill>
+              <a:schemeClr val="accent1">
+                <a:lumMod val="50000"/>
+              </a:schemeClr>
+            </a:solidFill>
+            <a:prstDash val="solid"/>
+            <a:tailEnd type="arrow"/>
+          </a:ln>
+        </p:spPr>
+        <p:style>
+          <a:lnRef idx="1">
+            <a:schemeClr val="accent1"/>
+          </a:lnRef>
+          <a:fillRef idx="0">
+            <a:schemeClr val="accent1"/>
+          </a:fillRef>
+          <a:effectRef idx="0">
+            <a:schemeClr val="accent1"/>
+          </a:effectRef>
+          <a:fontRef idx="minor">
+            <a:schemeClr val="tx1"/>
+          </a:fontRef>
+        </p:style>
+      </p:cxnSp>
+      <p:sp>
+        <p:nvSpPr>
+          <p:cNvPr id="79" name="文本框 78"/>
+          <p:cNvSpPr txBox="1"/>
+          <p:nvPr/>
+        </p:nvSpPr>
+        <p:spPr>
+          <a:xfrm>
+            <a:off x="3916680" y="2853690"/>
+            <a:ext cx="516890" cy="368300"/>
+          </a:xfrm>
+          <a:prstGeom prst="rect">
+            <a:avLst/>
+          </a:prstGeom>
+          <a:noFill/>
+        </p:spPr>
+        <p:txBody>
+          <a:bodyPr wrap="none" rtlCol="0">
+            <a:spAutoFit/>
+          </a:bodyPr>
+          <a:p>
+            <a:r>
+              <a:rPr lang="en-US" altLang="zh-CN"/>
+              <a:t>put</a:t>
+            </a:r>
+            <a:endParaRPr lang="en-US" altLang="zh-CN"/>
+          </a:p>
+        </p:txBody>
+      </p:sp>
+      <p:cxnSp>
+        <p:nvCxnSpPr>
+          <p:cNvPr id="81" name="直接箭头连接符 80"/>
+          <p:cNvCxnSpPr/>
+          <p:nvPr/>
+        </p:nvCxnSpPr>
+        <p:spPr>
+          <a:xfrm>
+            <a:off x="7750175" y="3221990"/>
+            <a:ext cx="450850" cy="0"/>
+          </a:xfrm>
+          <a:prstGeom prst="straightConnector1">
+            <a:avLst/>
+          </a:prstGeom>
+          <a:ln w="28575" cmpd="sng">
+            <a:solidFill>
+              <a:schemeClr val="accent1">
+                <a:lumMod val="50000"/>
+              </a:schemeClr>
+            </a:solidFill>
+            <a:prstDash val="solid"/>
+            <a:tailEnd type="arrow"/>
+          </a:ln>
+        </p:spPr>
+        <p:style>
+          <a:lnRef idx="1">
+            <a:schemeClr val="accent1"/>
+          </a:lnRef>
+          <a:fillRef idx="0">
+            <a:schemeClr val="accent1"/>
+          </a:fillRef>
+          <a:effectRef idx="0">
+            <a:schemeClr val="accent1"/>
+          </a:effectRef>
+          <a:fontRef idx="minor">
+            <a:schemeClr val="tx1"/>
+          </a:fontRef>
+        </p:style>
+      </p:cxnSp>
+      <p:cxnSp>
+        <p:nvCxnSpPr>
+          <p:cNvPr id="82" name="直接箭头连接符 81"/>
+          <p:cNvCxnSpPr/>
+          <p:nvPr/>
+        </p:nvCxnSpPr>
+        <p:spPr>
+          <a:xfrm flipV="1">
+            <a:off x="7750175" y="2690495"/>
+            <a:ext cx="401320" cy="271145"/>
+          </a:xfrm>
+          <a:prstGeom prst="straightConnector1">
+            <a:avLst/>
+          </a:prstGeom>
+          <a:ln w="28575" cmpd="sng">
+            <a:solidFill>
+              <a:schemeClr val="accent1">
+                <a:lumMod val="50000"/>
+              </a:schemeClr>
+            </a:solidFill>
+            <a:prstDash val="solid"/>
+            <a:tailEnd type="arrow"/>
+          </a:ln>
+        </p:spPr>
+        <p:style>
+          <a:lnRef idx="1">
+            <a:schemeClr val="accent1"/>
+          </a:lnRef>
+          <a:fillRef idx="0">
+            <a:schemeClr val="accent1"/>
+          </a:fillRef>
+          <a:effectRef idx="0">
+            <a:schemeClr val="accent1"/>
+          </a:effectRef>
+          <a:fontRef idx="minor">
+            <a:schemeClr val="tx1"/>
+          </a:fontRef>
+        </p:style>
+      </p:cxnSp>
+      <p:cxnSp>
+        <p:nvCxnSpPr>
+          <p:cNvPr id="84" name="直接箭头连接符 83"/>
+          <p:cNvCxnSpPr/>
+          <p:nvPr/>
+        </p:nvCxnSpPr>
+        <p:spPr>
+          <a:xfrm>
+            <a:off x="7750175" y="3482340"/>
+            <a:ext cx="434975" cy="288925"/>
+          </a:xfrm>
+          <a:prstGeom prst="straightConnector1">
+            <a:avLst/>
+          </a:prstGeom>
+          <a:ln w="28575" cmpd="sng">
+            <a:solidFill>
+              <a:schemeClr val="accent1">
+                <a:lumMod val="50000"/>
+              </a:schemeClr>
+            </a:solidFill>
+            <a:prstDash val="solid"/>
+            <a:tailEnd type="arrow"/>
+          </a:ln>
+        </p:spPr>
+        <p:style>
+          <a:lnRef idx="1">
+            <a:schemeClr val="accent1"/>
+          </a:lnRef>
+          <a:fillRef idx="0">
+            <a:schemeClr val="accent1"/>
+          </a:fillRef>
+          <a:effectRef idx="0">
+            <a:schemeClr val="accent1"/>
+          </a:effectRef>
+          <a:fontRef idx="minor">
+            <a:schemeClr val="tx1"/>
+          </a:fontRef>
+        </p:style>
+      </p:cxnSp>
+      <p:sp>
+        <p:nvSpPr>
+          <p:cNvPr id="85" name="文本框 84"/>
+          <p:cNvSpPr txBox="1"/>
+          <p:nvPr/>
+        </p:nvSpPr>
+        <p:spPr>
+          <a:xfrm>
+            <a:off x="7545705" y="2578100"/>
+            <a:ext cx="487680" cy="275590"/>
+          </a:xfrm>
+          <a:prstGeom prst="rect">
+            <a:avLst/>
+          </a:prstGeom>
+          <a:noFill/>
+        </p:spPr>
+        <p:txBody>
+          <a:bodyPr wrap="none" rtlCol="0">
+            <a:spAutoFit/>
+          </a:bodyPr>
+          <a:p>
+            <a:r>
+              <a:rPr lang="zh-CN" altLang="en-US" sz="1200">
+                <a:latin typeface="PingFang SC Regular" panose="020B0400000000000000" charset="-122"/>
+                <a:ea typeface="PingFang SC Regular" panose="020B0400000000000000" charset="-122"/>
+              </a:rPr>
+              <a:t>消费</a:t>
+            </a:r>
+            <a:endParaRPr lang="zh-CN" altLang="en-US" sz="1200">
+              <a:latin typeface="PingFang SC Regular" panose="020B0400000000000000" charset="-122"/>
+              <a:ea typeface="PingFang SC Regular" panose="020B0400000000000000" charset="-122"/>
+            </a:endParaRPr>
+          </a:p>
+        </p:txBody>
+      </p:sp>
+    </p:spTree>
+  </p:cSld>
+  <p:clrMapOvr>
+    <a:masterClrMapping/>
+  </p:clrMapOvr>
+</p:sld>
+</file>
+
+<file path=ppt/slides/slide16.xml><?xml version="1.0" encoding="utf-8"?>
+<p:sld xmlns:a="http://schemas.openxmlformats.org/drawingml/2006/main" xmlns:r="http://schemas.openxmlformats.org/officeDocument/2006/relationships" xmlns:p="http://schemas.openxmlformats.org/presentationml/2006/main">
+  <p:cSld>
+    <p:spTree>
+      <p:nvGrpSpPr>
+        <p:cNvPr id="1" name=""/>
+        <p:cNvGrpSpPr/>
+        <p:nvPr/>
+      </p:nvGrpSpPr>
+      <p:grpSpPr/>
+      <p:sp>
+        <p:nvSpPr>
+          <p:cNvPr id="3" name="椭圆 2"/>
+          <p:cNvSpPr/>
+          <p:nvPr/>
+        </p:nvSpPr>
+        <p:spPr>
+          <a:xfrm>
+            <a:off x="1796415" y="3634105"/>
+            <a:ext cx="669925" cy="669925"/>
+          </a:xfrm>
+          <a:prstGeom prst="ellipse">
+            <a:avLst/>
+          </a:prstGeom>
+          <a:solidFill>
+            <a:schemeClr val="bg2"/>
+          </a:solidFill>
+          <a:ln w="25400">
+            <a:noFill/>
+          </a:ln>
+        </p:spPr>
+        <p:style>
+          <a:lnRef idx="2">
+            <a:schemeClr val="accent3"/>
+          </a:lnRef>
+          <a:fillRef idx="1">
+            <a:schemeClr val="lt1"/>
+          </a:fillRef>
+          <a:effectRef idx="0">
+            <a:schemeClr val="accent3"/>
+          </a:effectRef>
+          <a:fontRef idx="minor">
+            <a:schemeClr val="dk1"/>
+          </a:fontRef>
+        </p:style>
+        <p:txBody>
+          <a:bodyPr rtlCol="0" anchor="ctr"/>
+          <a:p>
+            <a:pPr algn="ctr"/>
+            <a:r>
+              <a:rPr lang="en-US" altLang="zh-CN"/>
+              <a:t>f(6)</a:t>
+            </a:r>
+            <a:endParaRPr lang="en-US" altLang="zh-CN"/>
+          </a:p>
+        </p:txBody>
+      </p:sp>
+      <p:sp>
+        <p:nvSpPr>
+          <p:cNvPr id="4" name="椭圆 3"/>
+          <p:cNvSpPr/>
+          <p:nvPr/>
+        </p:nvSpPr>
+        <p:spPr>
+          <a:xfrm>
+            <a:off x="3016885" y="1936115"/>
+            <a:ext cx="669925" cy="669925"/>
+          </a:xfrm>
+          <a:prstGeom prst="ellipse">
+            <a:avLst/>
+          </a:prstGeom>
+          <a:solidFill>
+            <a:schemeClr val="bg2"/>
+          </a:solidFill>
+          <a:ln w="25400">
+            <a:noFill/>
+          </a:ln>
+        </p:spPr>
+        <p:style>
+          <a:lnRef idx="2">
+            <a:schemeClr val="accent3"/>
+          </a:lnRef>
+          <a:fillRef idx="1">
+            <a:schemeClr val="lt1"/>
+          </a:fillRef>
+          <a:effectRef idx="0">
+            <a:schemeClr val="accent3"/>
+          </a:effectRef>
+          <a:fontRef idx="minor">
+            <a:schemeClr val="dk1"/>
+          </a:fontRef>
+        </p:style>
+        <p:txBody>
+          <a:bodyPr rtlCol="0" anchor="ctr"/>
+          <a:p>
+            <a:pPr algn="ctr"/>
+            <a:r>
+              <a:rPr lang="en-US" altLang="zh-CN"/>
+              <a:t>f(5)</a:t>
+            </a:r>
+            <a:endParaRPr lang="en-US" altLang="zh-CN"/>
+          </a:p>
+        </p:txBody>
+      </p:sp>
+      <p:sp>
+        <p:nvSpPr>
+          <p:cNvPr id="5" name="椭圆 4"/>
+          <p:cNvSpPr/>
+          <p:nvPr/>
+        </p:nvSpPr>
+        <p:spPr>
+          <a:xfrm>
+            <a:off x="3016885" y="5244465"/>
+            <a:ext cx="669925" cy="669925"/>
+          </a:xfrm>
+          <a:prstGeom prst="ellipse">
+            <a:avLst/>
+          </a:prstGeom>
+          <a:solidFill>
+            <a:schemeClr val="accent5">
+              <a:lumMod val="20000"/>
+              <a:lumOff val="80000"/>
+            </a:schemeClr>
+          </a:solidFill>
+          <a:ln w="25400">
+            <a:noFill/>
+          </a:ln>
+        </p:spPr>
+        <p:style>
+          <a:lnRef idx="2">
+            <a:schemeClr val="accent3"/>
+          </a:lnRef>
+          <a:fillRef idx="1">
+            <a:schemeClr val="lt1"/>
+          </a:fillRef>
+          <a:effectRef idx="0">
+            <a:schemeClr val="accent3"/>
+          </a:effectRef>
+          <a:fontRef idx="minor">
+            <a:schemeClr val="dk1"/>
+          </a:fontRef>
+        </p:style>
+        <p:txBody>
+          <a:bodyPr rtlCol="0" anchor="ctr"/>
+          <a:p>
+            <a:pPr algn="ctr"/>
+            <a:r>
+              <a:rPr lang="en-US" altLang="zh-CN"/>
+              <a:t>f(4)</a:t>
+            </a:r>
+            <a:endParaRPr lang="en-US" altLang="zh-CN"/>
+          </a:p>
+        </p:txBody>
+      </p:sp>
+      <p:sp>
+        <p:nvSpPr>
+          <p:cNvPr id="6" name="椭圆 5"/>
+          <p:cNvSpPr/>
+          <p:nvPr/>
+        </p:nvSpPr>
+        <p:spPr>
+          <a:xfrm>
+            <a:off x="4747260" y="1011555"/>
+            <a:ext cx="669925" cy="669925"/>
+          </a:xfrm>
+          <a:prstGeom prst="ellipse">
+            <a:avLst/>
+          </a:prstGeom>
+          <a:solidFill>
+            <a:schemeClr val="accent5">
+              <a:lumMod val="20000"/>
+              <a:lumOff val="80000"/>
+            </a:schemeClr>
+          </a:solidFill>
+          <a:ln w="25400">
+            <a:noFill/>
+          </a:ln>
+        </p:spPr>
+        <p:style>
+          <a:lnRef idx="2">
+            <a:schemeClr val="accent3"/>
+          </a:lnRef>
+          <a:fillRef idx="1">
+            <a:schemeClr val="lt1"/>
+          </a:fillRef>
+          <a:effectRef idx="0">
+            <a:schemeClr val="accent3"/>
+          </a:effectRef>
+          <a:fontRef idx="minor">
+            <a:schemeClr val="dk1"/>
+          </a:fontRef>
+        </p:style>
+        <p:txBody>
+          <a:bodyPr rtlCol="0" anchor="ctr"/>
+          <a:p>
+            <a:pPr algn="ctr"/>
+            <a:r>
+              <a:rPr lang="en-US" altLang="zh-CN"/>
+              <a:t>f(4)</a:t>
+            </a:r>
+            <a:endParaRPr lang="en-US" altLang="zh-CN"/>
+          </a:p>
+        </p:txBody>
+      </p:sp>
+      <p:sp>
+        <p:nvSpPr>
+          <p:cNvPr id="9" name="椭圆 8"/>
+          <p:cNvSpPr/>
+          <p:nvPr/>
+        </p:nvSpPr>
+        <p:spPr>
+          <a:xfrm>
+            <a:off x="4793615" y="6007100"/>
+            <a:ext cx="669925" cy="669925"/>
+          </a:xfrm>
+          <a:prstGeom prst="ellipse">
+            <a:avLst/>
+          </a:prstGeom>
+          <a:solidFill>
+            <a:schemeClr val="bg2"/>
+          </a:solidFill>
+          <a:ln w="25400">
+            <a:noFill/>
+          </a:ln>
+        </p:spPr>
+        <p:style>
+          <a:lnRef idx="2">
+            <a:schemeClr val="accent3"/>
+          </a:lnRef>
+          <a:fillRef idx="1">
+            <a:schemeClr val="lt1"/>
+          </a:fillRef>
+          <a:effectRef idx="0">
+            <a:schemeClr val="accent3"/>
+          </a:effectRef>
+          <a:fontRef idx="minor">
+            <a:schemeClr val="dk1"/>
+          </a:fontRef>
+        </p:style>
+        <p:txBody>
+          <a:bodyPr rtlCol="0" anchor="ctr"/>
+          <a:p>
+            <a:pPr algn="ctr"/>
+            <a:r>
+              <a:rPr lang="en-US" altLang="zh-CN"/>
+              <a:t>f(2)</a:t>
+            </a:r>
+            <a:endParaRPr lang="en-US" altLang="zh-CN"/>
+          </a:p>
+        </p:txBody>
+      </p:sp>
+      <p:sp>
+        <p:nvSpPr>
+          <p:cNvPr id="11" name="椭圆 10"/>
+          <p:cNvSpPr/>
+          <p:nvPr/>
+        </p:nvSpPr>
+        <p:spPr>
+          <a:xfrm>
+            <a:off x="6143625" y="1455420"/>
+            <a:ext cx="669925" cy="669925"/>
+          </a:xfrm>
+          <a:prstGeom prst="ellipse">
+            <a:avLst/>
+          </a:prstGeom>
+          <a:solidFill>
+            <a:schemeClr val="bg2"/>
+          </a:solidFill>
+          <a:ln w="25400">
+            <a:noFill/>
+          </a:ln>
+        </p:spPr>
+        <p:style>
+          <a:lnRef idx="2">
+            <a:schemeClr val="accent3"/>
+          </a:lnRef>
+          <a:fillRef idx="1">
+            <a:schemeClr val="lt1"/>
+          </a:fillRef>
+          <a:effectRef idx="0">
+            <a:schemeClr val="accent3"/>
+          </a:effectRef>
+          <a:fontRef idx="minor">
+            <a:schemeClr val="dk1"/>
+          </a:fontRef>
+        </p:style>
+        <p:txBody>
+          <a:bodyPr rtlCol="0" anchor="ctr"/>
+          <a:p>
+            <a:pPr algn="ctr"/>
+            <a:r>
+              <a:rPr lang="en-US" altLang="zh-CN"/>
+              <a:t>f(2)</a:t>
+            </a:r>
+            <a:endParaRPr lang="en-US" altLang="zh-CN"/>
+          </a:p>
+        </p:txBody>
+      </p:sp>
+      <p:grpSp>
+        <p:nvGrpSpPr>
+          <p:cNvPr id="20" name="组合 19"/>
+          <p:cNvGrpSpPr/>
+          <p:nvPr/>
+        </p:nvGrpSpPr>
+        <p:grpSpPr>
+          <a:xfrm>
+            <a:off x="6143625" y="257175"/>
+            <a:ext cx="2066290" cy="1424305"/>
+            <a:chOff x="9675" y="101"/>
+            <a:chExt cx="3254" cy="2243"/>
+          </a:xfrm>
+        </p:grpSpPr>
+        <p:sp>
+          <p:nvSpPr>
+            <p:cNvPr id="10" name="椭圆 9"/>
+            <p:cNvSpPr/>
+            <p:nvPr/>
+          </p:nvSpPr>
+          <p:spPr>
+            <a:xfrm>
+              <a:off x="9675" y="621"/>
+              <a:ext cx="1055" cy="1055"/>
+            </a:xfrm>
+            <a:prstGeom prst="ellipse">
+              <a:avLst/>
+            </a:prstGeom>
+            <a:solidFill>
+              <a:schemeClr val="accent2">
+                <a:lumMod val="20000"/>
+                <a:lumOff val="80000"/>
+              </a:schemeClr>
+            </a:solidFill>
+            <a:ln w="25400">
+              <a:noFill/>
+            </a:ln>
+          </p:spPr>
+          <p:style>
+            <a:lnRef idx="2">
+              <a:schemeClr val="accent3"/>
+            </a:lnRef>
+            <a:fillRef idx="1">
+              <a:schemeClr val="lt1"/>
+            </a:fillRef>
+            <a:effectRef idx="0">
+              <a:schemeClr val="accent3"/>
+            </a:effectRef>
+            <a:fontRef idx="minor">
+              <a:schemeClr val="dk1"/>
+            </a:fontRef>
+          </p:style>
+          <p:txBody>
+            <a:bodyPr rtlCol="0" anchor="ctr"/>
+            <a:p>
+              <a:pPr algn="ctr"/>
+              <a:r>
+                <a:rPr lang="en-US" altLang="zh-CN"/>
+                <a:t>f(3)</a:t>
+              </a:r>
+              <a:endParaRPr lang="en-US" altLang="zh-CN"/>
+            </a:p>
+          </p:txBody>
+        </p:sp>
+        <p:sp>
+          <p:nvSpPr>
+            <p:cNvPr id="16" name="椭圆 15"/>
+            <p:cNvSpPr/>
+            <p:nvPr/>
+          </p:nvSpPr>
+          <p:spPr>
+            <a:xfrm>
+              <a:off x="11874" y="101"/>
+              <a:ext cx="1055" cy="1055"/>
+            </a:xfrm>
+            <a:prstGeom prst="ellipse">
+              <a:avLst/>
+            </a:prstGeom>
+            <a:solidFill>
+              <a:schemeClr val="bg2"/>
+            </a:solidFill>
+            <a:ln w="25400">
+              <a:noFill/>
+            </a:ln>
+          </p:spPr>
+          <p:style>
+            <a:lnRef idx="2">
+              <a:schemeClr val="accent3"/>
+            </a:lnRef>
+            <a:fillRef idx="1">
+              <a:schemeClr val="lt1"/>
+            </a:fillRef>
+            <a:effectRef idx="0">
+              <a:schemeClr val="accent3"/>
+            </a:effectRef>
+            <a:fontRef idx="minor">
+              <a:schemeClr val="dk1"/>
+            </a:fontRef>
+          </p:style>
+          <p:txBody>
+            <a:bodyPr rtlCol="0" anchor="ctr"/>
+            <a:p>
+              <a:pPr algn="ctr"/>
+              <a:r>
+                <a:rPr lang="en-US" altLang="zh-CN"/>
+                <a:t>f(2)</a:t>
+              </a:r>
+              <a:endParaRPr lang="en-US" altLang="zh-CN"/>
+            </a:p>
+          </p:txBody>
+        </p:sp>
+        <p:sp>
+          <p:nvSpPr>
+            <p:cNvPr id="17" name="椭圆 16"/>
+            <p:cNvSpPr/>
+            <p:nvPr/>
+          </p:nvSpPr>
+          <p:spPr>
+            <a:xfrm>
+              <a:off x="11874" y="1289"/>
+              <a:ext cx="1055" cy="1055"/>
+            </a:xfrm>
+            <a:prstGeom prst="ellipse">
+              <a:avLst/>
+            </a:prstGeom>
+            <a:solidFill>
+              <a:schemeClr val="bg2"/>
+            </a:solidFill>
+            <a:ln w="25400">
+              <a:noFill/>
+            </a:ln>
+          </p:spPr>
+          <p:style>
+            <a:lnRef idx="2">
+              <a:schemeClr val="accent3"/>
+            </a:lnRef>
+            <a:fillRef idx="1">
+              <a:schemeClr val="lt1"/>
+            </a:fillRef>
+            <a:effectRef idx="0">
+              <a:schemeClr val="accent3"/>
+            </a:effectRef>
+            <a:fontRef idx="minor">
+              <a:schemeClr val="dk1"/>
+            </a:fontRef>
+          </p:style>
+          <p:txBody>
+            <a:bodyPr rtlCol="0" anchor="ctr"/>
+            <a:p>
+              <a:pPr algn="ctr"/>
+              <a:r>
+                <a:rPr lang="en-US" altLang="zh-CN"/>
+                <a:t>f(1)</a:t>
+              </a:r>
+              <a:endParaRPr lang="en-US" altLang="zh-CN"/>
+            </a:p>
+          </p:txBody>
+        </p:sp>
+        <p:cxnSp>
+          <p:nvCxnSpPr>
+            <p:cNvPr id="18" name="直接箭头连接符 17"/>
+            <p:cNvCxnSpPr/>
+            <p:nvPr/>
+          </p:nvCxnSpPr>
+          <p:spPr>
+            <a:xfrm flipV="1">
+              <a:off x="10806" y="703"/>
+              <a:ext cx="891" cy="316"/>
+            </a:xfrm>
+            <a:prstGeom prst="straightConnector1">
+              <a:avLst/>
+            </a:prstGeom>
+            <a:ln w="28575" cmpd="sng">
+              <a:solidFill>
+                <a:schemeClr val="tx1">
+                  <a:lumMod val="65000"/>
+                  <a:lumOff val="35000"/>
+                </a:schemeClr>
+              </a:solidFill>
+              <a:prstDash val="solid"/>
+              <a:tailEnd type="arrow"/>
+            </a:ln>
+          </p:spPr>
+          <p:style>
+            <a:lnRef idx="1">
+              <a:schemeClr val="accent1"/>
+            </a:lnRef>
+            <a:fillRef idx="0">
+              <a:schemeClr val="accent1"/>
+            </a:fillRef>
+            <a:effectRef idx="0">
+              <a:schemeClr val="accent1"/>
+            </a:effectRef>
+            <a:fontRef idx="minor">
+              <a:schemeClr val="tx1"/>
+            </a:fontRef>
+          </p:style>
+        </p:cxnSp>
+        <p:cxnSp>
+          <p:nvCxnSpPr>
+            <p:cNvPr id="19" name="直接箭头连接符 18"/>
+            <p:cNvCxnSpPr/>
+            <p:nvPr/>
+          </p:nvCxnSpPr>
+          <p:spPr>
+            <a:xfrm>
+              <a:off x="10803" y="1402"/>
+              <a:ext cx="959" cy="274"/>
+            </a:xfrm>
+            <a:prstGeom prst="straightConnector1">
+              <a:avLst/>
+            </a:prstGeom>
+            <a:ln w="28575" cmpd="sng">
+              <a:solidFill>
+                <a:schemeClr val="tx1">
+                  <a:lumMod val="65000"/>
+                  <a:lumOff val="35000"/>
+                </a:schemeClr>
+              </a:solidFill>
+              <a:prstDash val="solid"/>
+              <a:tailEnd type="arrow"/>
+            </a:ln>
+          </p:spPr>
+          <p:style>
+            <a:lnRef idx="1">
+              <a:schemeClr val="accent1"/>
+            </a:lnRef>
+            <a:fillRef idx="0">
+              <a:schemeClr val="accent1"/>
+            </a:fillRef>
+            <a:effectRef idx="0">
+              <a:schemeClr val="accent1"/>
+            </a:effectRef>
+            <a:fontRef idx="minor">
+              <a:schemeClr val="tx1"/>
+            </a:fontRef>
+          </p:style>
+        </p:cxnSp>
+      </p:grpSp>
+      <p:grpSp>
+        <p:nvGrpSpPr>
+          <p:cNvPr id="23" name="组合 22"/>
+          <p:cNvGrpSpPr/>
+          <p:nvPr/>
+        </p:nvGrpSpPr>
+        <p:grpSpPr>
+          <a:xfrm>
+            <a:off x="5488940" y="1011555"/>
+            <a:ext cx="608330" cy="617855"/>
+            <a:chOff x="11003" y="903"/>
+            <a:chExt cx="958" cy="973"/>
+          </a:xfrm>
+        </p:grpSpPr>
+        <p:cxnSp>
+          <p:nvCxnSpPr>
+            <p:cNvPr id="21" name="直接箭头连接符 20"/>
+            <p:cNvCxnSpPr/>
+            <p:nvPr/>
+          </p:nvCxnSpPr>
+          <p:spPr>
+            <a:xfrm flipV="1">
+              <a:off x="11006" y="903"/>
+              <a:ext cx="891" cy="316"/>
+            </a:xfrm>
+            <a:prstGeom prst="straightConnector1">
+              <a:avLst/>
+            </a:prstGeom>
+            <a:ln w="28575" cmpd="sng">
+              <a:solidFill>
+                <a:schemeClr val="tx1">
+                  <a:lumMod val="65000"/>
+                  <a:lumOff val="35000"/>
+                </a:schemeClr>
+              </a:solidFill>
+              <a:prstDash val="solid"/>
+              <a:tailEnd type="arrow"/>
+            </a:ln>
+          </p:spPr>
+          <p:style>
+            <a:lnRef idx="1">
+              <a:schemeClr val="accent1"/>
+            </a:lnRef>
+            <a:fillRef idx="0">
+              <a:schemeClr val="accent1"/>
+            </a:fillRef>
+            <a:effectRef idx="0">
+              <a:schemeClr val="accent1"/>
+            </a:effectRef>
+            <a:fontRef idx="minor">
+              <a:schemeClr val="tx1"/>
+            </a:fontRef>
+          </p:style>
+        </p:cxnSp>
+        <p:cxnSp>
+          <p:nvCxnSpPr>
+            <p:cNvPr id="22" name="直接箭头连接符 21"/>
+            <p:cNvCxnSpPr/>
+            <p:nvPr/>
+          </p:nvCxnSpPr>
+          <p:spPr>
+            <a:xfrm>
+              <a:off x="11003" y="1602"/>
+              <a:ext cx="959" cy="274"/>
+            </a:xfrm>
+            <a:prstGeom prst="straightConnector1">
+              <a:avLst/>
+            </a:prstGeom>
+            <a:ln w="28575" cmpd="sng">
+              <a:solidFill>
+                <a:schemeClr val="tx1">
+                  <a:lumMod val="65000"/>
+                  <a:lumOff val="35000"/>
+                </a:schemeClr>
+              </a:solidFill>
+              <a:prstDash val="solid"/>
+              <a:tailEnd type="arrow"/>
+            </a:ln>
+          </p:spPr>
+          <p:style>
+            <a:lnRef idx="1">
+              <a:schemeClr val="accent1"/>
+            </a:lnRef>
+            <a:fillRef idx="0">
+              <a:schemeClr val="accent1"/>
+            </a:fillRef>
+            <a:effectRef idx="0">
+              <a:schemeClr val="accent1"/>
+            </a:effectRef>
+            <a:fontRef idx="minor">
+              <a:schemeClr val="tx1"/>
+            </a:fontRef>
+          </p:style>
+        </p:cxnSp>
+      </p:grpSp>
+      <p:grpSp>
+        <p:nvGrpSpPr>
+          <p:cNvPr id="27" name="组合 26"/>
+          <p:cNvGrpSpPr/>
+          <p:nvPr/>
+        </p:nvGrpSpPr>
+        <p:grpSpPr>
+          <a:xfrm>
+            <a:off x="4740275" y="2364105"/>
+            <a:ext cx="2066290" cy="1424305"/>
+            <a:chOff x="9675" y="101"/>
+            <a:chExt cx="3254" cy="2243"/>
+          </a:xfrm>
+        </p:grpSpPr>
+        <p:sp>
+          <p:nvSpPr>
+            <p:cNvPr id="28" name="椭圆 27"/>
+            <p:cNvSpPr/>
+            <p:nvPr/>
+          </p:nvSpPr>
+          <p:spPr>
+            <a:xfrm>
+              <a:off x="9675" y="621"/>
+              <a:ext cx="1055" cy="1055"/>
+            </a:xfrm>
+            <a:prstGeom prst="ellipse">
+              <a:avLst/>
+            </a:prstGeom>
+            <a:solidFill>
+              <a:schemeClr val="accent2">
+                <a:lumMod val="20000"/>
+                <a:lumOff val="80000"/>
+              </a:schemeClr>
+            </a:solidFill>
+            <a:ln w="25400">
+              <a:noFill/>
+            </a:ln>
+          </p:spPr>
+          <p:style>
+            <a:lnRef idx="2">
+              <a:schemeClr val="accent3"/>
+            </a:lnRef>
+            <a:fillRef idx="1">
+              <a:schemeClr val="lt1"/>
+            </a:fillRef>
+            <a:effectRef idx="0">
+              <a:schemeClr val="accent3"/>
+            </a:effectRef>
+            <a:fontRef idx="minor">
+              <a:schemeClr val="dk1"/>
+            </a:fontRef>
+          </p:style>
+          <p:txBody>
+            <a:bodyPr rtlCol="0" anchor="ctr"/>
+            <a:p>
+              <a:pPr algn="ctr"/>
+              <a:r>
+                <a:rPr lang="en-US" altLang="zh-CN"/>
+                <a:t>f(3)</a:t>
+              </a:r>
+              <a:endParaRPr lang="en-US" altLang="zh-CN"/>
+            </a:p>
+          </p:txBody>
+        </p:sp>
+        <p:sp>
+          <p:nvSpPr>
+            <p:cNvPr id="29" name="椭圆 28"/>
+            <p:cNvSpPr/>
+            <p:nvPr/>
+          </p:nvSpPr>
+          <p:spPr>
+            <a:xfrm>
+              <a:off x="11874" y="101"/>
+              <a:ext cx="1055" cy="1055"/>
+            </a:xfrm>
+            <a:prstGeom prst="ellipse">
+              <a:avLst/>
+            </a:prstGeom>
+            <a:solidFill>
+              <a:schemeClr val="bg2"/>
+            </a:solidFill>
+            <a:ln w="25400">
+              <a:noFill/>
+            </a:ln>
+          </p:spPr>
+          <p:style>
+            <a:lnRef idx="2">
+              <a:schemeClr val="accent3"/>
+            </a:lnRef>
+            <a:fillRef idx="1">
+              <a:schemeClr val="lt1"/>
+            </a:fillRef>
+            <a:effectRef idx="0">
+              <a:schemeClr val="accent3"/>
+            </a:effectRef>
+            <a:fontRef idx="minor">
+              <a:schemeClr val="dk1"/>
+            </a:fontRef>
+          </p:style>
+          <p:txBody>
+            <a:bodyPr rtlCol="0" anchor="ctr"/>
+            <a:p>
+              <a:pPr algn="ctr"/>
+              <a:r>
+                <a:rPr lang="en-US" altLang="zh-CN"/>
+                <a:t>f(2)</a:t>
+              </a:r>
+              <a:endParaRPr lang="en-US" altLang="zh-CN"/>
+            </a:p>
+          </p:txBody>
+        </p:sp>
+        <p:sp>
+          <p:nvSpPr>
+            <p:cNvPr id="30" name="椭圆 29"/>
+            <p:cNvSpPr/>
+            <p:nvPr/>
+          </p:nvSpPr>
+          <p:spPr>
+            <a:xfrm>
+              <a:off x="11874" y="1289"/>
+              <a:ext cx="1055" cy="1055"/>
+            </a:xfrm>
+            <a:prstGeom prst="ellipse">
+              <a:avLst/>
+            </a:prstGeom>
+            <a:solidFill>
+              <a:schemeClr val="bg2"/>
+            </a:solidFill>
+            <a:ln w="25400">
+              <a:noFill/>
+            </a:ln>
+          </p:spPr>
+          <p:style>
+            <a:lnRef idx="2">
+              <a:schemeClr val="accent3"/>
+            </a:lnRef>
+            <a:fillRef idx="1">
+              <a:schemeClr val="lt1"/>
+            </a:fillRef>
+            <a:effectRef idx="0">
+              <a:schemeClr val="accent3"/>
+            </a:effectRef>
+            <a:fontRef idx="minor">
+              <a:schemeClr val="dk1"/>
+            </a:fontRef>
+          </p:style>
+          <p:txBody>
+            <a:bodyPr rtlCol="0" anchor="ctr"/>
+            <a:p>
+              <a:pPr algn="ctr"/>
+              <a:r>
+                <a:rPr lang="en-US" altLang="zh-CN"/>
+                <a:t>f(1)</a:t>
+              </a:r>
+              <a:endParaRPr lang="en-US" altLang="zh-CN"/>
+            </a:p>
+          </p:txBody>
+        </p:sp>
+        <p:cxnSp>
+          <p:nvCxnSpPr>
+            <p:cNvPr id="31" name="直接箭头连接符 30"/>
+            <p:cNvCxnSpPr/>
+            <p:nvPr/>
+          </p:nvCxnSpPr>
+          <p:spPr>
+            <a:xfrm flipV="1">
+              <a:off x="10806" y="703"/>
+              <a:ext cx="891" cy="316"/>
+            </a:xfrm>
+            <a:prstGeom prst="straightConnector1">
+              <a:avLst/>
+            </a:prstGeom>
+            <a:ln w="28575" cmpd="sng">
+              <a:solidFill>
+                <a:schemeClr val="tx1">
+                  <a:lumMod val="65000"/>
+                  <a:lumOff val="35000"/>
+                </a:schemeClr>
+              </a:solidFill>
+              <a:prstDash val="solid"/>
+              <a:tailEnd type="arrow"/>
+            </a:ln>
+          </p:spPr>
+          <p:style>
+            <a:lnRef idx="1">
+              <a:schemeClr val="accent1"/>
+            </a:lnRef>
+            <a:fillRef idx="0">
+              <a:schemeClr val="accent1"/>
+            </a:fillRef>
+            <a:effectRef idx="0">
+              <a:schemeClr val="accent1"/>
+            </a:effectRef>
+            <a:fontRef idx="minor">
+              <a:schemeClr val="tx1"/>
+            </a:fontRef>
+          </p:style>
+        </p:cxnSp>
+        <p:cxnSp>
+          <p:nvCxnSpPr>
+            <p:cNvPr id="32" name="直接箭头连接符 31"/>
+            <p:cNvCxnSpPr/>
+            <p:nvPr/>
+          </p:nvCxnSpPr>
+          <p:spPr>
+            <a:xfrm>
+              <a:off x="10803" y="1402"/>
+              <a:ext cx="959" cy="274"/>
+            </a:xfrm>
+            <a:prstGeom prst="straightConnector1">
+              <a:avLst/>
+            </a:prstGeom>
+            <a:ln w="28575" cmpd="sng">
+              <a:solidFill>
+                <a:schemeClr val="tx1">
+                  <a:lumMod val="65000"/>
+                  <a:lumOff val="35000"/>
+                </a:schemeClr>
+              </a:solidFill>
+              <a:prstDash val="solid"/>
+              <a:tailEnd type="arrow"/>
+            </a:ln>
+          </p:spPr>
+          <p:style>
+            <a:lnRef idx="1">
+              <a:schemeClr val="accent1"/>
+            </a:lnRef>
+            <a:fillRef idx="0">
+              <a:schemeClr val="accent1"/>
+            </a:fillRef>
+            <a:effectRef idx="0">
+              <a:schemeClr val="accent1"/>
+            </a:effectRef>
+            <a:fontRef idx="minor">
+              <a:schemeClr val="tx1"/>
+            </a:fontRef>
+          </p:style>
+        </p:cxnSp>
+      </p:grpSp>
+      <p:grpSp>
+        <p:nvGrpSpPr>
+          <p:cNvPr id="33" name="组合 32"/>
+          <p:cNvGrpSpPr/>
+          <p:nvPr/>
+        </p:nvGrpSpPr>
+        <p:grpSpPr>
+          <a:xfrm>
+            <a:off x="4793615" y="4140835"/>
+            <a:ext cx="2066290" cy="1424305"/>
+            <a:chOff x="9675" y="101"/>
+            <a:chExt cx="3254" cy="2243"/>
+          </a:xfrm>
+        </p:grpSpPr>
+        <p:sp>
+          <p:nvSpPr>
+            <p:cNvPr id="34" name="椭圆 33"/>
+            <p:cNvSpPr/>
+            <p:nvPr/>
+          </p:nvSpPr>
+          <p:spPr>
+            <a:xfrm>
+              <a:off x="9675" y="621"/>
+              <a:ext cx="1055" cy="1055"/>
+            </a:xfrm>
+            <a:prstGeom prst="ellipse">
+              <a:avLst/>
+            </a:prstGeom>
+            <a:solidFill>
+              <a:schemeClr val="accent2">
+                <a:lumMod val="20000"/>
+                <a:lumOff val="80000"/>
+              </a:schemeClr>
+            </a:solidFill>
+            <a:ln w="25400">
+              <a:noFill/>
+            </a:ln>
+          </p:spPr>
+          <p:style>
+            <a:lnRef idx="2">
+              <a:schemeClr val="accent3"/>
+            </a:lnRef>
+            <a:fillRef idx="1">
+              <a:schemeClr val="lt1"/>
+            </a:fillRef>
+            <a:effectRef idx="0">
+              <a:schemeClr val="accent3"/>
+            </a:effectRef>
+            <a:fontRef idx="minor">
+              <a:schemeClr val="dk1"/>
+            </a:fontRef>
+          </p:style>
+          <p:txBody>
+            <a:bodyPr rtlCol="0" anchor="ctr"/>
+            <a:p>
+              <a:pPr algn="ctr"/>
+              <a:r>
+                <a:rPr lang="en-US" altLang="zh-CN"/>
+                <a:t>f(3)</a:t>
+              </a:r>
+              <a:endParaRPr lang="en-US" altLang="zh-CN"/>
+            </a:p>
+          </p:txBody>
+        </p:sp>
+        <p:sp>
+          <p:nvSpPr>
+            <p:cNvPr id="35" name="椭圆 34"/>
+            <p:cNvSpPr/>
+            <p:nvPr/>
+          </p:nvSpPr>
+          <p:spPr>
+            <a:xfrm>
+              <a:off x="11874" y="101"/>
+              <a:ext cx="1055" cy="1055"/>
+            </a:xfrm>
+            <a:prstGeom prst="ellipse">
+              <a:avLst/>
+            </a:prstGeom>
+            <a:solidFill>
+              <a:schemeClr val="bg2"/>
+            </a:solidFill>
+            <a:ln w="25400">
+              <a:noFill/>
+            </a:ln>
+          </p:spPr>
+          <p:style>
+            <a:lnRef idx="2">
+              <a:schemeClr val="accent3"/>
+            </a:lnRef>
+            <a:fillRef idx="1">
+              <a:schemeClr val="lt1"/>
+            </a:fillRef>
+            <a:effectRef idx="0">
+              <a:schemeClr val="accent3"/>
+            </a:effectRef>
+            <a:fontRef idx="minor">
+              <a:schemeClr val="dk1"/>
+            </a:fontRef>
+          </p:style>
+          <p:txBody>
+            <a:bodyPr rtlCol="0" anchor="ctr"/>
+            <a:p>
+              <a:pPr algn="ctr"/>
+              <a:r>
+                <a:rPr lang="en-US" altLang="zh-CN"/>
+                <a:t>f(2)</a:t>
+              </a:r>
+              <a:endParaRPr lang="en-US" altLang="zh-CN"/>
+            </a:p>
+          </p:txBody>
+        </p:sp>
+        <p:sp>
+          <p:nvSpPr>
+            <p:cNvPr id="36" name="椭圆 35"/>
+            <p:cNvSpPr/>
+            <p:nvPr/>
+          </p:nvSpPr>
+          <p:spPr>
+            <a:xfrm>
+              <a:off x="11874" y="1289"/>
+              <a:ext cx="1055" cy="1055"/>
+            </a:xfrm>
+            <a:prstGeom prst="ellipse">
+              <a:avLst/>
+            </a:prstGeom>
+            <a:solidFill>
+              <a:schemeClr val="bg2"/>
+            </a:solidFill>
+            <a:ln w="25400">
+              <a:noFill/>
+            </a:ln>
+          </p:spPr>
+          <p:style>
+            <a:lnRef idx="2">
+              <a:schemeClr val="accent3"/>
+            </a:lnRef>
+            <a:fillRef idx="1">
+              <a:schemeClr val="lt1"/>
+            </a:fillRef>
+            <a:effectRef idx="0">
+              <a:schemeClr val="accent3"/>
+            </a:effectRef>
+            <a:fontRef idx="minor">
+              <a:schemeClr val="dk1"/>
+            </a:fontRef>
+          </p:style>
+          <p:txBody>
+            <a:bodyPr rtlCol="0" anchor="ctr"/>
+            <a:p>
+              <a:pPr algn="ctr"/>
+              <a:r>
+                <a:rPr lang="en-US" altLang="zh-CN"/>
+                <a:t>f(1)</a:t>
+              </a:r>
+              <a:endParaRPr lang="en-US" altLang="zh-CN"/>
+            </a:p>
+          </p:txBody>
+        </p:sp>
+        <p:cxnSp>
+          <p:nvCxnSpPr>
+            <p:cNvPr id="37" name="直接箭头连接符 36"/>
+            <p:cNvCxnSpPr/>
+            <p:nvPr/>
+          </p:nvCxnSpPr>
+          <p:spPr>
+            <a:xfrm flipV="1">
+              <a:off x="10806" y="703"/>
+              <a:ext cx="891" cy="316"/>
+            </a:xfrm>
+            <a:prstGeom prst="straightConnector1">
+              <a:avLst/>
+            </a:prstGeom>
+            <a:ln w="28575" cmpd="sng">
+              <a:solidFill>
+                <a:schemeClr val="tx1">
+                  <a:lumMod val="65000"/>
+                  <a:lumOff val="35000"/>
+                </a:schemeClr>
+              </a:solidFill>
+              <a:prstDash val="solid"/>
+              <a:tailEnd type="arrow"/>
+            </a:ln>
+          </p:spPr>
+          <p:style>
+            <a:lnRef idx="1">
+              <a:schemeClr val="accent1"/>
+            </a:lnRef>
+            <a:fillRef idx="0">
+              <a:schemeClr val="accent1"/>
+            </a:fillRef>
+            <a:effectRef idx="0">
+              <a:schemeClr val="accent1"/>
+            </a:effectRef>
+            <a:fontRef idx="minor">
+              <a:schemeClr val="tx1"/>
+            </a:fontRef>
+          </p:style>
+        </p:cxnSp>
+        <p:cxnSp>
+          <p:nvCxnSpPr>
+            <p:cNvPr id="38" name="直接箭头连接符 37"/>
+            <p:cNvCxnSpPr/>
+            <p:nvPr/>
+          </p:nvCxnSpPr>
+          <p:spPr>
+            <a:xfrm>
+              <a:off x="10803" y="1402"/>
+              <a:ext cx="959" cy="274"/>
+            </a:xfrm>
+            <a:prstGeom prst="straightConnector1">
+              <a:avLst/>
+            </a:prstGeom>
+            <a:ln w="28575" cmpd="sng">
+              <a:solidFill>
+                <a:schemeClr val="tx1">
+                  <a:lumMod val="65000"/>
+                  <a:lumOff val="35000"/>
+                </a:schemeClr>
+              </a:solidFill>
+              <a:prstDash val="solid"/>
+              <a:tailEnd type="arrow"/>
+            </a:ln>
+          </p:spPr>
+          <p:style>
+            <a:lnRef idx="1">
+              <a:schemeClr val="accent1"/>
+            </a:lnRef>
+            <a:fillRef idx="0">
+              <a:schemeClr val="accent1"/>
+            </a:fillRef>
+            <a:effectRef idx="0">
+              <a:schemeClr val="accent1"/>
+            </a:effectRef>
+            <a:fontRef idx="minor">
+              <a:schemeClr val="tx1"/>
+            </a:fontRef>
+          </p:style>
+        </p:cxnSp>
+      </p:grpSp>
+      <p:grpSp>
+        <p:nvGrpSpPr>
+          <p:cNvPr id="39" name="组合 38"/>
+          <p:cNvGrpSpPr/>
+          <p:nvPr/>
+        </p:nvGrpSpPr>
+        <p:grpSpPr>
+          <a:xfrm>
+            <a:off x="3958590" y="1537335"/>
+            <a:ext cx="608965" cy="1383030"/>
+            <a:chOff x="11037" y="574"/>
+            <a:chExt cx="959" cy="2178"/>
+          </a:xfrm>
+        </p:grpSpPr>
+        <p:cxnSp>
+          <p:nvCxnSpPr>
+            <p:cNvPr id="40" name="直接箭头连接符 39"/>
+            <p:cNvCxnSpPr/>
+            <p:nvPr/>
+          </p:nvCxnSpPr>
+          <p:spPr>
+            <a:xfrm flipV="1">
+              <a:off x="11071" y="574"/>
+              <a:ext cx="891" cy="316"/>
+            </a:xfrm>
+            <a:prstGeom prst="straightConnector1">
+              <a:avLst/>
+            </a:prstGeom>
+            <a:ln w="28575" cmpd="sng">
+              <a:solidFill>
+                <a:schemeClr val="tx1">
+                  <a:lumMod val="65000"/>
+                  <a:lumOff val="35000"/>
+                </a:schemeClr>
+              </a:solidFill>
+              <a:prstDash val="solid"/>
+              <a:tailEnd type="arrow"/>
+            </a:ln>
+          </p:spPr>
+          <p:style>
+            <a:lnRef idx="1">
+              <a:schemeClr val="accent1"/>
+            </a:lnRef>
+            <a:fillRef idx="0">
+              <a:schemeClr val="accent1"/>
+            </a:fillRef>
+            <a:effectRef idx="0">
+              <a:schemeClr val="accent1"/>
+            </a:effectRef>
+            <a:fontRef idx="minor">
+              <a:schemeClr val="tx1"/>
+            </a:fontRef>
+          </p:style>
+        </p:cxnSp>
+        <p:cxnSp>
+          <p:nvCxnSpPr>
+            <p:cNvPr id="41" name="直接箭头连接符 40"/>
+            <p:cNvCxnSpPr/>
+            <p:nvPr/>
+          </p:nvCxnSpPr>
+          <p:spPr>
+            <a:xfrm>
+              <a:off x="11037" y="2478"/>
+              <a:ext cx="959" cy="274"/>
+            </a:xfrm>
+            <a:prstGeom prst="straightConnector1">
+              <a:avLst/>
+            </a:prstGeom>
+            <a:ln w="28575" cmpd="sng">
+              <a:solidFill>
+                <a:schemeClr val="tx1">
+                  <a:lumMod val="65000"/>
+                  <a:lumOff val="35000"/>
+                </a:schemeClr>
+              </a:solidFill>
+              <a:prstDash val="solid"/>
+              <a:tailEnd type="arrow"/>
+            </a:ln>
+          </p:spPr>
+          <p:style>
+            <a:lnRef idx="1">
+              <a:schemeClr val="accent1"/>
+            </a:lnRef>
+            <a:fillRef idx="0">
+              <a:schemeClr val="accent1"/>
+            </a:fillRef>
+            <a:effectRef idx="0">
+              <a:schemeClr val="accent1"/>
+            </a:effectRef>
+            <a:fontRef idx="minor">
+              <a:schemeClr val="tx1"/>
+            </a:fontRef>
+          </p:style>
+        </p:cxnSp>
+      </p:grpSp>
+      <p:grpSp>
+        <p:nvGrpSpPr>
+          <p:cNvPr id="42" name="组合 41"/>
+          <p:cNvGrpSpPr/>
+          <p:nvPr/>
+        </p:nvGrpSpPr>
+        <p:grpSpPr>
+          <a:xfrm>
+            <a:off x="3980180" y="4887595"/>
+            <a:ext cx="608965" cy="1383030"/>
+            <a:chOff x="11037" y="574"/>
+            <a:chExt cx="959" cy="2178"/>
+          </a:xfrm>
+        </p:grpSpPr>
+        <p:cxnSp>
+          <p:nvCxnSpPr>
+            <p:cNvPr id="43" name="直接箭头连接符 42"/>
+            <p:cNvCxnSpPr/>
+            <p:nvPr/>
+          </p:nvCxnSpPr>
+          <p:spPr>
+            <a:xfrm flipV="1">
+              <a:off x="11071" y="574"/>
+              <a:ext cx="891" cy="316"/>
+            </a:xfrm>
+            <a:prstGeom prst="straightConnector1">
+              <a:avLst/>
+            </a:prstGeom>
+            <a:ln w="28575" cmpd="sng">
+              <a:solidFill>
+                <a:schemeClr val="tx1">
+                  <a:lumMod val="65000"/>
+                  <a:lumOff val="35000"/>
+                </a:schemeClr>
+              </a:solidFill>
+              <a:prstDash val="solid"/>
+              <a:tailEnd type="arrow"/>
+            </a:ln>
+          </p:spPr>
+          <p:style>
+            <a:lnRef idx="1">
+              <a:schemeClr val="accent1"/>
+            </a:lnRef>
+            <a:fillRef idx="0">
+              <a:schemeClr val="accent1"/>
+            </a:fillRef>
+            <a:effectRef idx="0">
+              <a:schemeClr val="accent1"/>
+            </a:effectRef>
+            <a:fontRef idx="minor">
+              <a:schemeClr val="tx1"/>
+            </a:fontRef>
+          </p:style>
+        </p:cxnSp>
+        <p:cxnSp>
+          <p:nvCxnSpPr>
+            <p:cNvPr id="44" name="直接箭头连接符 43"/>
+            <p:cNvCxnSpPr/>
+            <p:nvPr/>
+          </p:nvCxnSpPr>
+          <p:spPr>
+            <a:xfrm>
+              <a:off x="11037" y="2478"/>
+              <a:ext cx="959" cy="274"/>
+            </a:xfrm>
+            <a:prstGeom prst="straightConnector1">
+              <a:avLst/>
+            </a:prstGeom>
+            <a:ln w="28575" cmpd="sng">
+              <a:solidFill>
+                <a:schemeClr val="tx1">
+                  <a:lumMod val="65000"/>
+                  <a:lumOff val="35000"/>
+                </a:schemeClr>
+              </a:solidFill>
+              <a:prstDash val="solid"/>
+              <a:tailEnd type="arrow"/>
+            </a:ln>
+          </p:spPr>
+          <p:style>
+            <a:lnRef idx="1">
+              <a:schemeClr val="accent1"/>
+            </a:lnRef>
+            <a:fillRef idx="0">
+              <a:schemeClr val="accent1"/>
+            </a:fillRef>
+            <a:effectRef idx="0">
+              <a:schemeClr val="accent1"/>
+            </a:effectRef>
+            <a:fontRef idx="minor">
+              <a:schemeClr val="tx1"/>
+            </a:fontRef>
+          </p:style>
+        </p:cxnSp>
+      </p:grpSp>
+      <p:grpSp>
+        <p:nvGrpSpPr>
+          <p:cNvPr id="45" name="组合 44"/>
+          <p:cNvGrpSpPr/>
+          <p:nvPr/>
+        </p:nvGrpSpPr>
+        <p:grpSpPr>
+          <a:xfrm>
+            <a:off x="2406015" y="2832735"/>
+            <a:ext cx="504190" cy="2253615"/>
+            <a:chOff x="10976" y="33"/>
+            <a:chExt cx="794" cy="3549"/>
+          </a:xfrm>
+        </p:grpSpPr>
+        <p:cxnSp>
+          <p:nvCxnSpPr>
+            <p:cNvPr id="46" name="直接箭头连接符 45"/>
+            <p:cNvCxnSpPr/>
+            <p:nvPr/>
+          </p:nvCxnSpPr>
+          <p:spPr>
+            <a:xfrm flipV="1">
+              <a:off x="11071" y="33"/>
+              <a:ext cx="699" cy="857"/>
+            </a:xfrm>
+            <a:prstGeom prst="straightConnector1">
+              <a:avLst/>
+            </a:prstGeom>
+            <a:ln w="28575" cmpd="sng">
+              <a:solidFill>
+                <a:schemeClr val="tx1">
+                  <a:lumMod val="65000"/>
+                  <a:lumOff val="35000"/>
+                </a:schemeClr>
+              </a:solidFill>
+              <a:prstDash val="solid"/>
+              <a:tailEnd type="arrow"/>
+            </a:ln>
+          </p:spPr>
+          <p:style>
+            <a:lnRef idx="1">
+              <a:schemeClr val="accent1"/>
+            </a:lnRef>
+            <a:fillRef idx="0">
+              <a:schemeClr val="accent1"/>
+            </a:fillRef>
+            <a:effectRef idx="0">
+              <a:schemeClr val="accent1"/>
+            </a:effectRef>
+            <a:fontRef idx="minor">
+              <a:schemeClr val="tx1"/>
+            </a:fontRef>
+          </p:style>
+        </p:cxnSp>
+        <p:cxnSp>
+          <p:nvCxnSpPr>
+            <p:cNvPr id="47" name="直接箭头连接符 46"/>
+            <p:cNvCxnSpPr/>
+            <p:nvPr/>
+          </p:nvCxnSpPr>
+          <p:spPr>
+            <a:xfrm>
+              <a:off x="10976" y="2754"/>
+              <a:ext cx="676" cy="828"/>
+            </a:xfrm>
+            <a:prstGeom prst="straightConnector1">
+              <a:avLst/>
+            </a:prstGeom>
+            <a:ln w="28575" cmpd="sng">
+              <a:solidFill>
+                <a:schemeClr val="tx1">
+                  <a:lumMod val="65000"/>
+                  <a:lumOff val="35000"/>
                 </a:schemeClr>
               </a:solidFill>
               <a:prstDash val="solid"/>
